--- a/Y3-Sem1/ITプロジェクト開発/自己PRシート/自己PRシートテンプレ_文家俊.pptx
+++ b/Y3-Sem1/ITプロジェクト開発/自己PRシート/自己PRシートテンプレ_文家俊.pptx
@@ -200,7 +200,7 @@
           <a:p>
             <a:fld id="{1DB10FC2-234A-F447-AAAA-720BBAFDE046}" type="datetimeFigureOut">
               <a:rPr kumimoji="1" lang="ja-JP" altLang="en-US" smtClean="0"/>
-              <a:t>2024/7/22</a:t>
+              <a:t>2024/7/25</a:t>
             </a:fld>
             <a:endParaRPr kumimoji="1" lang="ja-JP" altLang="en-US"/>
           </a:p>
@@ -4899,7 +4899,7 @@
         </p:nvSpPr>
         <p:spPr>
           <a:xfrm>
-            <a:off x="1394158" y="1095297"/>
+            <a:off x="1394159" y="1095297"/>
             <a:ext cx="2247731" cy="400110"/>
           </a:xfrm>
           <a:prstGeom prst="rect">
@@ -5123,7 +5123,7 @@
         </p:nvGrpSpPr>
         <p:grpSpPr>
           <a:xfrm>
-            <a:off x="1996414" y="1505052"/>
+            <a:off x="1960414" y="1490652"/>
             <a:ext cx="1531189" cy="792740"/>
             <a:chOff x="2266672" y="1358980"/>
             <a:chExt cx="707590" cy="720294"/>
@@ -5159,8 +5159,8 @@
             <a:p>
               <a:r>
                 <a:rPr kumimoji="1" lang="zh-HK" altLang="en-US" sz="3200" b="1" spc="300" dirty="0">
-                  <a:latin typeface="Microsoft YaHei" panose="020B0503020204020204" pitchFamily="34" charset="-122"/>
-                  <a:ea typeface="Microsoft YaHei" panose="020B0503020204020204" pitchFamily="34" charset="-122"/>
+                  <a:latin typeface="Meiryo UI" panose="020B0604030504040204" pitchFamily="34" charset="-128"/>
+                  <a:ea typeface="Meiryo UI" panose="020B0604030504040204" pitchFamily="34" charset="-128"/>
                   <a:cs typeface="Noto Nastaliq Urdu" panose="020B0502040504020204" pitchFamily="34" charset="-78"/>
                 </a:rPr>
                 <a:t>文家俊</a:t>
@@ -5183,7 +5183,7 @@
           <p:spPr>
             <a:xfrm>
               <a:off x="2284970" y="1358980"/>
-              <a:ext cx="625364" cy="279650"/>
+              <a:ext cx="606104" cy="279650"/>
             </a:xfrm>
             <a:prstGeom prst="rect">
               <a:avLst/>
@@ -5197,36 +5197,28 @@
             <a:lstStyle/>
             <a:p>
               <a:r>
-                <a:rPr kumimoji="1" lang="zh-HK" altLang="en-US" sz="1400" dirty="0">
-                  <a:latin typeface="Microsoft YaHei" panose="020B0503020204020204" pitchFamily="34" charset="-122"/>
-                  <a:ea typeface="Microsoft YaHei" panose="020B0503020204020204" pitchFamily="34" charset="-122"/>
+                <a:rPr kumimoji="1" lang="zh-HK" altLang="en-US" sz="1400" spc="300" dirty="0">
+                  <a:latin typeface="Meiryo UI" panose="020B0604030504040204" pitchFamily="34" charset="-128"/>
+                  <a:ea typeface="Meiryo UI" panose="020B0604030504040204" pitchFamily="34" charset="-128"/>
                   <a:cs typeface="Noto Nastaliq Urdu" panose="020B0502040504020204" pitchFamily="34" charset="-78"/>
                 </a:rPr>
                 <a:t>ブン</a:t>
               </a:r>
               <a:r>
-                <a:rPr kumimoji="1" lang="en-US" altLang="zh-HK" sz="1400" dirty="0">
-                  <a:latin typeface="Microsoft YaHei" panose="020B0503020204020204" pitchFamily="34" charset="-122"/>
-                  <a:ea typeface="Microsoft YaHei" panose="020B0503020204020204" pitchFamily="34" charset="-122"/>
+                <a:rPr kumimoji="1" lang="en-US" altLang="zh-HK" sz="1400" spc="300" dirty="0">
+                  <a:latin typeface="Meiryo UI" panose="020B0604030504040204" pitchFamily="34" charset="-128"/>
+                  <a:ea typeface="Meiryo UI" panose="020B0604030504040204" pitchFamily="34" charset="-128"/>
                   <a:cs typeface="Noto Nastaliq Urdu" panose="020B0502040504020204" pitchFamily="34" charset="-78"/>
                 </a:rPr>
                 <a:t> </a:t>
               </a:r>
               <a:r>
                 <a:rPr kumimoji="1" lang="zh-HK" altLang="en-US" sz="1400" spc="300" dirty="0">
-                  <a:latin typeface="Microsoft YaHei" panose="020B0503020204020204" pitchFamily="34" charset="-122"/>
-                  <a:ea typeface="Microsoft YaHei" panose="020B0503020204020204" pitchFamily="34" charset="-122"/>
+                  <a:latin typeface="Meiryo UI" panose="020B0604030504040204" pitchFamily="34" charset="-128"/>
+                  <a:ea typeface="Meiryo UI" panose="020B0604030504040204" pitchFamily="34" charset="-128"/>
                   <a:cs typeface="Noto Nastaliq Urdu" panose="020B0502040504020204" pitchFamily="34" charset="-78"/>
                 </a:rPr>
-                <a:t>カ</a:t>
-              </a:r>
-              <a:r>
-                <a:rPr kumimoji="1" lang="zh-HK" altLang="en-US" sz="1400" dirty="0">
-                  <a:latin typeface="Microsoft YaHei" panose="020B0503020204020204" pitchFamily="34" charset="-122"/>
-                  <a:ea typeface="Microsoft YaHei" panose="020B0503020204020204" pitchFamily="34" charset="-122"/>
-                  <a:cs typeface="Noto Nastaliq Urdu" panose="020B0502040504020204" pitchFamily="34" charset="-78"/>
-                </a:rPr>
-                <a:t>シュン</a:t>
+                <a:t>カシュン</a:t>
               </a:r>
             </a:p>
           </p:txBody>
@@ -5289,8 +5281,8 @@
         </p:nvSpPr>
         <p:spPr>
           <a:xfrm>
-            <a:off x="103893" y="2700237"/>
-            <a:ext cx="3537992" cy="1092607"/>
+            <a:off x="103893" y="2721011"/>
+            <a:ext cx="3537992" cy="892552"/>
           </a:xfrm>
           <a:prstGeom prst="rect">
             <a:avLst/>
@@ -5306,255 +5298,255 @@
             <a:pPr algn="just"/>
             <a:r>
               <a:rPr lang="zh-HK" altLang="en-US" sz="1300" spc="40" dirty="0">
-                <a:latin typeface="Microsoft YaHei" panose="020B0503020204020204" pitchFamily="34" charset="-122"/>
-                <a:ea typeface="Microsoft YaHei" panose="020B0503020204020204" pitchFamily="34" charset="-122"/>
+                <a:latin typeface="Meiryo UI" panose="020B0604030504040204" pitchFamily="34" charset="-128"/>
+                <a:ea typeface="Meiryo UI" panose="020B0604030504040204" pitchFamily="34" charset="-128"/>
                 <a:cs typeface="Noto Nastaliq Urdu" panose="020B0502040504020204" pitchFamily="34" charset="-78"/>
               </a:rPr>
               <a:t>前職</a:t>
             </a:r>
             <a:r>
               <a:rPr lang="ja-JP" altLang="en-US" sz="1300" spc="40">
-                <a:latin typeface="Microsoft YaHei" panose="020B0503020204020204" pitchFamily="34" charset="-122"/>
-                <a:ea typeface="Microsoft YaHei" panose="020B0503020204020204" pitchFamily="34" charset="-122"/>
+                <a:latin typeface="Meiryo UI" panose="020B0604030504040204" pitchFamily="34" charset="-128"/>
+                <a:ea typeface="Meiryo UI" panose="020B0604030504040204" pitchFamily="34" charset="-128"/>
                 <a:cs typeface="Noto Nastaliq Urdu" panose="020B0502040504020204" pitchFamily="34" charset="-78"/>
               </a:rPr>
               <a:t>でデザイン</a:t>
             </a:r>
             <a:r>
               <a:rPr lang="zh-HK" altLang="en-US" sz="1300" spc="40" dirty="0">
-                <a:latin typeface="Microsoft YaHei" panose="020B0503020204020204" pitchFamily="34" charset="-122"/>
-                <a:ea typeface="Microsoft YaHei" panose="020B0503020204020204" pitchFamily="34" charset="-122"/>
+                <a:latin typeface="Meiryo UI" panose="020B0604030504040204" pitchFamily="34" charset="-128"/>
+                <a:ea typeface="Meiryo UI" panose="020B0604030504040204" pitchFamily="34" charset="-128"/>
                 <a:cs typeface="Noto Nastaliq Urdu" panose="020B0502040504020204" pitchFamily="34" charset="-78"/>
               </a:rPr>
               <a:t>系</a:t>
             </a:r>
             <a:r>
               <a:rPr lang="ja-JP" altLang="en-US" sz="1300" spc="40">
-                <a:latin typeface="Microsoft YaHei" panose="020B0503020204020204" pitchFamily="34" charset="-122"/>
-                <a:ea typeface="Microsoft YaHei" panose="020B0503020204020204" pitchFamily="34" charset="-122"/>
+                <a:latin typeface="Meiryo UI" panose="020B0604030504040204" pitchFamily="34" charset="-128"/>
+                <a:ea typeface="Meiryo UI" panose="020B0604030504040204" pitchFamily="34" charset="-128"/>
                 <a:cs typeface="Noto Nastaliq Urdu" panose="020B0502040504020204" pitchFamily="34" charset="-78"/>
               </a:rPr>
               <a:t>の</a:t>
             </a:r>
             <a:r>
               <a:rPr lang="zh-HK" altLang="en-US" sz="1300" spc="40" dirty="0">
-                <a:latin typeface="Microsoft YaHei" panose="020B0503020204020204" pitchFamily="34" charset="-122"/>
-                <a:ea typeface="Microsoft YaHei" panose="020B0503020204020204" pitchFamily="34" charset="-122"/>
+                <a:latin typeface="Meiryo UI" panose="020B0604030504040204" pitchFamily="34" charset="-128"/>
+                <a:ea typeface="Meiryo UI" panose="020B0604030504040204" pitchFamily="34" charset="-128"/>
                 <a:cs typeface="Noto Nastaliq Urdu" panose="020B0502040504020204" pitchFamily="34" charset="-78"/>
               </a:rPr>
               <a:t>環境</a:t>
             </a:r>
             <a:r>
               <a:rPr lang="ja-JP" altLang="en-US" sz="1300" spc="40">
-                <a:latin typeface="Microsoft YaHei" panose="020B0503020204020204" pitchFamily="34" charset="-122"/>
-                <a:ea typeface="Microsoft YaHei" panose="020B0503020204020204" pitchFamily="34" charset="-122"/>
+                <a:latin typeface="Meiryo UI" panose="020B0604030504040204" pitchFamily="34" charset="-128"/>
+                <a:ea typeface="Meiryo UI" panose="020B0604030504040204" pitchFamily="34" charset="-128"/>
                 <a:cs typeface="Noto Nastaliq Urdu" panose="020B0502040504020204" pitchFamily="34" charset="-78"/>
               </a:rPr>
               <a:t>で</a:t>
             </a:r>
             <a:r>
               <a:rPr lang="zh-HK" altLang="en-US" sz="1300" spc="40" dirty="0">
-                <a:latin typeface="Microsoft YaHei" panose="020B0503020204020204" pitchFamily="34" charset="-122"/>
-                <a:ea typeface="Microsoft YaHei" panose="020B0503020204020204" pitchFamily="34" charset="-122"/>
+                <a:latin typeface="Meiryo UI" panose="020B0604030504040204" pitchFamily="34" charset="-128"/>
+                <a:ea typeface="Meiryo UI" panose="020B0604030504040204" pitchFamily="34" charset="-128"/>
                 <a:cs typeface="Noto Nastaliq Urdu" panose="020B0502040504020204" pitchFamily="34" charset="-78"/>
               </a:rPr>
               <a:t>動画編集者</a:t>
             </a:r>
             <a:r>
               <a:rPr lang="ja-JP" altLang="en-US" sz="1300" spc="40">
-                <a:latin typeface="Microsoft YaHei" panose="020B0503020204020204" pitchFamily="34" charset="-122"/>
-                <a:ea typeface="Microsoft YaHei" panose="020B0503020204020204" pitchFamily="34" charset="-122"/>
+                <a:latin typeface="Meiryo UI" panose="020B0604030504040204" pitchFamily="34" charset="-128"/>
+                <a:ea typeface="Meiryo UI" panose="020B0604030504040204" pitchFamily="34" charset="-128"/>
                 <a:cs typeface="Noto Nastaliq Urdu" panose="020B0502040504020204" pitchFamily="34" charset="-78"/>
               </a:rPr>
               <a:t>として</a:t>
             </a:r>
             <a:r>
               <a:rPr lang="zh-HK" altLang="en-US" sz="1300" spc="40" dirty="0">
-                <a:latin typeface="Microsoft YaHei" panose="020B0503020204020204" pitchFamily="34" charset="-122"/>
-                <a:ea typeface="Microsoft YaHei" panose="020B0503020204020204" pitchFamily="34" charset="-122"/>
+                <a:latin typeface="Meiryo UI" panose="020B0604030504040204" pitchFamily="34" charset="-128"/>
+                <a:ea typeface="Meiryo UI" panose="020B0604030504040204" pitchFamily="34" charset="-128"/>
                 <a:cs typeface="Noto Nastaliq Urdu" panose="020B0502040504020204" pitchFamily="34" charset="-78"/>
               </a:rPr>
               <a:t>働</a:t>
             </a:r>
             <a:r>
               <a:rPr lang="ja-JP" altLang="en-US" sz="1300" spc="40">
-                <a:latin typeface="Microsoft YaHei" panose="020B0503020204020204" pitchFamily="34" charset="-122"/>
-                <a:ea typeface="Microsoft YaHei" panose="020B0503020204020204" pitchFamily="34" charset="-122"/>
+                <a:latin typeface="Meiryo UI" panose="020B0604030504040204" pitchFamily="34" charset="-128"/>
+                <a:ea typeface="Meiryo UI" panose="020B0604030504040204" pitchFamily="34" charset="-128"/>
                 <a:cs typeface="Noto Nastaliq Urdu" panose="020B0502040504020204" pitchFamily="34" charset="-78"/>
               </a:rPr>
               <a:t>きました。そのおかけで、</a:t>
             </a:r>
             <a:r>
               <a:rPr lang="zh-HK" altLang="en-US" sz="1300" spc="40" dirty="0">
-                <a:latin typeface="Microsoft YaHei" panose="020B0503020204020204" pitchFamily="34" charset="-122"/>
-                <a:ea typeface="Microsoft YaHei" panose="020B0503020204020204" pitchFamily="34" charset="-122"/>
+                <a:latin typeface="Meiryo UI" panose="020B0604030504040204" pitchFamily="34" charset="-128"/>
+                <a:ea typeface="Meiryo UI" panose="020B0604030504040204" pitchFamily="34" charset="-128"/>
                 <a:cs typeface="Noto Nastaliq Urdu" panose="020B0502040504020204" pitchFamily="34" charset="-78"/>
               </a:rPr>
               <a:t>画像</a:t>
             </a:r>
             <a:r>
               <a:rPr lang="ja-JP" altLang="en-US" sz="1300" spc="40">
-                <a:latin typeface="Microsoft YaHei" panose="020B0503020204020204" pitchFamily="34" charset="-122"/>
-                <a:ea typeface="Microsoft YaHei" panose="020B0503020204020204" pitchFamily="34" charset="-122"/>
+                <a:latin typeface="Meiryo UI" panose="020B0604030504040204" pitchFamily="34" charset="-128"/>
+                <a:ea typeface="Meiryo UI" panose="020B0604030504040204" pitchFamily="34" charset="-128"/>
                 <a:cs typeface="Noto Nastaliq Urdu" panose="020B0502040504020204" pitchFamily="34" charset="-78"/>
               </a:rPr>
               <a:t>のデザインに</a:t>
             </a:r>
             <a:r>
               <a:rPr lang="zh-HK" altLang="en-US" sz="1300" spc="40" dirty="0">
-                <a:latin typeface="Microsoft YaHei" panose="020B0503020204020204" pitchFamily="34" charset="-122"/>
-                <a:ea typeface="Microsoft YaHei" panose="020B0503020204020204" pitchFamily="34" charset="-122"/>
+                <a:latin typeface="Meiryo UI" panose="020B0604030504040204" pitchFamily="34" charset="-128"/>
+                <a:ea typeface="Meiryo UI" panose="020B0604030504040204" pitchFamily="34" charset="-128"/>
                 <a:cs typeface="Noto Nastaliq Urdu" panose="020B0502040504020204" pitchFamily="34" charset="-78"/>
               </a:rPr>
               <a:t>対</a:t>
             </a:r>
             <a:r>
               <a:rPr lang="ja-JP" altLang="en-US" sz="1300" spc="40">
-                <a:latin typeface="Microsoft YaHei" panose="020B0503020204020204" pitchFamily="34" charset="-122"/>
-                <a:ea typeface="Microsoft YaHei" panose="020B0503020204020204" pitchFamily="34" charset="-122"/>
+                <a:latin typeface="Meiryo UI" panose="020B0604030504040204" pitchFamily="34" charset="-128"/>
+                <a:ea typeface="Meiryo UI" panose="020B0604030504040204" pitchFamily="34" charset="-128"/>
                 <a:cs typeface="Noto Nastaliq Urdu" panose="020B0502040504020204" pitchFamily="34" charset="-78"/>
               </a:rPr>
               <a:t>して</a:t>
             </a:r>
             <a:r>
               <a:rPr lang="zh-HK" altLang="en-US" sz="1300" spc="40" dirty="0">
-                <a:latin typeface="Microsoft YaHei" panose="020B0503020204020204" pitchFamily="34" charset="-122"/>
-                <a:ea typeface="Microsoft YaHei" panose="020B0503020204020204" pitchFamily="34" charset="-122"/>
+                <a:latin typeface="Meiryo UI" panose="020B0604030504040204" pitchFamily="34" charset="-128"/>
+                <a:ea typeface="Meiryo UI" panose="020B0604030504040204" pitchFamily="34" charset="-128"/>
                 <a:cs typeface="Noto Nastaliq Urdu" panose="020B0502040504020204" pitchFamily="34" charset="-78"/>
               </a:rPr>
               <a:t>面白</a:t>
             </a:r>
             <a:r>
               <a:rPr lang="ja-JP" altLang="en-US" sz="1300" spc="40">
-                <a:latin typeface="Microsoft YaHei" panose="020B0503020204020204" pitchFamily="34" charset="-122"/>
-                <a:ea typeface="Microsoft YaHei" panose="020B0503020204020204" pitchFamily="34" charset="-122"/>
+                <a:latin typeface="Meiryo UI" panose="020B0604030504040204" pitchFamily="34" charset="-128"/>
+                <a:ea typeface="Meiryo UI" panose="020B0604030504040204" pitchFamily="34" charset="-128"/>
                 <a:cs typeface="Noto Nastaliq Urdu" panose="020B0502040504020204" pitchFamily="34" charset="-78"/>
               </a:rPr>
               <a:t>く</a:t>
             </a:r>
             <a:r>
               <a:rPr lang="zh-HK" altLang="en-US" sz="1300" spc="40" dirty="0">
-                <a:latin typeface="Microsoft YaHei" panose="020B0503020204020204" pitchFamily="34" charset="-122"/>
-                <a:ea typeface="Microsoft YaHei" panose="020B0503020204020204" pitchFamily="34" charset="-122"/>
+                <a:latin typeface="Meiryo UI" panose="020B0604030504040204" pitchFamily="34" charset="-128"/>
+                <a:ea typeface="Meiryo UI" panose="020B0604030504040204" pitchFamily="34" charset="-128"/>
                 <a:cs typeface="Noto Nastaliq Urdu" panose="020B0502040504020204" pitchFamily="34" charset="-78"/>
               </a:rPr>
               <a:t>感</a:t>
             </a:r>
             <a:r>
               <a:rPr lang="ja-JP" altLang="en-US" sz="1300" spc="40">
-                <a:latin typeface="Microsoft YaHei" panose="020B0503020204020204" pitchFamily="34" charset="-122"/>
-                <a:ea typeface="Microsoft YaHei" panose="020B0503020204020204" pitchFamily="34" charset="-122"/>
+                <a:latin typeface="Meiryo UI" panose="020B0604030504040204" pitchFamily="34" charset="-128"/>
+                <a:ea typeface="Meiryo UI" panose="020B0604030504040204" pitchFamily="34" charset="-128"/>
                 <a:cs typeface="Noto Nastaliq Urdu" panose="020B0502040504020204" pitchFamily="34" charset="-78"/>
               </a:rPr>
               <a:t>じ、</a:t>
             </a:r>
             <a:r>
               <a:rPr lang="zh-HK" altLang="en-US" sz="1300" spc="40" dirty="0">
-                <a:latin typeface="Microsoft YaHei" panose="020B0503020204020204" pitchFamily="34" charset="-122"/>
-                <a:ea typeface="Microsoft YaHei" panose="020B0503020204020204" pitchFamily="34" charset="-122"/>
+                <a:latin typeface="Meiryo UI" panose="020B0604030504040204" pitchFamily="34" charset="-128"/>
+                <a:ea typeface="Meiryo UI" panose="020B0604030504040204" pitchFamily="34" charset="-128"/>
                 <a:cs typeface="Noto Nastaliq Urdu" panose="020B0502040504020204" pitchFamily="34" charset="-78"/>
               </a:rPr>
               <a:t>日本</a:t>
             </a:r>
             <a:r>
               <a:rPr lang="ja-JP" altLang="en-US" sz="1300" spc="40">
-                <a:latin typeface="Microsoft YaHei" panose="020B0503020204020204" pitchFamily="34" charset="-122"/>
-                <a:ea typeface="Microsoft YaHei" panose="020B0503020204020204" pitchFamily="34" charset="-122"/>
+                <a:latin typeface="Meiryo UI" panose="020B0604030504040204" pitchFamily="34" charset="-128"/>
+                <a:ea typeface="Meiryo UI" panose="020B0604030504040204" pitchFamily="34" charset="-128"/>
                 <a:cs typeface="Noto Nastaliq Urdu" panose="020B0502040504020204" pitchFamily="34" charset="-78"/>
               </a:rPr>
               <a:t>へ</a:t>
             </a:r>
             <a:r>
               <a:rPr lang="zh-HK" altLang="en-US" sz="1300" spc="40" dirty="0">
-                <a:latin typeface="Microsoft YaHei" panose="020B0503020204020204" pitchFamily="34" charset="-122"/>
-                <a:ea typeface="Microsoft YaHei" panose="020B0503020204020204" pitchFamily="34" charset="-122"/>
+                <a:latin typeface="Meiryo UI" panose="020B0604030504040204" pitchFamily="34" charset="-128"/>
+                <a:ea typeface="Meiryo UI" panose="020B0604030504040204" pitchFamily="34" charset="-128"/>
                 <a:cs typeface="Noto Nastaliq Urdu" panose="020B0502040504020204" pitchFamily="34" charset="-78"/>
               </a:rPr>
               <a:t>来</a:t>
             </a:r>
             <a:r>
               <a:rPr lang="ja-JP" altLang="en-US" sz="1300" spc="40">
-                <a:latin typeface="Microsoft YaHei" panose="020B0503020204020204" pitchFamily="34" charset="-122"/>
-                <a:ea typeface="Microsoft YaHei" panose="020B0503020204020204" pitchFamily="34" charset="-122"/>
+                <a:latin typeface="Meiryo UI" panose="020B0604030504040204" pitchFamily="34" charset="-128"/>
+                <a:ea typeface="Meiryo UI" panose="020B0604030504040204" pitchFamily="34" charset="-128"/>
                 <a:cs typeface="Noto Nastaliq Urdu" panose="020B0502040504020204" pitchFamily="34" charset="-78"/>
               </a:rPr>
               <a:t>てから、</a:t>
             </a:r>
             <a:r>
               <a:rPr lang="zh-HK" altLang="en-US" sz="1300" spc="40" dirty="0">
-                <a:latin typeface="Microsoft YaHei" panose="020B0503020204020204" pitchFamily="34" charset="-122"/>
-                <a:ea typeface="Microsoft YaHei" panose="020B0503020204020204" pitchFamily="34" charset="-122"/>
+                <a:latin typeface="Meiryo UI" panose="020B0604030504040204" pitchFamily="34" charset="-128"/>
+                <a:ea typeface="Meiryo UI" panose="020B0604030504040204" pitchFamily="34" charset="-128"/>
                 <a:cs typeface="Noto Nastaliq Urdu" panose="020B0502040504020204" pitchFamily="34" charset="-78"/>
               </a:rPr>
               <a:t>専門学校</a:t>
             </a:r>
             <a:r>
               <a:rPr lang="ja-JP" altLang="en-US" sz="1300" spc="40">
-                <a:latin typeface="Microsoft YaHei" panose="020B0503020204020204" pitchFamily="34" charset="-122"/>
-                <a:ea typeface="Microsoft YaHei" panose="020B0503020204020204" pitchFamily="34" charset="-122"/>
+                <a:latin typeface="Meiryo UI" panose="020B0604030504040204" pitchFamily="34" charset="-128"/>
+                <a:ea typeface="Meiryo UI" panose="020B0604030504040204" pitchFamily="34" charset="-128"/>
                 <a:cs typeface="Noto Nastaliq Urdu" panose="020B0502040504020204" pitchFamily="34" charset="-78"/>
               </a:rPr>
               <a:t>で</a:t>
             </a:r>
             <a:r>
               <a:rPr lang="en-US" altLang="zh-HK" sz="1300" spc="40" dirty="0">
-                <a:latin typeface="Microsoft YaHei" panose="020B0503020204020204" pitchFamily="34" charset="-122"/>
-                <a:ea typeface="Microsoft YaHei" panose="020B0503020204020204" pitchFamily="34" charset="-122"/>
+                <a:latin typeface="Meiryo UI" panose="020B0604030504040204" pitchFamily="34" charset="-128"/>
+                <a:ea typeface="Meiryo UI" panose="020B0604030504040204" pitchFamily="34" charset="-128"/>
                 <a:cs typeface="Noto Nastaliq Urdu" panose="020B0502040504020204" pitchFamily="34" charset="-78"/>
               </a:rPr>
               <a:t>Web</a:t>
             </a:r>
             <a:r>
               <a:rPr lang="zh-HK" altLang="en-US" sz="1300" spc="40" dirty="0">
-                <a:latin typeface="Microsoft YaHei" panose="020B0503020204020204" pitchFamily="34" charset="-122"/>
-                <a:ea typeface="Microsoft YaHei" panose="020B0503020204020204" pitchFamily="34" charset="-122"/>
+                <a:latin typeface="Meiryo UI" panose="020B0604030504040204" pitchFamily="34" charset="-128"/>
+                <a:ea typeface="Meiryo UI" panose="020B0604030504040204" pitchFamily="34" charset="-128"/>
                 <a:cs typeface="Noto Nastaliq Urdu" panose="020B0502040504020204" pitchFamily="34" charset="-78"/>
               </a:rPr>
               <a:t>系</a:t>
             </a:r>
             <a:r>
               <a:rPr lang="ja-JP" altLang="en-US" sz="1300" spc="40">
-                <a:latin typeface="Microsoft YaHei" panose="020B0503020204020204" pitchFamily="34" charset="-122"/>
-                <a:ea typeface="Microsoft YaHei" panose="020B0503020204020204" pitchFamily="34" charset="-122"/>
+                <a:latin typeface="Meiryo UI" panose="020B0604030504040204" pitchFamily="34" charset="-128"/>
+                <a:ea typeface="Meiryo UI" panose="020B0604030504040204" pitchFamily="34" charset="-128"/>
                 <a:cs typeface="Noto Nastaliq Urdu" panose="020B0502040504020204" pitchFamily="34" charset="-78"/>
               </a:rPr>
               <a:t>のプログラミングの</a:t>
             </a:r>
             <a:r>
               <a:rPr lang="zh-HK" altLang="en-US" sz="1300" spc="40" dirty="0">
-                <a:latin typeface="Microsoft YaHei" panose="020B0503020204020204" pitchFamily="34" charset="-122"/>
-                <a:ea typeface="Microsoft YaHei" panose="020B0503020204020204" pitchFamily="34" charset="-122"/>
+                <a:latin typeface="Meiryo UI" panose="020B0604030504040204" pitchFamily="34" charset="-128"/>
+                <a:ea typeface="Meiryo UI" panose="020B0604030504040204" pitchFamily="34" charset="-128"/>
                 <a:cs typeface="Noto Nastaliq Urdu" panose="020B0502040504020204" pitchFamily="34" charset="-78"/>
               </a:rPr>
               <a:t>技術</a:t>
             </a:r>
             <a:r>
               <a:rPr lang="ja-JP" altLang="en-US" sz="1300" spc="40">
-                <a:latin typeface="Microsoft YaHei" panose="020B0503020204020204" pitchFamily="34" charset="-122"/>
-                <a:ea typeface="Microsoft YaHei" panose="020B0503020204020204" pitchFamily="34" charset="-122"/>
+                <a:latin typeface="Meiryo UI" panose="020B0604030504040204" pitchFamily="34" charset="-128"/>
+                <a:ea typeface="Meiryo UI" panose="020B0604030504040204" pitchFamily="34" charset="-128"/>
                 <a:cs typeface="Noto Nastaliq Urdu" panose="020B0502040504020204" pitchFamily="34" charset="-78"/>
               </a:rPr>
               <a:t>を</a:t>
             </a:r>
             <a:r>
               <a:rPr lang="zh-HK" altLang="en-US" sz="1300" spc="40" dirty="0">
-                <a:latin typeface="Microsoft YaHei" panose="020B0503020204020204" pitchFamily="34" charset="-122"/>
-                <a:ea typeface="Microsoft YaHei" panose="020B0503020204020204" pitchFamily="34" charset="-122"/>
+                <a:latin typeface="Meiryo UI" panose="020B0604030504040204" pitchFamily="34" charset="-128"/>
+                <a:ea typeface="Meiryo UI" panose="020B0604030504040204" pitchFamily="34" charset="-128"/>
                 <a:cs typeface="Noto Nastaliq Urdu" panose="020B0502040504020204" pitchFamily="34" charset="-78"/>
               </a:rPr>
               <a:t>学</a:t>
             </a:r>
             <a:r>
               <a:rPr lang="ja-JP" altLang="en-US" sz="1300" spc="40">
-                <a:latin typeface="Microsoft YaHei" panose="020B0503020204020204" pitchFamily="34" charset="-122"/>
-                <a:ea typeface="Microsoft YaHei" panose="020B0503020204020204" pitchFamily="34" charset="-122"/>
+                <a:latin typeface="Meiryo UI" panose="020B0604030504040204" pitchFamily="34" charset="-128"/>
+                <a:ea typeface="Meiryo UI" panose="020B0604030504040204" pitchFamily="34" charset="-128"/>
                 <a:cs typeface="Noto Nastaliq Urdu" panose="020B0502040504020204" pitchFamily="34" charset="-78"/>
               </a:rPr>
               <a:t>びました。</a:t>
             </a:r>
             <a:endParaRPr kumimoji="1" lang="zh-HK" altLang="en-US" sz="1300" spc="40" dirty="0">
-              <a:latin typeface="Microsoft YaHei" panose="020B0503020204020204" pitchFamily="34" charset="-122"/>
-              <a:ea typeface="Microsoft YaHei" panose="020B0503020204020204" pitchFamily="34" charset="-122"/>
+              <a:latin typeface="Meiryo UI" panose="020B0604030504040204" pitchFamily="34" charset="-128"/>
+              <a:ea typeface="Meiryo UI" panose="020B0604030504040204" pitchFamily="34" charset="-128"/>
               <a:cs typeface="Noto Nastaliq Urdu" panose="020B0502040504020204" pitchFamily="34" charset="-78"/>
             </a:endParaRPr>
           </a:p>
@@ -5575,7 +5567,7 @@
         <p:spPr>
           <a:xfrm>
             <a:off x="91542" y="2432239"/>
-            <a:ext cx="3518912" cy="292388"/>
+            <a:ext cx="2751074" cy="292388"/>
           </a:xfrm>
           <a:prstGeom prst="rect">
             <a:avLst/>
@@ -5590,29 +5582,32 @@
           <a:p>
             <a:r>
               <a:rPr lang="ja-JP" altLang="en-US" sz="1300">
-                <a:latin typeface="Microsoft YaHei" panose="020B0503020204020204" pitchFamily="34" charset="-122"/>
-                <a:ea typeface="Microsoft YaHei" panose="020B0503020204020204" pitchFamily="34" charset="-122"/>
+                <a:latin typeface="Meiryo UI" panose="020B0604030504040204" pitchFamily="34" charset="-128"/>
+                <a:ea typeface="Meiryo UI" panose="020B0604030504040204" pitchFamily="34" charset="-128"/>
                 <a:cs typeface="Noto Nastaliq Urdu" panose="020B0502040504020204" pitchFamily="34" charset="-78"/>
               </a:rPr>
               <a:t>フルスタックエンジニアを</a:t>
             </a:r>
             <a:r>
               <a:rPr lang="zh-HK" altLang="en-US" sz="1300" dirty="0">
-                <a:latin typeface="Microsoft YaHei" panose="020B0503020204020204" pitchFamily="34" charset="-122"/>
-                <a:ea typeface="Microsoft YaHei" panose="020B0503020204020204" pitchFamily="34" charset="-122"/>
+                <a:latin typeface="Meiryo UI" panose="020B0604030504040204" pitchFamily="34" charset="-128"/>
+                <a:ea typeface="Meiryo UI" panose="020B0604030504040204" pitchFamily="34" charset="-128"/>
                 <a:cs typeface="Noto Nastaliq Urdu" panose="020B0502040504020204" pitchFamily="34" charset="-78"/>
               </a:rPr>
               <a:t>志望</a:t>
             </a:r>
             <a:r>
               <a:rPr lang="ja-JP" altLang="en-US" sz="1300">
-                <a:latin typeface="Microsoft YaHei" panose="020B0503020204020204" pitchFamily="34" charset="-122"/>
-                <a:ea typeface="Microsoft YaHei" panose="020B0503020204020204" pitchFamily="34" charset="-122"/>
+                <a:latin typeface="Meiryo UI" panose="020B0604030504040204" pitchFamily="34" charset="-128"/>
+                <a:ea typeface="Meiryo UI" panose="020B0604030504040204" pitchFamily="34" charset="-128"/>
                 <a:cs typeface="Noto Nastaliq Urdu" panose="020B0502040504020204" pitchFamily="34" charset="-78"/>
               </a:rPr>
               <a:t>しています。</a:t>
             </a:r>
-            <a:endParaRPr kumimoji="1" lang="zh-HK" altLang="en-US" sz="1300" dirty="0"/>
+            <a:endParaRPr kumimoji="1" lang="zh-HK" altLang="en-US" sz="1300" dirty="0">
+              <a:latin typeface="Meiryo UI" panose="020B0604030504040204" pitchFamily="34" charset="-128"/>
+              <a:ea typeface="Meiryo UI" panose="020B0604030504040204" pitchFamily="34" charset="-128"/>
+            </a:endParaRPr>
           </a:p>
         </p:txBody>
       </p:sp>
@@ -5630,7 +5625,7 @@
         </p:nvGrpSpPr>
         <p:grpSpPr>
           <a:xfrm>
-            <a:off x="2937988" y="3706049"/>
+            <a:off x="2937988" y="3731450"/>
             <a:ext cx="605308" cy="811539"/>
             <a:chOff x="3059248" y="3578094"/>
             <a:chExt cx="711435" cy="953825"/>
@@ -5712,10 +5707,10 @@
       </p:grpSp>
       <p:grpSp>
         <p:nvGrpSpPr>
-          <p:cNvPr id="65" name="群組 64">
-            <a:extLst>
-              <a:ext uri="{FF2B5EF4-FFF2-40B4-BE49-F238E27FC236}">
-                <a16:creationId xmlns:a16="http://schemas.microsoft.com/office/drawing/2014/main" id="{06D49198-3437-086F-35F0-A8D1AE935052}"/>
+          <p:cNvPr id="5" name="群組 4">
+            <a:extLst>
+              <a:ext uri="{FF2B5EF4-FFF2-40B4-BE49-F238E27FC236}">
+                <a16:creationId xmlns:a16="http://schemas.microsoft.com/office/drawing/2014/main" id="{0FA146BA-8A99-7CE2-2ED1-6410C7565E33}"/>
               </a:ext>
             </a:extLst>
           </p:cNvPr>
@@ -5724,48 +5719,112 @@
         </p:nvGrpSpPr>
         <p:grpSpPr>
           <a:xfrm>
-            <a:off x="2133036" y="3697650"/>
-            <a:ext cx="647685" cy="826208"/>
-            <a:chOff x="1992273" y="3572306"/>
-            <a:chExt cx="749095" cy="955570"/>
+            <a:off x="139857" y="3723051"/>
+            <a:ext cx="2640864" cy="826208"/>
+            <a:chOff x="139857" y="3723051"/>
+            <a:chExt cx="2640864" cy="826208"/>
           </a:xfrm>
         </p:grpSpPr>
-        <p:pic>
-          <p:nvPicPr>
-            <p:cNvPr id="63" name="圖片 62" descr="一張含有 符號, 圓形, 樣式, 圖形 的圖片&#10;&#10;自動產生的描述">
+        <p:grpSp>
+          <p:nvGrpSpPr>
+            <p:cNvPr id="65" name="群組 64">
               <a:extLst>
                 <a:ext uri="{FF2B5EF4-FFF2-40B4-BE49-F238E27FC236}">
-                  <a16:creationId xmlns:a16="http://schemas.microsoft.com/office/drawing/2014/main" id="{72AE8CEB-F3D2-60B9-A817-351991AEA465}"/>
+                  <a16:creationId xmlns:a16="http://schemas.microsoft.com/office/drawing/2014/main" id="{06D49198-3437-086F-35F0-A8D1AE935052}"/>
                 </a:ext>
               </a:extLst>
             </p:cNvPr>
-            <p:cNvPicPr>
-              <a:picLocks noChangeAspect="1"/>
-            </p:cNvPicPr>
+            <p:cNvGrpSpPr/>
             <p:nvPr/>
-          </p:nvPicPr>
-          <p:blipFill>
-            <a:blip r:embed="rId5"/>
-            <a:stretch>
-              <a:fillRect/>
-            </a:stretch>
-          </p:blipFill>
-          <p:spPr>
+          </p:nvGrpSpPr>
+          <p:grpSpPr>
             <a:xfrm>
-              <a:off x="1992273" y="3572306"/>
-              <a:ext cx="749095" cy="749095"/>
+              <a:off x="2133036" y="3723051"/>
+              <a:ext cx="647685" cy="826208"/>
+              <a:chOff x="1992273" y="3572306"/>
+              <a:chExt cx="749095" cy="955570"/>
             </a:xfrm>
-            <a:prstGeom prst="rect">
-              <a:avLst/>
-            </a:prstGeom>
-          </p:spPr>
-        </p:pic>
+          </p:grpSpPr>
+          <p:pic>
+            <p:nvPicPr>
+              <p:cNvPr id="63" name="圖片 62" descr="一張含有 符號, 圓形, 樣式, 圖形 的圖片&#10;&#10;自動產生的描述">
+                <a:extLst>
+                  <a:ext uri="{FF2B5EF4-FFF2-40B4-BE49-F238E27FC236}">
+                    <a16:creationId xmlns:a16="http://schemas.microsoft.com/office/drawing/2014/main" id="{72AE8CEB-F3D2-60B9-A817-351991AEA465}"/>
+                  </a:ext>
+                </a:extLst>
+              </p:cNvPr>
+              <p:cNvPicPr>
+                <a:picLocks noChangeAspect="1"/>
+              </p:cNvPicPr>
+              <p:nvPr/>
+            </p:nvPicPr>
+            <p:blipFill>
+              <a:blip r:embed="rId5"/>
+              <a:stretch>
+                <a:fillRect/>
+              </a:stretch>
+            </p:blipFill>
+            <p:spPr>
+              <a:xfrm>
+                <a:off x="1992273" y="3572306"/>
+                <a:ext cx="749095" cy="749095"/>
+              </a:xfrm>
+              <a:prstGeom prst="rect">
+                <a:avLst/>
+              </a:prstGeom>
+            </p:spPr>
+          </p:pic>
+          <p:sp>
+            <p:nvSpPr>
+              <p:cNvPr id="64" name="文字方塊 63">
+                <a:extLst>
+                  <a:ext uri="{FF2B5EF4-FFF2-40B4-BE49-F238E27FC236}">
+                    <a16:creationId xmlns:a16="http://schemas.microsoft.com/office/drawing/2014/main" id="{D55E0F6D-8988-2322-E526-9F1A0881D525}"/>
+                  </a:ext>
+                </a:extLst>
+              </p:cNvPr>
+              <p:cNvSpPr txBox="1"/>
+              <p:nvPr/>
+            </p:nvSpPr>
+            <p:spPr>
+              <a:xfrm>
+                <a:off x="2007710" y="4278699"/>
+                <a:ext cx="706742" cy="249177"/>
+              </a:xfrm>
+              <a:prstGeom prst="rect">
+                <a:avLst/>
+              </a:prstGeom>
+              <a:noFill/>
+            </p:spPr>
+            <p:txBody>
+              <a:bodyPr wrap="none" rtlCol="0">
+                <a:spAutoFit/>
+              </a:bodyPr>
+              <a:lstStyle/>
+              <a:p>
+                <a:pPr algn="ctr"/>
+                <a:r>
+                  <a:rPr kumimoji="1" lang="en-US" altLang="zh-HK" sz="800" dirty="0">
+                    <a:latin typeface="Microsoft YaHei" panose="020B0503020204020204" pitchFamily="34" charset="-122"/>
+                    <a:ea typeface="Microsoft YaHei" panose="020B0503020204020204" pitchFamily="34" charset="-122"/>
+                  </a:rPr>
+                  <a:t>Portfolio</a:t>
+                </a:r>
+                <a:endParaRPr kumimoji="1" lang="zh-HK" altLang="en-US" sz="800" dirty="0">
+                  <a:latin typeface="Microsoft YaHei" panose="020B0503020204020204" pitchFamily="34" charset="-122"/>
+                  <a:ea typeface="Microsoft YaHei" panose="020B0503020204020204" pitchFamily="34" charset="-122"/>
+                </a:endParaRPr>
+              </a:p>
+            </p:txBody>
+          </p:sp>
+        </p:grpSp>
         <p:sp>
           <p:nvSpPr>
-            <p:cNvPr id="64" name="文字方塊 63">
+            <p:cNvPr id="66" name="文字方塊 65">
               <a:extLst>
                 <a:ext uri="{FF2B5EF4-FFF2-40B4-BE49-F238E27FC236}">
-                  <a16:creationId xmlns:a16="http://schemas.microsoft.com/office/drawing/2014/main" id="{D55E0F6D-8988-2322-E526-9F1A0881D525}"/>
+                  <a16:creationId xmlns:a16="http://schemas.microsoft.com/office/drawing/2014/main" id="{2E4D7C48-4D4F-F9AA-1FE5-3D862E95B705}"/>
                 </a:ext>
               </a:extLst>
             </p:cNvPr>
@@ -5774,8 +5833,8 @@
           </p:nvSpPr>
           <p:spPr>
             <a:xfrm>
-              <a:off x="2007710" y="4278699"/>
-              <a:ext cx="706742" cy="249177"/>
+              <a:off x="139857" y="3743519"/>
+              <a:ext cx="1933543" cy="521746"/>
             </a:xfrm>
             <a:prstGeom prst="rect">
               <a:avLst/>
@@ -5788,94 +5847,51 @@
             </a:bodyPr>
             <a:lstStyle/>
             <a:p>
-              <a:pPr algn="ctr"/>
+              <a:pPr>
+                <a:lnSpc>
+                  <a:spcPct val="150000"/>
+                </a:lnSpc>
+              </a:pPr>
               <a:r>
-                <a:rPr kumimoji="1" lang="en-US" altLang="zh-HK" sz="800" dirty="0">
-                  <a:latin typeface="Microsoft YaHei" panose="020B0503020204020204" pitchFamily="34" charset="-122"/>
-                  <a:ea typeface="Microsoft YaHei" panose="020B0503020204020204" pitchFamily="34" charset="-122"/>
+                <a:rPr kumimoji="1" lang="en-US" altLang="zh-HK" sz="1000" b="1" dirty="0">
+                  <a:latin typeface="Meiryo UI" panose="020B0604030504040204" pitchFamily="34" charset="-128"/>
+                  <a:ea typeface="Meiryo UI" panose="020B0604030504040204" pitchFamily="34" charset="-128"/>
                 </a:rPr>
-                <a:t>Portfolio</a:t>
+                <a:t>TEL : 0</a:t>
               </a:r>
-              <a:endParaRPr kumimoji="1" lang="zh-HK" altLang="en-US" sz="800" dirty="0">
-                <a:latin typeface="Microsoft YaHei" panose="020B0503020204020204" pitchFamily="34" charset="-122"/>
-                <a:ea typeface="Microsoft YaHei" panose="020B0503020204020204" pitchFamily="34" charset="-122"/>
+              <a:r>
+                <a:rPr kumimoji="1" lang="en-US" altLang="zh-TW" sz="1000" b="1" dirty="0">
+                  <a:latin typeface="Meiryo UI" panose="020B0604030504040204" pitchFamily="34" charset="-128"/>
+                  <a:ea typeface="Meiryo UI" panose="020B0604030504040204" pitchFamily="34" charset="-128"/>
+                </a:rPr>
+                <a:t>80-9417-6170</a:t>
+              </a:r>
+              <a:endParaRPr kumimoji="1" lang="en-US" altLang="zh-HK" sz="1000" b="1" dirty="0">
+                <a:latin typeface="Meiryo UI" panose="020B0604030504040204" pitchFamily="34" charset="-128"/>
+                <a:ea typeface="Meiryo UI" panose="020B0604030504040204" pitchFamily="34" charset="-128"/>
+              </a:endParaRPr>
+            </a:p>
+            <a:p>
+              <a:pPr>
+                <a:lnSpc>
+                  <a:spcPct val="150000"/>
+                </a:lnSpc>
+              </a:pPr>
+              <a:r>
+                <a:rPr kumimoji="1" lang="en-US" altLang="zh-HK" sz="1000" b="1" dirty="0" err="1">
+                  <a:latin typeface="Meiryo UI" panose="020B0604030504040204" pitchFamily="34" charset="-128"/>
+                  <a:ea typeface="Meiryo UI" panose="020B0604030504040204" pitchFamily="34" charset="-128"/>
+                </a:rPr>
+                <a:t>Cyrusmanosa@gmail.com</a:t>
+              </a:r>
+              <a:endParaRPr kumimoji="1" lang="en-US" altLang="zh-HK" sz="1000" b="1" dirty="0">
+                <a:latin typeface="Meiryo UI" panose="020B0604030504040204" pitchFamily="34" charset="-128"/>
+                <a:ea typeface="Meiryo UI" panose="020B0604030504040204" pitchFamily="34" charset="-128"/>
               </a:endParaRPr>
             </a:p>
           </p:txBody>
         </p:sp>
       </p:grpSp>
-      <p:sp>
-        <p:nvSpPr>
-          <p:cNvPr id="66" name="文字方塊 65">
-            <a:extLst>
-              <a:ext uri="{FF2B5EF4-FFF2-40B4-BE49-F238E27FC236}">
-                <a16:creationId xmlns:a16="http://schemas.microsoft.com/office/drawing/2014/main" id="{2E4D7C48-4D4F-F9AA-1FE5-3D862E95B705}"/>
-              </a:ext>
-            </a:extLst>
-          </p:cNvPr>
-          <p:cNvSpPr txBox="1"/>
-          <p:nvPr/>
-        </p:nvSpPr>
-        <p:spPr>
-          <a:xfrm>
-            <a:off x="112931" y="3820234"/>
-            <a:ext cx="2020105" cy="570221"/>
-          </a:xfrm>
-          <a:prstGeom prst="rect">
-            <a:avLst/>
-          </a:prstGeom>
-          <a:noFill/>
-        </p:spPr>
-        <p:txBody>
-          <a:bodyPr wrap="none" rtlCol="0">
-            <a:spAutoFit/>
-          </a:bodyPr>
-          <a:lstStyle/>
-          <a:p>
-            <a:pPr>
-              <a:lnSpc>
-                <a:spcPct val="150000"/>
-              </a:lnSpc>
-            </a:pPr>
-            <a:r>
-              <a:rPr kumimoji="1" lang="en-US" altLang="zh-HK" sz="1100" b="1" dirty="0">
-                <a:latin typeface="Microsoft YaHei" panose="020B0503020204020204" pitchFamily="34" charset="-122"/>
-                <a:ea typeface="Microsoft YaHei" panose="020B0503020204020204" pitchFamily="34" charset="-122"/>
-              </a:rPr>
-              <a:t>TEL : 0</a:t>
-            </a:r>
-            <a:r>
-              <a:rPr kumimoji="1" lang="en-US" altLang="zh-TW" sz="1100" b="1" dirty="0">
-                <a:latin typeface="Microsoft YaHei" panose="020B0503020204020204" pitchFamily="34" charset="-122"/>
-                <a:ea typeface="Microsoft YaHei" panose="020B0503020204020204" pitchFamily="34" charset="-122"/>
-              </a:rPr>
-              <a:t>80-9417-6170</a:t>
-            </a:r>
-            <a:endParaRPr kumimoji="1" lang="en-US" altLang="zh-HK" sz="1100" b="1" dirty="0">
-              <a:latin typeface="Microsoft YaHei" panose="020B0503020204020204" pitchFamily="34" charset="-122"/>
-              <a:ea typeface="Microsoft YaHei" panose="020B0503020204020204" pitchFamily="34" charset="-122"/>
-            </a:endParaRPr>
-          </a:p>
-          <a:p>
-            <a:pPr>
-              <a:lnSpc>
-                <a:spcPct val="150000"/>
-              </a:lnSpc>
-            </a:pPr>
-            <a:r>
-              <a:rPr kumimoji="1" lang="en-US" altLang="zh-HK" sz="1100" b="1" dirty="0" err="1">
-                <a:latin typeface="Microsoft YaHei" panose="020B0503020204020204" pitchFamily="34" charset="-122"/>
-                <a:ea typeface="Microsoft YaHei" panose="020B0503020204020204" pitchFamily="34" charset="-122"/>
-              </a:rPr>
-              <a:t>Cyrusmanosa@gmail.com</a:t>
-            </a:r>
-            <a:endParaRPr kumimoji="1" lang="en-US" altLang="zh-HK" sz="1100" b="1" dirty="0">
-              <a:latin typeface="Microsoft YaHei" panose="020B0503020204020204" pitchFamily="34" charset="-122"/>
-              <a:ea typeface="Microsoft YaHei" panose="020B0503020204020204" pitchFamily="34" charset="-122"/>
-            </a:endParaRPr>
-          </a:p>
-        </p:txBody>
-      </p:sp>
       <p:pic>
         <p:nvPicPr>
           <p:cNvPr id="68" name="圖片 67">
@@ -5897,8 +5913,8 @@
         </p:blipFill>
         <p:spPr>
           <a:xfrm>
-            <a:off x="3846955" y="1210132"/>
-            <a:ext cx="1353251" cy="2286527"/>
+            <a:off x="3863002" y="3450756"/>
+            <a:ext cx="600848" cy="1015226"/>
           </a:xfrm>
           <a:prstGeom prst="rect">
             <a:avLst/>
@@ -5919,7 +5935,7 @@
         </p:nvSpPr>
         <p:spPr>
           <a:xfrm>
-            <a:off x="3882145" y="3733716"/>
+            <a:off x="3933838" y="2927915"/>
             <a:ext cx="1277258" cy="227391"/>
           </a:xfrm>
           <a:prstGeom prst="rect">
@@ -5954,9 +5970,9 @@
           <a:p>
             <a:pPr algn="ctr"/>
             <a:r>
-              <a:rPr kumimoji="1" lang="zh-HK" altLang="en-US" sz="1050" dirty="0">
-                <a:latin typeface="Microsoft YaHei" panose="020B0503020204020204" pitchFamily="34" charset="-122"/>
-                <a:ea typeface="Microsoft YaHei" panose="020B0503020204020204" pitchFamily="34" charset="-122"/>
+              <a:rPr kumimoji="1" lang="zh-HK" altLang="en-US" sz="1000" dirty="0">
+                <a:latin typeface="Yu Gothic UI" panose="020B0500000000000000" pitchFamily="34" charset="-128"/>
+                <a:ea typeface="Yu Gothic UI" panose="020B0500000000000000" pitchFamily="34" charset="-128"/>
               </a:rPr>
               <a:t>この作品の担当</a:t>
             </a:r>
@@ -5977,7 +5993,7 @@
         </p:nvSpPr>
         <p:spPr>
           <a:xfrm>
-            <a:off x="3882145" y="4034357"/>
+            <a:off x="3850384" y="3155306"/>
             <a:ext cx="3498141" cy="276999"/>
           </a:xfrm>
           <a:prstGeom prst="rect">
@@ -5993,39 +6009,99 @@
           <a:p>
             <a:r>
               <a:rPr kumimoji="1" lang="en-US" altLang="zh-HK" sz="1200" dirty="0" err="1">
-                <a:latin typeface="Microsoft YaHei" panose="020B0503020204020204" pitchFamily="34" charset="-122"/>
-                <a:ea typeface="Microsoft YaHei" panose="020B0503020204020204" pitchFamily="34" charset="-122"/>
+                <a:latin typeface="Meiryo UI" panose="020B0604030504040204" pitchFamily="34" charset="-128"/>
+                <a:ea typeface="Meiryo UI" panose="020B0604030504040204" pitchFamily="34" charset="-128"/>
               </a:rPr>
               <a:t>React.js</a:t>
             </a:r>
             <a:r>
               <a:rPr kumimoji="1" lang="zh-HK" altLang="en-US" sz="1200" dirty="0">
-                <a:latin typeface="Microsoft YaHei" panose="020B0503020204020204" pitchFamily="34" charset="-122"/>
-                <a:ea typeface="Microsoft YaHei" panose="020B0503020204020204" pitchFamily="34" charset="-122"/>
+                <a:latin typeface="Meiryo UI" panose="020B0604030504040204" pitchFamily="34" charset="-128"/>
+                <a:ea typeface="Meiryo UI" panose="020B0604030504040204" pitchFamily="34" charset="-128"/>
               </a:rPr>
               <a:t>、画面デザイン、</a:t>
             </a:r>
             <a:r>
               <a:rPr kumimoji="1" lang="en-US" altLang="zh-HK" sz="1200" dirty="0">
-                <a:latin typeface="Microsoft YaHei" panose="020B0503020204020204" pitchFamily="34" charset="-122"/>
-                <a:ea typeface="Microsoft YaHei" panose="020B0503020204020204" pitchFamily="34" charset="-122"/>
+                <a:latin typeface="Meiryo UI" panose="020B0604030504040204" pitchFamily="34" charset="-128"/>
+                <a:ea typeface="Meiryo UI" panose="020B0604030504040204" pitchFamily="34" charset="-128"/>
               </a:rPr>
               <a:t>AWS</a:t>
             </a:r>
             <a:r>
               <a:rPr kumimoji="1" lang="zh-HK" altLang="en-US" sz="1200" dirty="0">
-                <a:latin typeface="Microsoft YaHei" panose="020B0503020204020204" pitchFamily="34" charset="-122"/>
-                <a:ea typeface="Microsoft YaHei" panose="020B0503020204020204" pitchFamily="34" charset="-122"/>
+                <a:latin typeface="Meiryo UI" panose="020B0604030504040204" pitchFamily="34" charset="-128"/>
+                <a:ea typeface="Meiryo UI" panose="020B0604030504040204" pitchFamily="34" charset="-128"/>
               </a:rPr>
               <a:t>構築</a:t>
             </a:r>
             <a:endParaRPr kumimoji="1" lang="en-US" altLang="zh-HK" sz="1200" dirty="0">
-              <a:latin typeface="Microsoft YaHei" panose="020B0503020204020204" pitchFamily="34" charset="-122"/>
-              <a:ea typeface="Microsoft YaHei" panose="020B0503020204020204" pitchFamily="34" charset="-122"/>
+              <a:latin typeface="Meiryo UI" panose="020B0604030504040204" pitchFamily="34" charset="-128"/>
+              <a:ea typeface="Meiryo UI" panose="020B0604030504040204" pitchFamily="34" charset="-128"/>
             </a:endParaRPr>
           </a:p>
         </p:txBody>
       </p:sp>
+      <p:pic>
+        <p:nvPicPr>
+          <p:cNvPr id="47" name="圖片 46" descr="一張含有 黑色, 黑暗 的圖片&#10;&#10;自動產生的描述">
+            <a:extLst>
+              <a:ext uri="{FF2B5EF4-FFF2-40B4-BE49-F238E27FC236}">
+                <a16:creationId xmlns:a16="http://schemas.microsoft.com/office/drawing/2014/main" id="{7D61F019-EB33-0A59-834D-34CC6416980B}"/>
+              </a:ext>
+            </a:extLst>
+          </p:cNvPr>
+          <p:cNvPicPr>
+            <a:picLocks noChangeAspect="1"/>
+          </p:cNvPicPr>
+          <p:nvPr/>
+        </p:nvPicPr>
+        <p:blipFill>
+          <a:blip r:embed="rId7"/>
+          <a:stretch>
+            <a:fillRect/>
+          </a:stretch>
+        </p:blipFill>
+        <p:spPr>
+          <a:xfrm>
+            <a:off x="5019652" y="3476220"/>
+            <a:ext cx="359598" cy="368369"/>
+          </a:xfrm>
+          <a:prstGeom prst="rect">
+            <a:avLst/>
+          </a:prstGeom>
+        </p:spPr>
+      </p:pic>
+      <p:pic>
+        <p:nvPicPr>
+          <p:cNvPr id="71" name="圖片 70" descr="一張含有 文字, 螢幕擷取畫面, 軟體, 設計 的圖片&#10;&#10;自動產生的描述">
+            <a:extLst>
+              <a:ext uri="{FF2B5EF4-FFF2-40B4-BE49-F238E27FC236}">
+                <a16:creationId xmlns:a16="http://schemas.microsoft.com/office/drawing/2014/main" id="{FD6CBB54-475C-0799-AA7A-D2196B8D1889}"/>
+              </a:ext>
+            </a:extLst>
+          </p:cNvPr>
+          <p:cNvPicPr>
+            <a:picLocks noChangeAspect="1"/>
+          </p:cNvPicPr>
+          <p:nvPr/>
+        </p:nvPicPr>
+        <p:blipFill>
+          <a:blip r:embed="rId8"/>
+          <a:stretch>
+            <a:fillRect/>
+          </a:stretch>
+        </p:blipFill>
+        <p:spPr>
+          <a:xfrm>
+            <a:off x="5351759" y="3705417"/>
+            <a:ext cx="1431985" cy="768382"/>
+          </a:xfrm>
+          <a:prstGeom prst="rect">
+            <a:avLst/>
+          </a:prstGeom>
+        </p:spPr>
+      </p:pic>
     </p:spTree>
     <p:extLst>
       <p:ext uri="{BB962C8B-B14F-4D97-AF65-F5344CB8AC3E}">

--- a/Y3-Sem1/ITプロジェクト開発/自己PRシート/自己PRシートテンプレ_文家俊.pptx
+++ b/Y3-Sem1/ITプロジェクト開発/自己PRシート/自己PRシートテンプレ_文家俊.pptx
@@ -200,7 +200,7 @@
           <a:p>
             <a:fld id="{1DB10FC2-234A-F447-AAAA-720BBAFDE046}" type="datetimeFigureOut">
               <a:rPr kumimoji="1" lang="ja-JP" altLang="en-US" smtClean="0"/>
-              <a:t>2024/7/25</a:t>
+              <a:t>2024/9/13</a:t>
             </a:fld>
             <a:endParaRPr kumimoji="1" lang="ja-JP" altLang="en-US"/>
           </a:p>
@@ -3436,302 +3436,6 @@
       </p:grpSpPr>
       <p:sp>
         <p:nvSpPr>
-          <p:cNvPr id="4" name="正方形/長方形 3">
-            <a:extLst>
-              <a:ext uri="{FF2B5EF4-FFF2-40B4-BE49-F238E27FC236}">
-                <a16:creationId xmlns:a16="http://schemas.microsoft.com/office/drawing/2014/main" id="{30E8C2E1-6D0C-EC30-12D6-C2C531E7A100}"/>
-              </a:ext>
-            </a:extLst>
-          </p:cNvPr>
-          <p:cNvSpPr/>
-          <p:nvPr/>
-        </p:nvSpPr>
-        <p:spPr>
-          <a:xfrm>
-            <a:off x="179389" y="5633883"/>
-            <a:ext cx="7200899" cy="648929"/>
-          </a:xfrm>
-          <a:prstGeom prst="rect">
-            <a:avLst/>
-          </a:prstGeom>
-          <a:solidFill>
-            <a:srgbClr val="000000"/>
-          </a:solidFill>
-          <a:ln>
-            <a:noFill/>
-          </a:ln>
-        </p:spPr>
-        <p:style>
-          <a:lnRef idx="2">
-            <a:schemeClr val="accent1">
-              <a:shade val="15000"/>
-            </a:schemeClr>
-          </a:lnRef>
-          <a:fillRef idx="1">
-            <a:schemeClr val="accent1"/>
-          </a:fillRef>
-          <a:effectRef idx="0">
-            <a:schemeClr val="accent1"/>
-          </a:effectRef>
-          <a:fontRef idx="minor">
-            <a:schemeClr val="lt1"/>
-          </a:fontRef>
-        </p:style>
-        <p:txBody>
-          <a:bodyPr rtlCol="0" anchor="ctr"/>
-          <a:lstStyle/>
-          <a:p>
-            <a:pPr algn="ctr"/>
-            <a:endParaRPr kumimoji="1" lang="ja-JP" altLang="en-US">
-              <a:highlight>
-                <a:srgbClr val="FFFF00"/>
-              </a:highlight>
-            </a:endParaRPr>
-          </a:p>
-        </p:txBody>
-      </p:sp>
-      <p:sp>
-        <p:nvSpPr>
-          <p:cNvPr id="2" name="正方形/長方形 1">
-            <a:extLst>
-              <a:ext uri="{FF2B5EF4-FFF2-40B4-BE49-F238E27FC236}">
-                <a16:creationId xmlns:a16="http://schemas.microsoft.com/office/drawing/2014/main" id="{3C775D71-4F1B-E775-8B39-39FE5125E1F9}"/>
-              </a:ext>
-            </a:extLst>
-          </p:cNvPr>
-          <p:cNvSpPr/>
-          <p:nvPr/>
-        </p:nvSpPr>
-        <p:spPr>
-          <a:xfrm>
-            <a:off x="179389" y="304801"/>
-            <a:ext cx="7200899" cy="648928"/>
-          </a:xfrm>
-          <a:prstGeom prst="rect">
-            <a:avLst/>
-          </a:prstGeom>
-          <a:solidFill>
-            <a:srgbClr val="00B0F0"/>
-          </a:solidFill>
-          <a:ln>
-            <a:noFill/>
-          </a:ln>
-        </p:spPr>
-        <p:style>
-          <a:lnRef idx="2">
-            <a:schemeClr val="accent1">
-              <a:shade val="15000"/>
-            </a:schemeClr>
-          </a:lnRef>
-          <a:fillRef idx="1">
-            <a:schemeClr val="accent1"/>
-          </a:fillRef>
-          <a:effectRef idx="0">
-            <a:schemeClr val="accent1"/>
-          </a:effectRef>
-          <a:fontRef idx="minor">
-            <a:schemeClr val="lt1"/>
-          </a:fontRef>
-        </p:style>
-        <p:txBody>
-          <a:bodyPr rtlCol="0" anchor="ctr"/>
-          <a:lstStyle/>
-          <a:p>
-            <a:pPr algn="ctr"/>
-            <a:endParaRPr kumimoji="1" lang="ja-JP" altLang="en-US">
-              <a:highlight>
-                <a:srgbClr val="FFFF00"/>
-              </a:highlight>
-            </a:endParaRPr>
-          </a:p>
-        </p:txBody>
-      </p:sp>
-      <p:sp>
-        <p:nvSpPr>
-          <p:cNvPr id="7" name="円/楕円 6">
-            <a:extLst>
-              <a:ext uri="{FF2B5EF4-FFF2-40B4-BE49-F238E27FC236}">
-                <a16:creationId xmlns:a16="http://schemas.microsoft.com/office/drawing/2014/main" id="{0170A680-0351-C3D4-3482-A7B51D1D1796}"/>
-              </a:ext>
-            </a:extLst>
-          </p:cNvPr>
-          <p:cNvSpPr/>
-          <p:nvPr/>
-        </p:nvSpPr>
-        <p:spPr>
-          <a:xfrm>
-            <a:off x="279141" y="395840"/>
-            <a:ext cx="441621" cy="441621"/>
-          </a:xfrm>
-          <a:prstGeom prst="ellipse">
-            <a:avLst/>
-          </a:prstGeom>
-          <a:solidFill>
-            <a:schemeClr val="bg1"/>
-          </a:solidFill>
-          <a:ln>
-            <a:noFill/>
-          </a:ln>
-        </p:spPr>
-        <p:style>
-          <a:lnRef idx="2">
-            <a:schemeClr val="accent1">
-              <a:shade val="50000"/>
-            </a:schemeClr>
-          </a:lnRef>
-          <a:fillRef idx="1">
-            <a:schemeClr val="accent1"/>
-          </a:fillRef>
-          <a:effectRef idx="0">
-            <a:schemeClr val="accent1"/>
-          </a:effectRef>
-          <a:fontRef idx="minor">
-            <a:schemeClr val="lt1"/>
-          </a:fontRef>
-        </p:style>
-        <p:txBody>
-          <a:bodyPr rtlCol="0" anchor="t"/>
-          <a:lstStyle/>
-          <a:p>
-            <a:pPr algn="ctr"/>
-            <a:r>
-              <a:rPr kumimoji="1" lang="en-US" altLang="ja-JP" b="1" dirty="0">
-                <a:solidFill>
-                  <a:schemeClr val="tx1"/>
-                </a:solidFill>
-                <a:latin typeface="Yu Mincho Demibold" panose="02020400000000000000" pitchFamily="18" charset="-128"/>
-                <a:ea typeface="Yu Mincho Demibold" panose="02020400000000000000" pitchFamily="18" charset="-128"/>
-              </a:rPr>
-              <a:t>I</a:t>
-            </a:r>
-            <a:endParaRPr kumimoji="1" lang="ja-JP" altLang="en-US" b="1">
-              <a:solidFill>
-                <a:schemeClr val="tx1"/>
-              </a:solidFill>
-              <a:latin typeface="Yu Mincho Demibold" panose="02020400000000000000" pitchFamily="18" charset="-128"/>
-              <a:ea typeface="Yu Mincho Demibold" panose="02020400000000000000" pitchFamily="18" charset="-128"/>
-            </a:endParaRPr>
-          </a:p>
-        </p:txBody>
-      </p:sp>
-      <p:sp>
-        <p:nvSpPr>
-          <p:cNvPr id="9" name="テキスト ボックス 8">
-            <a:extLst>
-              <a:ext uri="{FF2B5EF4-FFF2-40B4-BE49-F238E27FC236}">
-                <a16:creationId xmlns:a16="http://schemas.microsoft.com/office/drawing/2014/main" id="{CB5ADF0C-C3C3-8864-62D8-663D1D4E116B}"/>
-              </a:ext>
-            </a:extLst>
-          </p:cNvPr>
-          <p:cNvSpPr txBox="1"/>
-          <p:nvPr/>
-        </p:nvSpPr>
-        <p:spPr>
-          <a:xfrm>
-            <a:off x="673185" y="465377"/>
-            <a:ext cx="643125" cy="369332"/>
-          </a:xfrm>
-          <a:prstGeom prst="rect">
-            <a:avLst/>
-          </a:prstGeom>
-          <a:noFill/>
-        </p:spPr>
-        <p:txBody>
-          <a:bodyPr wrap="none" rtlCol="0" anchor="t">
-            <a:spAutoFit/>
-          </a:bodyPr>
-          <a:lstStyle/>
-          <a:p>
-            <a:r>
-              <a:rPr kumimoji="1" lang="en-US" altLang="ja-JP" b="1" dirty="0">
-                <a:solidFill>
-                  <a:schemeClr val="bg1"/>
-                </a:solidFill>
-                <a:latin typeface="Yu Gothic" panose="020B0400000000000000" pitchFamily="34" charset="-128"/>
-                <a:ea typeface="Yu Gothic" panose="020B0400000000000000" pitchFamily="34" charset="-128"/>
-              </a:rPr>
-              <a:t>2</a:t>
-            </a:r>
-            <a:r>
-              <a:rPr kumimoji="1" lang="en-US" altLang="zh-TW" b="1" dirty="0">
-                <a:solidFill>
-                  <a:schemeClr val="bg1"/>
-                </a:solidFill>
-                <a:latin typeface="Yu Gothic" panose="020B0400000000000000" pitchFamily="34" charset="-128"/>
-                <a:ea typeface="Yu Gothic" panose="020B0400000000000000" pitchFamily="34" charset="-128"/>
-              </a:rPr>
-              <a:t>5</a:t>
-            </a:r>
-            <a:r>
-              <a:rPr kumimoji="1" lang="ja-JP" altLang="en-US" b="1" spc="-300">
-                <a:solidFill>
-                  <a:schemeClr val="bg1"/>
-                </a:solidFill>
-                <a:latin typeface="Yu Gothic" panose="020B0400000000000000" pitchFamily="34" charset="-128"/>
-                <a:ea typeface="Yu Gothic" panose="020B0400000000000000" pitchFamily="34" charset="-128"/>
-              </a:rPr>
-              <a:t>－</a:t>
-            </a:r>
-            <a:endParaRPr kumimoji="1" lang="ja-JP" altLang="en-US" sz="4800" b="1" spc="-300">
-              <a:solidFill>
-                <a:schemeClr val="bg1"/>
-              </a:solidFill>
-              <a:latin typeface="Yu Gothic" panose="020B0400000000000000" pitchFamily="34" charset="-128"/>
-              <a:ea typeface="Yu Gothic" panose="020B0400000000000000" pitchFamily="34" charset="-128"/>
-            </a:endParaRPr>
-          </a:p>
-        </p:txBody>
-      </p:sp>
-      <p:sp>
-        <p:nvSpPr>
-          <p:cNvPr id="10" name="テキスト ボックス 9">
-            <a:extLst>
-              <a:ext uri="{FF2B5EF4-FFF2-40B4-BE49-F238E27FC236}">
-                <a16:creationId xmlns:a16="http://schemas.microsoft.com/office/drawing/2014/main" id="{74F747D4-F628-2644-CE01-83D59BB40897}"/>
-              </a:ext>
-            </a:extLst>
-          </p:cNvPr>
-          <p:cNvSpPr txBox="1"/>
-          <p:nvPr/>
-        </p:nvSpPr>
-        <p:spPr>
-          <a:xfrm>
-            <a:off x="1151251" y="249289"/>
-            <a:ext cx="1242648" cy="830997"/>
-          </a:xfrm>
-          <a:prstGeom prst="rect">
-            <a:avLst/>
-          </a:prstGeom>
-          <a:noFill/>
-        </p:spPr>
-        <p:txBody>
-          <a:bodyPr wrap="none" rtlCol="0" anchor="t">
-            <a:spAutoFit/>
-          </a:bodyPr>
-          <a:lstStyle/>
-          <a:p>
-            <a:r>
-              <a:rPr kumimoji="1" lang="en-US" altLang="zh-TW" sz="4800" b="1" dirty="0">
-                <a:solidFill>
-                  <a:schemeClr val="bg1"/>
-                </a:solidFill>
-                <a:latin typeface="Yu Gothic" panose="020B0400000000000000" pitchFamily="34" charset="-128"/>
-                <a:ea typeface="Yu Gothic" panose="020B0400000000000000" pitchFamily="34" charset="-128"/>
-              </a:rPr>
-              <a:t>114</a:t>
-            </a:r>
-            <a:endParaRPr kumimoji="1" lang="ja-JP" altLang="en-US" sz="4800" b="1">
-              <a:solidFill>
-                <a:schemeClr val="bg1"/>
-              </a:solidFill>
-              <a:latin typeface="Yu Gothic" panose="020B0400000000000000" pitchFamily="34" charset="-128"/>
-              <a:ea typeface="Yu Gothic" panose="020B0400000000000000" pitchFamily="34" charset="-128"/>
-            </a:endParaRPr>
-          </a:p>
-        </p:txBody>
-      </p:sp>
-      <p:sp>
-        <p:nvSpPr>
           <p:cNvPr id="14" name="円/楕円 13">
             <a:extLst>
               <a:ext uri="{FF2B5EF4-FFF2-40B4-BE49-F238E27FC236}">
@@ -3900,79 +3604,6 @@
               </a:solidFill>
               <a:latin typeface="Yu Gothic" panose="020B0400000000000000" pitchFamily="34" charset="-128"/>
               <a:ea typeface="Yu Gothic" panose="020B0400000000000000" pitchFamily="34" charset="-128"/>
-            </a:endParaRPr>
-          </a:p>
-        </p:txBody>
-      </p:sp>
-      <p:sp>
-        <p:nvSpPr>
-          <p:cNvPr id="17" name="テキスト ボックス 16">
-            <a:extLst>
-              <a:ext uri="{FF2B5EF4-FFF2-40B4-BE49-F238E27FC236}">
-                <a16:creationId xmlns:a16="http://schemas.microsoft.com/office/drawing/2014/main" id="{14D186A8-138E-317C-D522-8F7ACFA95753}"/>
-              </a:ext>
-            </a:extLst>
-          </p:cNvPr>
-          <p:cNvSpPr txBox="1"/>
-          <p:nvPr/>
-        </p:nvSpPr>
-        <p:spPr>
-          <a:xfrm>
-            <a:off x="4868059" y="385748"/>
-            <a:ext cx="2512227" cy="461665"/>
-          </a:xfrm>
-          <a:prstGeom prst="rect">
-            <a:avLst/>
-          </a:prstGeom>
-          <a:noFill/>
-        </p:spPr>
-        <p:txBody>
-          <a:bodyPr wrap="none" rtlCol="0">
-            <a:spAutoFit/>
-          </a:bodyPr>
-          <a:lstStyle/>
-          <a:p>
-            <a:pPr algn="r"/>
-            <a:r>
-              <a:rPr kumimoji="1" lang="en-US" altLang="ja-JP" sz="2400" b="1" spc="300" dirty="0">
-                <a:solidFill>
-                  <a:schemeClr val="bg1"/>
-                </a:solidFill>
-                <a:latin typeface="Yu Gothic UI" panose="020B0500000000000000" pitchFamily="34" charset="-128"/>
-                <a:ea typeface="Yu Gothic UI" panose="020B0500000000000000" pitchFamily="34" charset="-128"/>
-                <a:cs typeface="Noto Nastaliq Urdu" panose="020B0502040504020204" pitchFamily="34" charset="-78"/>
-              </a:rPr>
-              <a:t>Care</a:t>
-            </a:r>
-            <a:r>
-              <a:rPr kumimoji="1" lang="zh-TW" altLang="en-US" sz="2400" b="1" spc="300" dirty="0">
-                <a:solidFill>
-                  <a:schemeClr val="bg1"/>
-                </a:solidFill>
-                <a:latin typeface="Yu Gothic UI" panose="020B0500000000000000" pitchFamily="34" charset="-128"/>
-                <a:ea typeface="Yu Gothic UI" panose="020B0500000000000000" pitchFamily="34" charset="-128"/>
-                <a:cs typeface="Noto Nastaliq Urdu" panose="020B0502040504020204" pitchFamily="34" charset="-78"/>
-              </a:rPr>
-              <a:t> </a:t>
-            </a:r>
-            <a:r>
-              <a:rPr kumimoji="1" lang="en-US" altLang="zh-TW" sz="2400" b="1" spc="300" dirty="0">
-                <a:solidFill>
-                  <a:schemeClr val="bg1"/>
-                </a:solidFill>
-                <a:latin typeface="Yu Gothic UI" panose="020B0500000000000000" pitchFamily="34" charset="-128"/>
-                <a:ea typeface="Yu Gothic UI" panose="020B0500000000000000" pitchFamily="34" charset="-128"/>
-                <a:cs typeface="Noto Nastaliq Urdu" panose="020B0502040504020204" pitchFamily="34" charset="-78"/>
-              </a:rPr>
-              <a:t>Connect</a:t>
-            </a:r>
-            <a:endParaRPr kumimoji="1" lang="ja-JP" altLang="en-US" sz="2400" b="1" spc="300">
-              <a:solidFill>
-                <a:schemeClr val="bg1"/>
-              </a:solidFill>
-              <a:latin typeface="Yu Gothic UI" panose="020B0500000000000000" pitchFamily="34" charset="-128"/>
-              <a:ea typeface="Yu Gothic UI" panose="020B0500000000000000" pitchFamily="34" charset="-128"/>
-              <a:cs typeface="Noto Nastaliq Urdu" panose="020B0502040504020204" pitchFamily="34" charset="-78"/>
             </a:endParaRPr>
           </a:p>
         </p:txBody>
@@ -4854,103 +4485,12 @@
           </p:txBody>
         </p:sp>
       </p:grpSp>
-      <p:pic>
-        <p:nvPicPr>
-          <p:cNvPr id="6" name="圖片 5" descr="一張含有 人員, 服裝, 西裝, 人的臉孔 的圖片&#10;&#10;自動產生的描述">
+      <p:grpSp>
+        <p:nvGrpSpPr>
+          <p:cNvPr id="34" name="群組 33">
             <a:extLst>
               <a:ext uri="{FF2B5EF4-FFF2-40B4-BE49-F238E27FC236}">
-                <a16:creationId xmlns:a16="http://schemas.microsoft.com/office/drawing/2014/main" id="{F04607F5-8268-BB9C-1699-9D773E21CA49}"/>
-              </a:ext>
-            </a:extLst>
-          </p:cNvPr>
-          <p:cNvPicPr>
-            <a:picLocks noChangeAspect="1"/>
-          </p:cNvPicPr>
-          <p:nvPr/>
-        </p:nvPicPr>
-        <p:blipFill rotWithShape="1">
-          <a:blip r:embed="rId3"/>
-          <a:srcRect l="1917" t="4347" r="2778" b="22290"/>
-          <a:stretch/>
-        </p:blipFill>
-        <p:spPr>
-          <a:xfrm>
-            <a:off x="179389" y="1114203"/>
-            <a:ext cx="1196691" cy="1239193"/>
-          </a:xfrm>
-          <a:prstGeom prst="rect">
-            <a:avLst/>
-          </a:prstGeom>
-        </p:spPr>
-      </p:pic>
-      <p:sp>
-        <p:nvSpPr>
-          <p:cNvPr id="8" name="文字方塊 7">
-            <a:extLst>
-              <a:ext uri="{FF2B5EF4-FFF2-40B4-BE49-F238E27FC236}">
-                <a16:creationId xmlns:a16="http://schemas.microsoft.com/office/drawing/2014/main" id="{168786FE-A1B1-370D-3D5D-9E6811949258}"/>
-              </a:ext>
-            </a:extLst>
-          </p:cNvPr>
-          <p:cNvSpPr txBox="1">
-            <a:spLocks/>
-          </p:cNvSpPr>
-          <p:nvPr/>
-        </p:nvSpPr>
-        <p:spPr>
-          <a:xfrm>
-            <a:off x="1394159" y="1095297"/>
-            <a:ext cx="2247731" cy="400110"/>
-          </a:xfrm>
-          <a:prstGeom prst="rect">
-            <a:avLst/>
-          </a:prstGeom>
-          <a:noFill/>
-        </p:spPr>
-        <p:txBody>
-          <a:bodyPr wrap="none" rtlCol="0">
-            <a:spAutoFit/>
-          </a:bodyPr>
-          <a:lstStyle/>
-          <a:p>
-            <a:pPr algn="ctr"/>
-            <a:r>
-              <a:rPr kumimoji="1" lang="en-US" altLang="zh-HK" sz="2000" b="1" spc="300" dirty="0">
-                <a:latin typeface="Meiryo UI" panose="020B0604030504040204" pitchFamily="34" charset="-128"/>
-                <a:ea typeface="Meiryo UI" panose="020B0604030504040204" pitchFamily="34" charset="-128"/>
-              </a:rPr>
-              <a:t>IT</a:t>
-            </a:r>
-            <a:r>
-              <a:rPr kumimoji="1" lang="zh-HK" altLang="en-US" sz="2000" b="1" spc="300" dirty="0">
-                <a:latin typeface="Meiryo UI" panose="020B0604030504040204" pitchFamily="34" charset="-128"/>
-                <a:ea typeface="Meiryo UI" panose="020B0604030504040204" pitchFamily="34" charset="-128"/>
-              </a:rPr>
-              <a:t>開発研究</a:t>
-            </a:r>
-            <a:r>
-              <a:rPr kumimoji="1" lang="en-US" altLang="zh-HK" sz="2000" b="1" spc="300" dirty="0">
-                <a:latin typeface="Meiryo UI" panose="020B0604030504040204" pitchFamily="34" charset="-128"/>
-                <a:ea typeface="Meiryo UI" panose="020B0604030504040204" pitchFamily="34" charset="-128"/>
-              </a:rPr>
-              <a:t>3</a:t>
-            </a:r>
-            <a:r>
-              <a:rPr kumimoji="1" lang="zh-HK" altLang="en-US" sz="2000" b="1" spc="300" dirty="0">
-                <a:latin typeface="Meiryo UI" panose="020B0604030504040204" pitchFamily="34" charset="-128"/>
-                <a:ea typeface="Meiryo UI" panose="020B0604030504040204" pitchFamily="34" charset="-128"/>
-              </a:rPr>
-              <a:t>年</a:t>
-            </a:r>
-          </a:p>
-        </p:txBody>
-      </p:sp>
-      <p:grpSp>
-        <p:nvGrpSpPr>
-          <p:cNvPr id="35" name="グループ化 20">
-            <a:extLst>
-              <a:ext uri="{FF2B5EF4-FFF2-40B4-BE49-F238E27FC236}">
-                <a16:creationId xmlns:a16="http://schemas.microsoft.com/office/drawing/2014/main" id="{FC2F3F9F-7BB7-F32D-4BBF-22FDEB82BDE2}"/>
+                <a16:creationId xmlns:a16="http://schemas.microsoft.com/office/drawing/2014/main" id="{2415B928-65B5-344B-874C-C1DFE833906C}"/>
               </a:ext>
             </a:extLst>
           </p:cNvPr>
@@ -4959,18 +4499,18 @@
         </p:nvGrpSpPr>
         <p:grpSpPr>
           <a:xfrm>
-            <a:off x="1487567" y="1665840"/>
-            <a:ext cx="450764" cy="453976"/>
-            <a:chOff x="10594896" y="9353227"/>
-            <a:chExt cx="450764" cy="453976"/>
+            <a:off x="91542" y="249289"/>
+            <a:ext cx="7288746" cy="4299970"/>
+            <a:chOff x="91542" y="249289"/>
+            <a:chExt cx="7288746" cy="4299970"/>
           </a:xfrm>
         </p:grpSpPr>
         <p:sp>
           <p:nvSpPr>
-            <p:cNvPr id="39" name="円/楕円 21">
+            <p:cNvPr id="2" name="正方形/長方形 1">
               <a:extLst>
                 <a:ext uri="{FF2B5EF4-FFF2-40B4-BE49-F238E27FC236}">
-                  <a16:creationId xmlns:a16="http://schemas.microsoft.com/office/drawing/2014/main" id="{890769AF-9744-B116-7774-B6C1B7D4736F}"/>
+                  <a16:creationId xmlns:a16="http://schemas.microsoft.com/office/drawing/2014/main" id="{3C775D71-4F1B-E775-8B39-39FE5125E1F9}"/>
                 </a:ext>
               </a:extLst>
             </p:cNvPr>
@@ -4979,14 +4519,70 @@
           </p:nvSpPr>
           <p:spPr>
             <a:xfrm>
-              <a:off x="10627648" y="9375274"/>
-              <a:ext cx="385261" cy="385261"/>
+              <a:off x="179389" y="304801"/>
+              <a:ext cx="7200899" cy="648928"/>
+            </a:xfrm>
+            <a:prstGeom prst="rect">
+              <a:avLst/>
+            </a:prstGeom>
+            <a:solidFill>
+              <a:srgbClr val="00B0F0"/>
+            </a:solidFill>
+            <a:ln>
+              <a:noFill/>
+            </a:ln>
+          </p:spPr>
+          <p:style>
+            <a:lnRef idx="2">
+              <a:schemeClr val="accent1">
+                <a:shade val="15000"/>
+              </a:schemeClr>
+            </a:lnRef>
+            <a:fillRef idx="1">
+              <a:schemeClr val="accent1"/>
+            </a:fillRef>
+            <a:effectRef idx="0">
+              <a:schemeClr val="accent1"/>
+            </a:effectRef>
+            <a:fontRef idx="minor">
+              <a:schemeClr val="lt1"/>
+            </a:fontRef>
+          </p:style>
+          <p:txBody>
+            <a:bodyPr rtlCol="0" anchor="ctr"/>
+            <a:lstStyle/>
+            <a:p>
+              <a:pPr algn="ctr"/>
+              <a:endParaRPr kumimoji="1" lang="ja-JP" altLang="en-US">
+                <a:highlight>
+                  <a:srgbClr val="FFFF00"/>
+                </a:highlight>
+              </a:endParaRPr>
+            </a:p>
+          </p:txBody>
+        </p:sp>
+        <p:sp>
+          <p:nvSpPr>
+            <p:cNvPr id="7" name="円/楕円 6">
+              <a:extLst>
+                <a:ext uri="{FF2B5EF4-FFF2-40B4-BE49-F238E27FC236}">
+                  <a16:creationId xmlns:a16="http://schemas.microsoft.com/office/drawing/2014/main" id="{0170A680-0351-C3D4-3482-A7B51D1D1796}"/>
+                </a:ext>
+              </a:extLst>
+            </p:cNvPr>
+            <p:cNvSpPr/>
+            <p:nvPr/>
+          </p:nvSpPr>
+          <p:spPr>
+            <a:xfrm>
+              <a:off x="279141" y="395840"/>
+              <a:ext cx="441621" cy="441621"/>
             </a:xfrm>
             <a:prstGeom prst="ellipse">
               <a:avLst/>
             </a:prstGeom>
             <a:solidFill>
-              <a:srgbClr val="00B0F0"/>
+              <a:schemeClr val="bg1"/>
             </a:solidFill>
             <a:ln>
               <a:noFill/>
@@ -5009,20 +4605,36 @@
             </a:fontRef>
           </p:style>
           <p:txBody>
-            <a:bodyPr rtlCol="0" anchor="ctr"/>
+            <a:bodyPr rtlCol="0" anchor="t"/>
             <a:lstStyle/>
             <a:p>
               <a:pPr algn="ctr"/>
-              <a:endParaRPr kumimoji="1" lang="ja-JP" altLang="en-US"/>
+              <a:r>
+                <a:rPr kumimoji="1" lang="en-US" altLang="ja-JP" b="1" dirty="0">
+                  <a:solidFill>
+                    <a:schemeClr val="tx1"/>
+                  </a:solidFill>
+                  <a:latin typeface="Yu Mincho Demibold" panose="02020400000000000000" pitchFamily="18" charset="-128"/>
+                  <a:ea typeface="Yu Mincho Demibold" panose="02020400000000000000" pitchFamily="18" charset="-128"/>
+                </a:rPr>
+                <a:t>I</a:t>
+              </a:r>
+              <a:endParaRPr kumimoji="1" lang="ja-JP" altLang="en-US" b="1">
+                <a:solidFill>
+                  <a:schemeClr val="tx1"/>
+                </a:solidFill>
+                <a:latin typeface="Yu Mincho Demibold" panose="02020400000000000000" pitchFamily="18" charset="-128"/>
+                <a:ea typeface="Yu Mincho Demibold" panose="02020400000000000000" pitchFamily="18" charset="-128"/>
+              </a:endParaRPr>
             </a:p>
           </p:txBody>
         </p:sp>
         <p:sp>
           <p:nvSpPr>
-            <p:cNvPr id="40" name="テキスト ボックス 22">
+            <p:cNvPr id="9" name="テキスト ボックス 8">
               <a:extLst>
                 <a:ext uri="{FF2B5EF4-FFF2-40B4-BE49-F238E27FC236}">
-                  <a16:creationId xmlns:a16="http://schemas.microsoft.com/office/drawing/2014/main" id="{8F3905C4-1FF8-3297-7E4C-5B3F6A30F40E}"/>
+                  <a16:creationId xmlns:a16="http://schemas.microsoft.com/office/drawing/2014/main" id="{CB5ADF0C-C3C3-8864-62D8-663D1D4E116B}"/>
                 </a:ext>
               </a:extLst>
             </p:cNvPr>
@@ -5031,8 +4643,8 @@
           </p:nvSpPr>
           <p:spPr>
             <a:xfrm>
-              <a:off x="10594896" y="9353227"/>
-              <a:ext cx="450764" cy="369332"/>
+              <a:off x="673185" y="465377"/>
+              <a:ext cx="643125" cy="369332"/>
             </a:xfrm>
             <a:prstGeom prst="rect">
               <a:avLst/>
@@ -5045,7 +4657,6 @@
             </a:bodyPr>
             <a:lstStyle/>
             <a:p>
-              <a:pPr algn="ctr"/>
               <a:r>
                 <a:rPr kumimoji="1" lang="en-US" altLang="ja-JP" b="1" dirty="0">
                   <a:solidFill>
@@ -5054,9 +4665,29 @@
                   <a:latin typeface="Yu Gothic" panose="020B0400000000000000" pitchFamily="34" charset="-128"/>
                   <a:ea typeface="Yu Gothic" panose="020B0400000000000000" pitchFamily="34" charset="-128"/>
                 </a:rPr>
-                <a:t>25</a:t>
-              </a:r>
-              <a:endParaRPr kumimoji="1" lang="ja-JP" altLang="en-US" b="1">
+                <a:t>2</a:t>
+              </a:r>
+              <a:r>
+                <a:rPr kumimoji="1" lang="en-US" altLang="zh-TW" b="1" dirty="0">
+                  <a:solidFill>
+                    <a:schemeClr val="bg1"/>
+                  </a:solidFill>
+                  <a:latin typeface="Yu Gothic" panose="020B0400000000000000" pitchFamily="34" charset="-128"/>
+                  <a:ea typeface="Yu Gothic" panose="020B0400000000000000" pitchFamily="34" charset="-128"/>
+                </a:rPr>
+                <a:t>5</a:t>
+              </a:r>
+              <a:r>
+                <a:rPr kumimoji="1" lang="ja-JP" altLang="en-US" b="1" spc="-300">
+                  <a:solidFill>
+                    <a:schemeClr val="bg1"/>
+                  </a:solidFill>
+                  <a:latin typeface="Yu Gothic" panose="020B0400000000000000" pitchFamily="34" charset="-128"/>
+                  <a:ea typeface="Yu Gothic" panose="020B0400000000000000" pitchFamily="34" charset="-128"/>
+                </a:rPr>
+                <a:t>－</a:t>
+              </a:r>
+              <a:endParaRPr kumimoji="1" lang="ja-JP" altLang="en-US" sz="4800" b="1" spc="-300">
                 <a:solidFill>
                   <a:schemeClr val="bg1"/>
                 </a:solidFill>
@@ -5068,10 +4699,10 @@
         </p:sp>
         <p:sp>
           <p:nvSpPr>
-            <p:cNvPr id="41" name="テキスト ボックス 23">
+            <p:cNvPr id="10" name="テキスト ボックス 9">
               <a:extLst>
                 <a:ext uri="{FF2B5EF4-FFF2-40B4-BE49-F238E27FC236}">
-                  <a16:creationId xmlns:a16="http://schemas.microsoft.com/office/drawing/2014/main" id="{FEF9777E-5DBA-90C3-CAA9-13843E4A51AD}"/>
+                  <a16:creationId xmlns:a16="http://schemas.microsoft.com/office/drawing/2014/main" id="{74F747D4-F628-2644-CE01-83D59BB40897}"/>
                 </a:ext>
               </a:extLst>
             </p:cNvPr>
@@ -5080,8 +4711,8 @@
           </p:nvSpPr>
           <p:spPr>
             <a:xfrm>
-              <a:off x="10677659" y="9576371"/>
-              <a:ext cx="300082" cy="230832"/>
+              <a:off x="1151251" y="249289"/>
+              <a:ext cx="1242648" cy="830997"/>
             </a:xfrm>
             <a:prstGeom prst="rect">
               <a:avLst/>
@@ -5094,47 +4725,32 @@
             </a:bodyPr>
             <a:lstStyle/>
             <a:p>
-              <a:pPr algn="ctr"/>
-              <a:r>
-                <a:rPr kumimoji="1" lang="ja-JP" altLang="en-US" sz="900" b="1">
+              <a:r>
+                <a:rPr kumimoji="1" lang="en-US" altLang="zh-TW" sz="4800" b="1" dirty="0">
                   <a:solidFill>
                     <a:schemeClr val="bg1"/>
                   </a:solidFill>
                   <a:latin typeface="Yu Gothic" panose="020B0400000000000000" pitchFamily="34" charset="-128"/>
                   <a:ea typeface="Yu Gothic" panose="020B0400000000000000" pitchFamily="34" charset="-128"/>
                 </a:rPr>
-                <a:t>卒</a:t>
-              </a:r>
+                <a:t>114</a:t>
+              </a:r>
+              <a:endParaRPr kumimoji="1" lang="ja-JP" altLang="en-US" sz="4800" b="1">
+                <a:solidFill>
+                  <a:schemeClr val="bg1"/>
+                </a:solidFill>
+                <a:latin typeface="Yu Gothic" panose="020B0400000000000000" pitchFamily="34" charset="-128"/>
+                <a:ea typeface="Yu Gothic" panose="020B0400000000000000" pitchFamily="34" charset="-128"/>
+              </a:endParaRPr>
             </a:p>
           </p:txBody>
         </p:sp>
-      </p:grpSp>
-      <p:grpSp>
-        <p:nvGrpSpPr>
-          <p:cNvPr id="44" name="群組 43">
-            <a:extLst>
-              <a:ext uri="{FF2B5EF4-FFF2-40B4-BE49-F238E27FC236}">
-                <a16:creationId xmlns:a16="http://schemas.microsoft.com/office/drawing/2014/main" id="{0F7E30B8-86D5-CCA3-CAC6-99A757474A0B}"/>
-              </a:ext>
-            </a:extLst>
-          </p:cNvPr>
-          <p:cNvGrpSpPr/>
-          <p:nvPr/>
-        </p:nvGrpSpPr>
-        <p:grpSpPr>
-          <a:xfrm>
-            <a:off x="1960414" y="1490652"/>
-            <a:ext cx="1531189" cy="792740"/>
-            <a:chOff x="2266672" y="1358980"/>
-            <a:chExt cx="707590" cy="720294"/>
-          </a:xfrm>
-        </p:grpSpPr>
         <p:sp>
           <p:nvSpPr>
-            <p:cNvPr id="42" name="文字方塊 41">
+            <p:cNvPr id="17" name="テキスト ボックス 16">
               <a:extLst>
                 <a:ext uri="{FF2B5EF4-FFF2-40B4-BE49-F238E27FC236}">
-                  <a16:creationId xmlns:a16="http://schemas.microsoft.com/office/drawing/2014/main" id="{BF6070BE-47A6-3D3E-C491-320CB301151D}"/>
+                  <a16:creationId xmlns:a16="http://schemas.microsoft.com/office/drawing/2014/main" id="{14D186A8-138E-317C-D522-8F7ACFA95753}"/>
                 </a:ext>
               </a:extLst>
             </p:cNvPr>
@@ -5143,8 +4759,8 @@
           </p:nvSpPr>
           <p:spPr>
             <a:xfrm>
-              <a:off x="2266672" y="1547940"/>
-              <a:ext cx="707590" cy="531334"/>
+              <a:off x="4868059" y="385748"/>
+              <a:ext cx="2512227" cy="461665"/>
             </a:xfrm>
             <a:prstGeom prst="rect">
               <a:avLst/>
@@ -5157,486 +4773,57 @@
             </a:bodyPr>
             <a:lstStyle/>
             <a:p>
-              <a:r>
-                <a:rPr kumimoji="1" lang="zh-HK" altLang="en-US" sz="3200" b="1" spc="300" dirty="0">
-                  <a:latin typeface="Meiryo UI" panose="020B0604030504040204" pitchFamily="34" charset="-128"/>
-                  <a:ea typeface="Meiryo UI" panose="020B0604030504040204" pitchFamily="34" charset="-128"/>
+              <a:pPr algn="r"/>
+              <a:r>
+                <a:rPr kumimoji="1" lang="en-US" altLang="ja-JP" sz="2400" b="1" spc="300" dirty="0">
+                  <a:solidFill>
+                    <a:schemeClr val="bg1"/>
+                  </a:solidFill>
+                  <a:latin typeface="Yu Gothic UI" panose="020B0500000000000000" pitchFamily="34" charset="-128"/>
+                  <a:ea typeface="Yu Gothic UI" panose="020B0500000000000000" pitchFamily="34" charset="-128"/>
                   <a:cs typeface="Noto Nastaliq Urdu" panose="020B0502040504020204" pitchFamily="34" charset="-78"/>
                 </a:rPr>
-                <a:t>文家俊</a:t>
-              </a:r>
+                <a:t>Care</a:t>
+              </a:r>
+              <a:r>
+                <a:rPr kumimoji="1" lang="zh-TW" altLang="en-US" sz="2400" b="1" spc="300" dirty="0">
+                  <a:solidFill>
+                    <a:schemeClr val="bg1"/>
+                  </a:solidFill>
+                  <a:latin typeface="Yu Gothic UI" panose="020B0500000000000000" pitchFamily="34" charset="-128"/>
+                  <a:ea typeface="Yu Gothic UI" panose="020B0500000000000000" pitchFamily="34" charset="-128"/>
+                  <a:cs typeface="Noto Nastaliq Urdu" panose="020B0502040504020204" pitchFamily="34" charset="-78"/>
+                </a:rPr>
+                <a:t> </a:t>
+              </a:r>
+              <a:r>
+                <a:rPr kumimoji="1" lang="en-US" altLang="zh-TW" sz="2400" b="1" spc="300" dirty="0">
+                  <a:solidFill>
+                    <a:schemeClr val="bg1"/>
+                  </a:solidFill>
+                  <a:latin typeface="Yu Gothic UI" panose="020B0500000000000000" pitchFamily="34" charset="-128"/>
+                  <a:ea typeface="Yu Gothic UI" panose="020B0500000000000000" pitchFamily="34" charset="-128"/>
+                  <a:cs typeface="Noto Nastaliq Urdu" panose="020B0502040504020204" pitchFamily="34" charset="-78"/>
+                </a:rPr>
+                <a:t>Connect</a:t>
+              </a:r>
+              <a:endParaRPr kumimoji="1" lang="ja-JP" altLang="en-US" sz="2400" b="1" spc="300">
+                <a:solidFill>
+                  <a:schemeClr val="bg1"/>
+                </a:solidFill>
+                <a:latin typeface="Yu Gothic UI" panose="020B0500000000000000" pitchFamily="34" charset="-128"/>
+                <a:ea typeface="Yu Gothic UI" panose="020B0500000000000000" pitchFamily="34" charset="-128"/>
+                <a:cs typeface="Noto Nastaliq Urdu" panose="020B0502040504020204" pitchFamily="34" charset="-78"/>
+              </a:endParaRPr>
             </a:p>
           </p:txBody>
         </p:sp>
-        <p:sp>
-          <p:nvSpPr>
-            <p:cNvPr id="43" name="文字方塊 42">
+        <p:pic>
+          <p:nvPicPr>
+            <p:cNvPr id="6" name="圖片 5" descr="一張含有 人員, 服裝, 西裝, 人的臉孔 的圖片&#10;&#10;自動產生的描述">
               <a:extLst>
                 <a:ext uri="{FF2B5EF4-FFF2-40B4-BE49-F238E27FC236}">
-                  <a16:creationId xmlns:a16="http://schemas.microsoft.com/office/drawing/2014/main" id="{F331D391-F182-1FD0-0C6F-6C7D7EAE7002}"/>
-                </a:ext>
-              </a:extLst>
-            </p:cNvPr>
-            <p:cNvSpPr txBox="1"/>
-            <p:nvPr/>
-          </p:nvSpPr>
-          <p:spPr>
-            <a:xfrm>
-              <a:off x="2284970" y="1358980"/>
-              <a:ext cx="606104" cy="279650"/>
-            </a:xfrm>
-            <a:prstGeom prst="rect">
-              <a:avLst/>
-            </a:prstGeom>
-            <a:noFill/>
-          </p:spPr>
-          <p:txBody>
-            <a:bodyPr wrap="none" rtlCol="0">
-              <a:spAutoFit/>
-            </a:bodyPr>
-            <a:lstStyle/>
-            <a:p>
-              <a:r>
-                <a:rPr kumimoji="1" lang="zh-HK" altLang="en-US" sz="1400" spc="300" dirty="0">
-                  <a:latin typeface="Meiryo UI" panose="020B0604030504040204" pitchFamily="34" charset="-128"/>
-                  <a:ea typeface="Meiryo UI" panose="020B0604030504040204" pitchFamily="34" charset="-128"/>
-                  <a:cs typeface="Noto Nastaliq Urdu" panose="020B0502040504020204" pitchFamily="34" charset="-78"/>
-                </a:rPr>
-                <a:t>ブン</a:t>
-              </a:r>
-              <a:r>
-                <a:rPr kumimoji="1" lang="en-US" altLang="zh-HK" sz="1400" spc="300" dirty="0">
-                  <a:latin typeface="Meiryo UI" panose="020B0604030504040204" pitchFamily="34" charset="-128"/>
-                  <a:ea typeface="Meiryo UI" panose="020B0604030504040204" pitchFamily="34" charset="-128"/>
-                  <a:cs typeface="Noto Nastaliq Urdu" panose="020B0502040504020204" pitchFamily="34" charset="-78"/>
-                </a:rPr>
-                <a:t> </a:t>
-              </a:r>
-              <a:r>
-                <a:rPr kumimoji="1" lang="zh-HK" altLang="en-US" sz="1400" spc="300" dirty="0">
-                  <a:latin typeface="Meiryo UI" panose="020B0604030504040204" pitchFamily="34" charset="-128"/>
-                  <a:ea typeface="Meiryo UI" panose="020B0604030504040204" pitchFamily="34" charset="-128"/>
-                  <a:cs typeface="Noto Nastaliq Urdu" panose="020B0502040504020204" pitchFamily="34" charset="-78"/>
-                </a:rPr>
-                <a:t>カシュン</a:t>
-              </a:r>
-            </a:p>
-          </p:txBody>
-        </p:sp>
-      </p:grpSp>
-      <p:cxnSp>
-        <p:nvCxnSpPr>
-          <p:cNvPr id="48" name="直線接點 47">
-            <a:extLst>
-              <a:ext uri="{FF2B5EF4-FFF2-40B4-BE49-F238E27FC236}">
-                <a16:creationId xmlns:a16="http://schemas.microsoft.com/office/drawing/2014/main" id="{DB83A459-3A04-BDE8-CF09-13C3E6497175}"/>
-              </a:ext>
-            </a:extLst>
-          </p:cNvPr>
-          <p:cNvCxnSpPr>
-            <a:cxnSpLocks/>
-          </p:cNvCxnSpPr>
-          <p:nvPr/>
-        </p:nvCxnSpPr>
-        <p:spPr>
-          <a:xfrm>
-            <a:off x="3712720" y="1059266"/>
-            <a:ext cx="0" cy="3340048"/>
-          </a:xfrm>
-          <a:prstGeom prst="line">
-            <a:avLst/>
-          </a:prstGeom>
-          <a:ln w="31750">
-            <a:solidFill>
-              <a:srgbClr val="00B0F0"/>
-            </a:solidFill>
-          </a:ln>
-        </p:spPr>
-        <p:style>
-          <a:lnRef idx="1">
-            <a:schemeClr val="accent1"/>
-          </a:lnRef>
-          <a:fillRef idx="0">
-            <a:schemeClr val="accent1"/>
-          </a:fillRef>
-          <a:effectRef idx="0">
-            <a:schemeClr val="accent1"/>
-          </a:effectRef>
-          <a:fontRef idx="minor">
-            <a:schemeClr val="tx1"/>
-          </a:fontRef>
-        </p:style>
-      </p:cxnSp>
-      <p:sp>
-        <p:nvSpPr>
-          <p:cNvPr id="52" name="文字方塊 51">
-            <a:extLst>
-              <a:ext uri="{FF2B5EF4-FFF2-40B4-BE49-F238E27FC236}">
-                <a16:creationId xmlns:a16="http://schemas.microsoft.com/office/drawing/2014/main" id="{44F82A75-1E5D-DE9B-33DB-3546653F074F}"/>
-              </a:ext>
-            </a:extLst>
-          </p:cNvPr>
-          <p:cNvSpPr txBox="1"/>
-          <p:nvPr/>
-        </p:nvSpPr>
-        <p:spPr>
-          <a:xfrm>
-            <a:off x="103893" y="2721011"/>
-            <a:ext cx="3537992" cy="892552"/>
-          </a:xfrm>
-          <a:prstGeom prst="rect">
-            <a:avLst/>
-          </a:prstGeom>
-          <a:noFill/>
-        </p:spPr>
-        <p:txBody>
-          <a:bodyPr wrap="square" rtlCol="0">
-            <a:spAutoFit/>
-          </a:bodyPr>
-          <a:lstStyle/>
-          <a:p>
-            <a:pPr algn="just"/>
-            <a:r>
-              <a:rPr lang="zh-HK" altLang="en-US" sz="1300" spc="40" dirty="0">
-                <a:latin typeface="Meiryo UI" panose="020B0604030504040204" pitchFamily="34" charset="-128"/>
-                <a:ea typeface="Meiryo UI" panose="020B0604030504040204" pitchFamily="34" charset="-128"/>
-                <a:cs typeface="Noto Nastaliq Urdu" panose="020B0502040504020204" pitchFamily="34" charset="-78"/>
-              </a:rPr>
-              <a:t>前職</a:t>
-            </a:r>
-            <a:r>
-              <a:rPr lang="ja-JP" altLang="en-US" sz="1300" spc="40">
-                <a:latin typeface="Meiryo UI" panose="020B0604030504040204" pitchFamily="34" charset="-128"/>
-                <a:ea typeface="Meiryo UI" panose="020B0604030504040204" pitchFamily="34" charset="-128"/>
-                <a:cs typeface="Noto Nastaliq Urdu" panose="020B0502040504020204" pitchFamily="34" charset="-78"/>
-              </a:rPr>
-              <a:t>でデザイン</a:t>
-            </a:r>
-            <a:r>
-              <a:rPr lang="zh-HK" altLang="en-US" sz="1300" spc="40" dirty="0">
-                <a:latin typeface="Meiryo UI" panose="020B0604030504040204" pitchFamily="34" charset="-128"/>
-                <a:ea typeface="Meiryo UI" panose="020B0604030504040204" pitchFamily="34" charset="-128"/>
-                <a:cs typeface="Noto Nastaliq Urdu" panose="020B0502040504020204" pitchFamily="34" charset="-78"/>
-              </a:rPr>
-              <a:t>系</a:t>
-            </a:r>
-            <a:r>
-              <a:rPr lang="ja-JP" altLang="en-US" sz="1300" spc="40">
-                <a:latin typeface="Meiryo UI" panose="020B0604030504040204" pitchFamily="34" charset="-128"/>
-                <a:ea typeface="Meiryo UI" panose="020B0604030504040204" pitchFamily="34" charset="-128"/>
-                <a:cs typeface="Noto Nastaliq Urdu" panose="020B0502040504020204" pitchFamily="34" charset="-78"/>
-              </a:rPr>
-              <a:t>の</a:t>
-            </a:r>
-            <a:r>
-              <a:rPr lang="zh-HK" altLang="en-US" sz="1300" spc="40" dirty="0">
-                <a:latin typeface="Meiryo UI" panose="020B0604030504040204" pitchFamily="34" charset="-128"/>
-                <a:ea typeface="Meiryo UI" panose="020B0604030504040204" pitchFamily="34" charset="-128"/>
-                <a:cs typeface="Noto Nastaliq Urdu" panose="020B0502040504020204" pitchFamily="34" charset="-78"/>
-              </a:rPr>
-              <a:t>環境</a:t>
-            </a:r>
-            <a:r>
-              <a:rPr lang="ja-JP" altLang="en-US" sz="1300" spc="40">
-                <a:latin typeface="Meiryo UI" panose="020B0604030504040204" pitchFamily="34" charset="-128"/>
-                <a:ea typeface="Meiryo UI" panose="020B0604030504040204" pitchFamily="34" charset="-128"/>
-                <a:cs typeface="Noto Nastaliq Urdu" panose="020B0502040504020204" pitchFamily="34" charset="-78"/>
-              </a:rPr>
-              <a:t>で</a:t>
-            </a:r>
-            <a:r>
-              <a:rPr lang="zh-HK" altLang="en-US" sz="1300" spc="40" dirty="0">
-                <a:latin typeface="Meiryo UI" panose="020B0604030504040204" pitchFamily="34" charset="-128"/>
-                <a:ea typeface="Meiryo UI" panose="020B0604030504040204" pitchFamily="34" charset="-128"/>
-                <a:cs typeface="Noto Nastaliq Urdu" panose="020B0502040504020204" pitchFamily="34" charset="-78"/>
-              </a:rPr>
-              <a:t>動画編集者</a:t>
-            </a:r>
-            <a:r>
-              <a:rPr lang="ja-JP" altLang="en-US" sz="1300" spc="40">
-                <a:latin typeface="Meiryo UI" panose="020B0604030504040204" pitchFamily="34" charset="-128"/>
-                <a:ea typeface="Meiryo UI" panose="020B0604030504040204" pitchFamily="34" charset="-128"/>
-                <a:cs typeface="Noto Nastaliq Urdu" panose="020B0502040504020204" pitchFamily="34" charset="-78"/>
-              </a:rPr>
-              <a:t>として</a:t>
-            </a:r>
-            <a:r>
-              <a:rPr lang="zh-HK" altLang="en-US" sz="1300" spc="40" dirty="0">
-                <a:latin typeface="Meiryo UI" panose="020B0604030504040204" pitchFamily="34" charset="-128"/>
-                <a:ea typeface="Meiryo UI" panose="020B0604030504040204" pitchFamily="34" charset="-128"/>
-                <a:cs typeface="Noto Nastaliq Urdu" panose="020B0502040504020204" pitchFamily="34" charset="-78"/>
-              </a:rPr>
-              <a:t>働</a:t>
-            </a:r>
-            <a:r>
-              <a:rPr lang="ja-JP" altLang="en-US" sz="1300" spc="40">
-                <a:latin typeface="Meiryo UI" panose="020B0604030504040204" pitchFamily="34" charset="-128"/>
-                <a:ea typeface="Meiryo UI" panose="020B0604030504040204" pitchFamily="34" charset="-128"/>
-                <a:cs typeface="Noto Nastaliq Urdu" panose="020B0502040504020204" pitchFamily="34" charset="-78"/>
-              </a:rPr>
-              <a:t>きました。そのおかけで、</a:t>
-            </a:r>
-            <a:r>
-              <a:rPr lang="zh-HK" altLang="en-US" sz="1300" spc="40" dirty="0">
-                <a:latin typeface="Meiryo UI" panose="020B0604030504040204" pitchFamily="34" charset="-128"/>
-                <a:ea typeface="Meiryo UI" panose="020B0604030504040204" pitchFamily="34" charset="-128"/>
-                <a:cs typeface="Noto Nastaliq Urdu" panose="020B0502040504020204" pitchFamily="34" charset="-78"/>
-              </a:rPr>
-              <a:t>画像</a:t>
-            </a:r>
-            <a:r>
-              <a:rPr lang="ja-JP" altLang="en-US" sz="1300" spc="40">
-                <a:latin typeface="Meiryo UI" panose="020B0604030504040204" pitchFamily="34" charset="-128"/>
-                <a:ea typeface="Meiryo UI" panose="020B0604030504040204" pitchFamily="34" charset="-128"/>
-                <a:cs typeface="Noto Nastaliq Urdu" panose="020B0502040504020204" pitchFamily="34" charset="-78"/>
-              </a:rPr>
-              <a:t>のデザインに</a:t>
-            </a:r>
-            <a:r>
-              <a:rPr lang="zh-HK" altLang="en-US" sz="1300" spc="40" dirty="0">
-                <a:latin typeface="Meiryo UI" panose="020B0604030504040204" pitchFamily="34" charset="-128"/>
-                <a:ea typeface="Meiryo UI" panose="020B0604030504040204" pitchFamily="34" charset="-128"/>
-                <a:cs typeface="Noto Nastaliq Urdu" panose="020B0502040504020204" pitchFamily="34" charset="-78"/>
-              </a:rPr>
-              <a:t>対</a:t>
-            </a:r>
-            <a:r>
-              <a:rPr lang="ja-JP" altLang="en-US" sz="1300" spc="40">
-                <a:latin typeface="Meiryo UI" panose="020B0604030504040204" pitchFamily="34" charset="-128"/>
-                <a:ea typeface="Meiryo UI" panose="020B0604030504040204" pitchFamily="34" charset="-128"/>
-                <a:cs typeface="Noto Nastaliq Urdu" panose="020B0502040504020204" pitchFamily="34" charset="-78"/>
-              </a:rPr>
-              <a:t>して</a:t>
-            </a:r>
-            <a:r>
-              <a:rPr lang="zh-HK" altLang="en-US" sz="1300" spc="40" dirty="0">
-                <a:latin typeface="Meiryo UI" panose="020B0604030504040204" pitchFamily="34" charset="-128"/>
-                <a:ea typeface="Meiryo UI" panose="020B0604030504040204" pitchFamily="34" charset="-128"/>
-                <a:cs typeface="Noto Nastaliq Urdu" panose="020B0502040504020204" pitchFamily="34" charset="-78"/>
-              </a:rPr>
-              <a:t>面白</a:t>
-            </a:r>
-            <a:r>
-              <a:rPr lang="ja-JP" altLang="en-US" sz="1300" spc="40">
-                <a:latin typeface="Meiryo UI" panose="020B0604030504040204" pitchFamily="34" charset="-128"/>
-                <a:ea typeface="Meiryo UI" panose="020B0604030504040204" pitchFamily="34" charset="-128"/>
-                <a:cs typeface="Noto Nastaliq Urdu" panose="020B0502040504020204" pitchFamily="34" charset="-78"/>
-              </a:rPr>
-              <a:t>く</a:t>
-            </a:r>
-            <a:r>
-              <a:rPr lang="zh-HK" altLang="en-US" sz="1300" spc="40" dirty="0">
-                <a:latin typeface="Meiryo UI" panose="020B0604030504040204" pitchFamily="34" charset="-128"/>
-                <a:ea typeface="Meiryo UI" panose="020B0604030504040204" pitchFamily="34" charset="-128"/>
-                <a:cs typeface="Noto Nastaliq Urdu" panose="020B0502040504020204" pitchFamily="34" charset="-78"/>
-              </a:rPr>
-              <a:t>感</a:t>
-            </a:r>
-            <a:r>
-              <a:rPr lang="ja-JP" altLang="en-US" sz="1300" spc="40">
-                <a:latin typeface="Meiryo UI" panose="020B0604030504040204" pitchFamily="34" charset="-128"/>
-                <a:ea typeface="Meiryo UI" panose="020B0604030504040204" pitchFamily="34" charset="-128"/>
-                <a:cs typeface="Noto Nastaliq Urdu" panose="020B0502040504020204" pitchFamily="34" charset="-78"/>
-              </a:rPr>
-              <a:t>じ、</a:t>
-            </a:r>
-            <a:r>
-              <a:rPr lang="zh-HK" altLang="en-US" sz="1300" spc="40" dirty="0">
-                <a:latin typeface="Meiryo UI" panose="020B0604030504040204" pitchFamily="34" charset="-128"/>
-                <a:ea typeface="Meiryo UI" panose="020B0604030504040204" pitchFamily="34" charset="-128"/>
-                <a:cs typeface="Noto Nastaliq Urdu" panose="020B0502040504020204" pitchFamily="34" charset="-78"/>
-              </a:rPr>
-              <a:t>日本</a:t>
-            </a:r>
-            <a:r>
-              <a:rPr lang="ja-JP" altLang="en-US" sz="1300" spc="40">
-                <a:latin typeface="Meiryo UI" panose="020B0604030504040204" pitchFamily="34" charset="-128"/>
-                <a:ea typeface="Meiryo UI" panose="020B0604030504040204" pitchFamily="34" charset="-128"/>
-                <a:cs typeface="Noto Nastaliq Urdu" panose="020B0502040504020204" pitchFamily="34" charset="-78"/>
-              </a:rPr>
-              <a:t>へ</a:t>
-            </a:r>
-            <a:r>
-              <a:rPr lang="zh-HK" altLang="en-US" sz="1300" spc="40" dirty="0">
-                <a:latin typeface="Meiryo UI" panose="020B0604030504040204" pitchFamily="34" charset="-128"/>
-                <a:ea typeface="Meiryo UI" panose="020B0604030504040204" pitchFamily="34" charset="-128"/>
-                <a:cs typeface="Noto Nastaliq Urdu" panose="020B0502040504020204" pitchFamily="34" charset="-78"/>
-              </a:rPr>
-              <a:t>来</a:t>
-            </a:r>
-            <a:r>
-              <a:rPr lang="ja-JP" altLang="en-US" sz="1300" spc="40">
-                <a:latin typeface="Meiryo UI" panose="020B0604030504040204" pitchFamily="34" charset="-128"/>
-                <a:ea typeface="Meiryo UI" panose="020B0604030504040204" pitchFamily="34" charset="-128"/>
-                <a:cs typeface="Noto Nastaliq Urdu" panose="020B0502040504020204" pitchFamily="34" charset="-78"/>
-              </a:rPr>
-              <a:t>てから、</a:t>
-            </a:r>
-            <a:r>
-              <a:rPr lang="zh-HK" altLang="en-US" sz="1300" spc="40" dirty="0">
-                <a:latin typeface="Meiryo UI" panose="020B0604030504040204" pitchFamily="34" charset="-128"/>
-                <a:ea typeface="Meiryo UI" panose="020B0604030504040204" pitchFamily="34" charset="-128"/>
-                <a:cs typeface="Noto Nastaliq Urdu" panose="020B0502040504020204" pitchFamily="34" charset="-78"/>
-              </a:rPr>
-              <a:t>専門学校</a:t>
-            </a:r>
-            <a:r>
-              <a:rPr lang="ja-JP" altLang="en-US" sz="1300" spc="40">
-                <a:latin typeface="Meiryo UI" panose="020B0604030504040204" pitchFamily="34" charset="-128"/>
-                <a:ea typeface="Meiryo UI" panose="020B0604030504040204" pitchFamily="34" charset="-128"/>
-                <a:cs typeface="Noto Nastaliq Urdu" panose="020B0502040504020204" pitchFamily="34" charset="-78"/>
-              </a:rPr>
-              <a:t>で</a:t>
-            </a:r>
-            <a:r>
-              <a:rPr lang="en-US" altLang="zh-HK" sz="1300" spc="40" dirty="0">
-                <a:latin typeface="Meiryo UI" panose="020B0604030504040204" pitchFamily="34" charset="-128"/>
-                <a:ea typeface="Meiryo UI" panose="020B0604030504040204" pitchFamily="34" charset="-128"/>
-                <a:cs typeface="Noto Nastaliq Urdu" panose="020B0502040504020204" pitchFamily="34" charset="-78"/>
-              </a:rPr>
-              <a:t>Web</a:t>
-            </a:r>
-            <a:r>
-              <a:rPr lang="zh-HK" altLang="en-US" sz="1300" spc="40" dirty="0">
-                <a:latin typeface="Meiryo UI" panose="020B0604030504040204" pitchFamily="34" charset="-128"/>
-                <a:ea typeface="Meiryo UI" panose="020B0604030504040204" pitchFamily="34" charset="-128"/>
-                <a:cs typeface="Noto Nastaliq Urdu" panose="020B0502040504020204" pitchFamily="34" charset="-78"/>
-              </a:rPr>
-              <a:t>系</a:t>
-            </a:r>
-            <a:r>
-              <a:rPr lang="ja-JP" altLang="en-US" sz="1300" spc="40">
-                <a:latin typeface="Meiryo UI" panose="020B0604030504040204" pitchFamily="34" charset="-128"/>
-                <a:ea typeface="Meiryo UI" panose="020B0604030504040204" pitchFamily="34" charset="-128"/>
-                <a:cs typeface="Noto Nastaliq Urdu" panose="020B0502040504020204" pitchFamily="34" charset="-78"/>
-              </a:rPr>
-              <a:t>のプログラミングの</a:t>
-            </a:r>
-            <a:r>
-              <a:rPr lang="zh-HK" altLang="en-US" sz="1300" spc="40" dirty="0">
-                <a:latin typeface="Meiryo UI" panose="020B0604030504040204" pitchFamily="34" charset="-128"/>
-                <a:ea typeface="Meiryo UI" panose="020B0604030504040204" pitchFamily="34" charset="-128"/>
-                <a:cs typeface="Noto Nastaliq Urdu" panose="020B0502040504020204" pitchFamily="34" charset="-78"/>
-              </a:rPr>
-              <a:t>技術</a:t>
-            </a:r>
-            <a:r>
-              <a:rPr lang="ja-JP" altLang="en-US" sz="1300" spc="40">
-                <a:latin typeface="Meiryo UI" panose="020B0604030504040204" pitchFamily="34" charset="-128"/>
-                <a:ea typeface="Meiryo UI" panose="020B0604030504040204" pitchFamily="34" charset="-128"/>
-                <a:cs typeface="Noto Nastaliq Urdu" panose="020B0502040504020204" pitchFamily="34" charset="-78"/>
-              </a:rPr>
-              <a:t>を</a:t>
-            </a:r>
-            <a:r>
-              <a:rPr lang="zh-HK" altLang="en-US" sz="1300" spc="40" dirty="0">
-                <a:latin typeface="Meiryo UI" panose="020B0604030504040204" pitchFamily="34" charset="-128"/>
-                <a:ea typeface="Meiryo UI" panose="020B0604030504040204" pitchFamily="34" charset="-128"/>
-                <a:cs typeface="Noto Nastaliq Urdu" panose="020B0502040504020204" pitchFamily="34" charset="-78"/>
-              </a:rPr>
-              <a:t>学</a:t>
-            </a:r>
-            <a:r>
-              <a:rPr lang="ja-JP" altLang="en-US" sz="1300" spc="40">
-                <a:latin typeface="Meiryo UI" panose="020B0604030504040204" pitchFamily="34" charset="-128"/>
-                <a:ea typeface="Meiryo UI" panose="020B0604030504040204" pitchFamily="34" charset="-128"/>
-                <a:cs typeface="Noto Nastaliq Urdu" panose="020B0502040504020204" pitchFamily="34" charset="-78"/>
-              </a:rPr>
-              <a:t>びました。</a:t>
-            </a:r>
-            <a:endParaRPr kumimoji="1" lang="zh-HK" altLang="en-US" sz="1300" spc="40" dirty="0">
-              <a:latin typeface="Meiryo UI" panose="020B0604030504040204" pitchFamily="34" charset="-128"/>
-              <a:ea typeface="Meiryo UI" panose="020B0604030504040204" pitchFamily="34" charset="-128"/>
-              <a:cs typeface="Noto Nastaliq Urdu" panose="020B0502040504020204" pitchFamily="34" charset="-78"/>
-            </a:endParaRPr>
-          </a:p>
-        </p:txBody>
-      </p:sp>
-      <p:sp>
-        <p:nvSpPr>
-          <p:cNvPr id="53" name="文字方塊 52">
-            <a:extLst>
-              <a:ext uri="{FF2B5EF4-FFF2-40B4-BE49-F238E27FC236}">
-                <a16:creationId xmlns:a16="http://schemas.microsoft.com/office/drawing/2014/main" id="{21488E11-968B-5DA5-6D48-41036B0A66E7}"/>
-              </a:ext>
-            </a:extLst>
-          </p:cNvPr>
-          <p:cNvSpPr txBox="1"/>
-          <p:nvPr/>
-        </p:nvSpPr>
-        <p:spPr>
-          <a:xfrm>
-            <a:off x="91542" y="2432239"/>
-            <a:ext cx="2751074" cy="292388"/>
-          </a:xfrm>
-          <a:prstGeom prst="rect">
-            <a:avLst/>
-          </a:prstGeom>
-          <a:noFill/>
-        </p:spPr>
-        <p:txBody>
-          <a:bodyPr wrap="none" rtlCol="0">
-            <a:spAutoFit/>
-          </a:bodyPr>
-          <a:lstStyle/>
-          <a:p>
-            <a:r>
-              <a:rPr lang="ja-JP" altLang="en-US" sz="1300">
-                <a:latin typeface="Meiryo UI" panose="020B0604030504040204" pitchFamily="34" charset="-128"/>
-                <a:ea typeface="Meiryo UI" panose="020B0604030504040204" pitchFamily="34" charset="-128"/>
-                <a:cs typeface="Noto Nastaliq Urdu" panose="020B0502040504020204" pitchFamily="34" charset="-78"/>
-              </a:rPr>
-              <a:t>フルスタックエンジニアを</a:t>
-            </a:r>
-            <a:r>
-              <a:rPr lang="zh-HK" altLang="en-US" sz="1300" dirty="0">
-                <a:latin typeface="Meiryo UI" panose="020B0604030504040204" pitchFamily="34" charset="-128"/>
-                <a:ea typeface="Meiryo UI" panose="020B0604030504040204" pitchFamily="34" charset="-128"/>
-                <a:cs typeface="Noto Nastaliq Urdu" panose="020B0502040504020204" pitchFamily="34" charset="-78"/>
-              </a:rPr>
-              <a:t>志望</a:t>
-            </a:r>
-            <a:r>
-              <a:rPr lang="ja-JP" altLang="en-US" sz="1300">
-                <a:latin typeface="Meiryo UI" panose="020B0604030504040204" pitchFamily="34" charset="-128"/>
-                <a:ea typeface="Meiryo UI" panose="020B0604030504040204" pitchFamily="34" charset="-128"/>
-                <a:cs typeface="Noto Nastaliq Urdu" panose="020B0502040504020204" pitchFamily="34" charset="-78"/>
-              </a:rPr>
-              <a:t>しています。</a:t>
-            </a:r>
-            <a:endParaRPr kumimoji="1" lang="zh-HK" altLang="en-US" sz="1300" dirty="0">
-              <a:latin typeface="Meiryo UI" panose="020B0604030504040204" pitchFamily="34" charset="-128"/>
-              <a:ea typeface="Meiryo UI" panose="020B0604030504040204" pitchFamily="34" charset="-128"/>
-            </a:endParaRPr>
-          </a:p>
-        </p:txBody>
-      </p:sp>
-      <p:grpSp>
-        <p:nvGrpSpPr>
-          <p:cNvPr id="57" name="群組 56">
-            <a:extLst>
-              <a:ext uri="{FF2B5EF4-FFF2-40B4-BE49-F238E27FC236}">
-                <a16:creationId xmlns:a16="http://schemas.microsoft.com/office/drawing/2014/main" id="{28D9436E-71D9-6803-84A8-627FC373BCBF}"/>
-              </a:ext>
-            </a:extLst>
-          </p:cNvPr>
-          <p:cNvGrpSpPr/>
-          <p:nvPr/>
-        </p:nvGrpSpPr>
-        <p:grpSpPr>
-          <a:xfrm>
-            <a:off x="2937988" y="3731450"/>
-            <a:ext cx="605308" cy="811539"/>
-            <a:chOff x="3059248" y="3578094"/>
-            <a:chExt cx="711435" cy="953825"/>
-          </a:xfrm>
-        </p:grpSpPr>
-        <p:pic>
-          <p:nvPicPr>
-            <p:cNvPr id="55" name="圖片 54" descr="一張含有 圖形, 藝術, 平面設計, 黑與白 的圖片&#10;&#10;自動產生的描述">
-              <a:extLst>
-                <a:ext uri="{FF2B5EF4-FFF2-40B4-BE49-F238E27FC236}">
-                  <a16:creationId xmlns:a16="http://schemas.microsoft.com/office/drawing/2014/main" id="{60CD165F-8CDF-4345-7B0C-C0ED7881F5AF}"/>
+                  <a16:creationId xmlns:a16="http://schemas.microsoft.com/office/drawing/2014/main" id="{F04607F5-8268-BB9C-1699-9D773E21CA49}"/>
                 </a:ext>
               </a:extLst>
             </p:cNvPr>
@@ -5645,16 +4832,15 @@
             </p:cNvPicPr>
             <p:nvPr/>
           </p:nvPicPr>
-          <p:blipFill>
-            <a:blip r:embed="rId4"/>
-            <a:stretch>
-              <a:fillRect/>
-            </a:stretch>
+          <p:blipFill rotWithShape="1">
+            <a:blip r:embed="rId3"/>
+            <a:srcRect l="1917" t="4347" r="2778" b="22290"/>
+            <a:stretch/>
           </p:blipFill>
           <p:spPr>
             <a:xfrm>
-              <a:off x="3059248" y="3578094"/>
-              <a:ext cx="711435" cy="711435"/>
+              <a:off x="179389" y="1114203"/>
+              <a:ext cx="1196691" cy="1239193"/>
             </a:xfrm>
             <a:prstGeom prst="rect">
               <a:avLst/>
@@ -5663,20 +4849,22 @@
         </p:pic>
         <p:sp>
           <p:nvSpPr>
-            <p:cNvPr id="56" name="文字方塊 55">
+            <p:cNvPr id="8" name="文字方塊 7">
               <a:extLst>
                 <a:ext uri="{FF2B5EF4-FFF2-40B4-BE49-F238E27FC236}">
-                  <a16:creationId xmlns:a16="http://schemas.microsoft.com/office/drawing/2014/main" id="{138E9CD1-72E6-157B-60DA-5A0D58AED63B}"/>
+                  <a16:creationId xmlns:a16="http://schemas.microsoft.com/office/drawing/2014/main" id="{168786FE-A1B1-370D-3D5D-9E6811949258}"/>
                 </a:ext>
               </a:extLst>
             </p:cNvPr>
-            <p:cNvSpPr txBox="1"/>
+            <p:cNvSpPr txBox="1">
+              <a:spLocks/>
+            </p:cNvSpPr>
             <p:nvPr/>
           </p:nvSpPr>
           <p:spPr>
             <a:xfrm>
-              <a:off x="3107612" y="4278702"/>
-              <a:ext cx="629651" cy="253217"/>
+              <a:off x="1394159" y="1095297"/>
+              <a:ext cx="2247731" cy="400110"/>
             </a:xfrm>
             <a:prstGeom prst="rect">
               <a:avLst/>
@@ -5691,46 +4879,42 @@
             <a:p>
               <a:pPr algn="ctr"/>
               <a:r>
-                <a:rPr kumimoji="1" lang="en-US" altLang="zh-HK" sz="800" dirty="0">
-                  <a:latin typeface="Microsoft YaHei" panose="020B0503020204020204" pitchFamily="34" charset="-122"/>
-                  <a:ea typeface="Microsoft YaHei" panose="020B0503020204020204" pitchFamily="34" charset="-122"/>
-                </a:rPr>
-                <a:t>GitHub</a:t>
-              </a:r>
-              <a:endParaRPr kumimoji="1" lang="zh-HK" altLang="en-US" sz="800" dirty="0">
-                <a:latin typeface="Microsoft YaHei" panose="020B0503020204020204" pitchFamily="34" charset="-122"/>
-                <a:ea typeface="Microsoft YaHei" panose="020B0503020204020204" pitchFamily="34" charset="-122"/>
-              </a:endParaRPr>
+                <a:rPr kumimoji="1" lang="en-US" altLang="zh-HK" sz="2000" b="1" spc="300" dirty="0">
+                  <a:latin typeface="Meiryo UI" panose="020B0604030504040204" pitchFamily="34" charset="-128"/>
+                  <a:ea typeface="Meiryo UI" panose="020B0604030504040204" pitchFamily="34" charset="-128"/>
+                </a:rPr>
+                <a:t>IT</a:t>
+              </a:r>
+              <a:r>
+                <a:rPr kumimoji="1" lang="zh-HK" altLang="en-US" sz="2000" b="1" spc="300" dirty="0">
+                  <a:latin typeface="Meiryo UI" panose="020B0604030504040204" pitchFamily="34" charset="-128"/>
+                  <a:ea typeface="Meiryo UI" panose="020B0604030504040204" pitchFamily="34" charset="-128"/>
+                </a:rPr>
+                <a:t>開発研究</a:t>
+              </a:r>
+              <a:r>
+                <a:rPr kumimoji="1" lang="en-US" altLang="zh-HK" sz="2000" b="1" spc="300" dirty="0">
+                  <a:latin typeface="Meiryo UI" panose="020B0604030504040204" pitchFamily="34" charset="-128"/>
+                  <a:ea typeface="Meiryo UI" panose="020B0604030504040204" pitchFamily="34" charset="-128"/>
+                </a:rPr>
+                <a:t>3</a:t>
+              </a:r>
+              <a:r>
+                <a:rPr kumimoji="1" lang="zh-HK" altLang="en-US" sz="2000" b="1" spc="300" dirty="0">
+                  <a:latin typeface="Meiryo UI" panose="020B0604030504040204" pitchFamily="34" charset="-128"/>
+                  <a:ea typeface="Meiryo UI" panose="020B0604030504040204" pitchFamily="34" charset="-128"/>
+                </a:rPr>
+                <a:t>年</a:t>
+              </a:r>
             </a:p>
           </p:txBody>
         </p:sp>
-      </p:grpSp>
-      <p:grpSp>
-        <p:nvGrpSpPr>
-          <p:cNvPr id="5" name="群組 4">
-            <a:extLst>
-              <a:ext uri="{FF2B5EF4-FFF2-40B4-BE49-F238E27FC236}">
-                <a16:creationId xmlns:a16="http://schemas.microsoft.com/office/drawing/2014/main" id="{0FA146BA-8A99-7CE2-2ED1-6410C7565E33}"/>
-              </a:ext>
-            </a:extLst>
-          </p:cNvPr>
-          <p:cNvGrpSpPr/>
-          <p:nvPr/>
-        </p:nvGrpSpPr>
-        <p:grpSpPr>
-          <a:xfrm>
-            <a:off x="139857" y="3723051"/>
-            <a:ext cx="2640864" cy="826208"/>
-            <a:chOff x="139857" y="3723051"/>
-            <a:chExt cx="2640864" cy="826208"/>
-          </a:xfrm>
-        </p:grpSpPr>
         <p:grpSp>
           <p:nvGrpSpPr>
-            <p:cNvPr id="65" name="群組 64">
+            <p:cNvPr id="35" name="グループ化 20">
               <a:extLst>
                 <a:ext uri="{FF2B5EF4-FFF2-40B4-BE49-F238E27FC236}">
-                  <a16:creationId xmlns:a16="http://schemas.microsoft.com/office/drawing/2014/main" id="{06D49198-3437-086F-35F0-A8D1AE935052}"/>
+                  <a16:creationId xmlns:a16="http://schemas.microsoft.com/office/drawing/2014/main" id="{FC2F3F9F-7BB7-F32D-4BBF-22FDEB82BDE2}"/>
                 </a:ext>
               </a:extLst>
             </p:cNvPr>
@@ -5739,18 +4923,684 @@
           </p:nvGrpSpPr>
           <p:grpSpPr>
             <a:xfrm>
-              <a:off x="2133036" y="3723051"/>
-              <a:ext cx="647685" cy="826208"/>
-              <a:chOff x="1992273" y="3572306"/>
-              <a:chExt cx="749095" cy="955570"/>
+              <a:off x="1487567" y="1665840"/>
+              <a:ext cx="450764" cy="453976"/>
+              <a:chOff x="10594896" y="9353227"/>
+              <a:chExt cx="450764" cy="453976"/>
+            </a:xfrm>
+          </p:grpSpPr>
+          <p:sp>
+            <p:nvSpPr>
+              <p:cNvPr id="39" name="円/楕円 21">
+                <a:extLst>
+                  <a:ext uri="{FF2B5EF4-FFF2-40B4-BE49-F238E27FC236}">
+                    <a16:creationId xmlns:a16="http://schemas.microsoft.com/office/drawing/2014/main" id="{890769AF-9744-B116-7774-B6C1B7D4736F}"/>
+                  </a:ext>
+                </a:extLst>
+              </p:cNvPr>
+              <p:cNvSpPr/>
+              <p:nvPr/>
+            </p:nvSpPr>
+            <p:spPr>
+              <a:xfrm>
+                <a:off x="10627648" y="9375274"/>
+                <a:ext cx="385261" cy="385261"/>
+              </a:xfrm>
+              <a:prstGeom prst="ellipse">
+                <a:avLst/>
+              </a:prstGeom>
+              <a:solidFill>
+                <a:srgbClr val="00B0F0"/>
+              </a:solidFill>
+              <a:ln>
+                <a:noFill/>
+              </a:ln>
+            </p:spPr>
+            <p:style>
+              <a:lnRef idx="2">
+                <a:schemeClr val="accent1">
+                  <a:shade val="50000"/>
+                </a:schemeClr>
+              </a:lnRef>
+              <a:fillRef idx="1">
+                <a:schemeClr val="accent1"/>
+              </a:fillRef>
+              <a:effectRef idx="0">
+                <a:schemeClr val="accent1"/>
+              </a:effectRef>
+              <a:fontRef idx="minor">
+                <a:schemeClr val="lt1"/>
+              </a:fontRef>
+            </p:style>
+            <p:txBody>
+              <a:bodyPr rtlCol="0" anchor="ctr"/>
+              <a:lstStyle/>
+              <a:p>
+                <a:pPr algn="ctr"/>
+                <a:endParaRPr kumimoji="1" lang="ja-JP" altLang="en-US"/>
+              </a:p>
+            </p:txBody>
+          </p:sp>
+          <p:sp>
+            <p:nvSpPr>
+              <p:cNvPr id="40" name="テキスト ボックス 22">
+                <a:extLst>
+                  <a:ext uri="{FF2B5EF4-FFF2-40B4-BE49-F238E27FC236}">
+                    <a16:creationId xmlns:a16="http://schemas.microsoft.com/office/drawing/2014/main" id="{8F3905C4-1FF8-3297-7E4C-5B3F6A30F40E}"/>
+                  </a:ext>
+                </a:extLst>
+              </p:cNvPr>
+              <p:cNvSpPr txBox="1"/>
+              <p:nvPr/>
+            </p:nvSpPr>
+            <p:spPr>
+              <a:xfrm>
+                <a:off x="10594896" y="9353227"/>
+                <a:ext cx="450764" cy="369332"/>
+              </a:xfrm>
+              <a:prstGeom prst="rect">
+                <a:avLst/>
+              </a:prstGeom>
+              <a:noFill/>
+            </p:spPr>
+            <p:txBody>
+              <a:bodyPr wrap="none" rtlCol="0" anchor="t">
+                <a:spAutoFit/>
+              </a:bodyPr>
+              <a:lstStyle/>
+              <a:p>
+                <a:pPr algn="ctr"/>
+                <a:r>
+                  <a:rPr kumimoji="1" lang="en-US" altLang="ja-JP" b="1" dirty="0">
+                    <a:solidFill>
+                      <a:schemeClr val="bg1"/>
+                    </a:solidFill>
+                    <a:latin typeface="Yu Gothic" panose="020B0400000000000000" pitchFamily="34" charset="-128"/>
+                    <a:ea typeface="Yu Gothic" panose="020B0400000000000000" pitchFamily="34" charset="-128"/>
+                  </a:rPr>
+                  <a:t>25</a:t>
+                </a:r>
+                <a:endParaRPr kumimoji="1" lang="ja-JP" altLang="en-US" b="1">
+                  <a:solidFill>
+                    <a:schemeClr val="bg1"/>
+                  </a:solidFill>
+                  <a:latin typeface="Yu Gothic" panose="020B0400000000000000" pitchFamily="34" charset="-128"/>
+                  <a:ea typeface="Yu Gothic" panose="020B0400000000000000" pitchFamily="34" charset="-128"/>
+                </a:endParaRPr>
+              </a:p>
+            </p:txBody>
+          </p:sp>
+          <p:sp>
+            <p:nvSpPr>
+              <p:cNvPr id="41" name="テキスト ボックス 23">
+                <a:extLst>
+                  <a:ext uri="{FF2B5EF4-FFF2-40B4-BE49-F238E27FC236}">
+                    <a16:creationId xmlns:a16="http://schemas.microsoft.com/office/drawing/2014/main" id="{FEF9777E-5DBA-90C3-CAA9-13843E4A51AD}"/>
+                  </a:ext>
+                </a:extLst>
+              </p:cNvPr>
+              <p:cNvSpPr txBox="1"/>
+              <p:nvPr/>
+            </p:nvSpPr>
+            <p:spPr>
+              <a:xfrm>
+                <a:off x="10677659" y="9576371"/>
+                <a:ext cx="300082" cy="230832"/>
+              </a:xfrm>
+              <a:prstGeom prst="rect">
+                <a:avLst/>
+              </a:prstGeom>
+              <a:noFill/>
+            </p:spPr>
+            <p:txBody>
+              <a:bodyPr wrap="none" rtlCol="0" anchor="t">
+                <a:spAutoFit/>
+              </a:bodyPr>
+              <a:lstStyle/>
+              <a:p>
+                <a:pPr algn="ctr"/>
+                <a:r>
+                  <a:rPr kumimoji="1" lang="ja-JP" altLang="en-US" sz="900" b="1">
+                    <a:solidFill>
+                      <a:schemeClr val="bg1"/>
+                    </a:solidFill>
+                    <a:latin typeface="Yu Gothic" panose="020B0400000000000000" pitchFamily="34" charset="-128"/>
+                    <a:ea typeface="Yu Gothic" panose="020B0400000000000000" pitchFamily="34" charset="-128"/>
+                  </a:rPr>
+                  <a:t>卒</a:t>
+                </a:r>
+              </a:p>
+            </p:txBody>
+          </p:sp>
+        </p:grpSp>
+        <p:grpSp>
+          <p:nvGrpSpPr>
+            <p:cNvPr id="44" name="群組 43">
+              <a:extLst>
+                <a:ext uri="{FF2B5EF4-FFF2-40B4-BE49-F238E27FC236}">
+                  <a16:creationId xmlns:a16="http://schemas.microsoft.com/office/drawing/2014/main" id="{0F7E30B8-86D5-CCA3-CAC6-99A757474A0B}"/>
+                </a:ext>
+              </a:extLst>
+            </p:cNvPr>
+            <p:cNvGrpSpPr/>
+            <p:nvPr/>
+          </p:nvGrpSpPr>
+          <p:grpSpPr>
+            <a:xfrm>
+              <a:off x="1960414" y="1490652"/>
+              <a:ext cx="1531189" cy="792740"/>
+              <a:chOff x="2266672" y="1358980"/>
+              <a:chExt cx="707590" cy="720294"/>
+            </a:xfrm>
+          </p:grpSpPr>
+          <p:sp>
+            <p:nvSpPr>
+              <p:cNvPr id="42" name="文字方塊 41">
+                <a:extLst>
+                  <a:ext uri="{FF2B5EF4-FFF2-40B4-BE49-F238E27FC236}">
+                    <a16:creationId xmlns:a16="http://schemas.microsoft.com/office/drawing/2014/main" id="{BF6070BE-47A6-3D3E-C491-320CB301151D}"/>
+                  </a:ext>
+                </a:extLst>
+              </p:cNvPr>
+              <p:cNvSpPr txBox="1"/>
+              <p:nvPr/>
+            </p:nvSpPr>
+            <p:spPr>
+              <a:xfrm>
+                <a:off x="2266672" y="1547940"/>
+                <a:ext cx="707590" cy="531334"/>
+              </a:xfrm>
+              <a:prstGeom prst="rect">
+                <a:avLst/>
+              </a:prstGeom>
+              <a:noFill/>
+            </p:spPr>
+            <p:txBody>
+              <a:bodyPr wrap="none" rtlCol="0">
+                <a:spAutoFit/>
+              </a:bodyPr>
+              <a:lstStyle/>
+              <a:p>
+                <a:r>
+                  <a:rPr kumimoji="1" lang="zh-HK" altLang="en-US" sz="3200" b="1" spc="300" dirty="0">
+                    <a:latin typeface="Meiryo UI" panose="020B0604030504040204" pitchFamily="34" charset="-128"/>
+                    <a:ea typeface="Meiryo UI" panose="020B0604030504040204" pitchFamily="34" charset="-128"/>
+                    <a:cs typeface="Noto Nastaliq Urdu" panose="020B0502040504020204" pitchFamily="34" charset="-78"/>
+                  </a:rPr>
+                  <a:t>文家俊</a:t>
+                </a:r>
+              </a:p>
+            </p:txBody>
+          </p:sp>
+          <p:sp>
+            <p:nvSpPr>
+              <p:cNvPr id="43" name="文字方塊 42">
+                <a:extLst>
+                  <a:ext uri="{FF2B5EF4-FFF2-40B4-BE49-F238E27FC236}">
+                    <a16:creationId xmlns:a16="http://schemas.microsoft.com/office/drawing/2014/main" id="{F331D391-F182-1FD0-0C6F-6C7D7EAE7002}"/>
+                  </a:ext>
+                </a:extLst>
+              </p:cNvPr>
+              <p:cNvSpPr txBox="1"/>
+              <p:nvPr/>
+            </p:nvSpPr>
+            <p:spPr>
+              <a:xfrm>
+                <a:off x="2284970" y="1358980"/>
+                <a:ext cx="606104" cy="279650"/>
+              </a:xfrm>
+              <a:prstGeom prst="rect">
+                <a:avLst/>
+              </a:prstGeom>
+              <a:noFill/>
+            </p:spPr>
+            <p:txBody>
+              <a:bodyPr wrap="none" rtlCol="0">
+                <a:spAutoFit/>
+              </a:bodyPr>
+              <a:lstStyle/>
+              <a:p>
+                <a:r>
+                  <a:rPr kumimoji="1" lang="zh-HK" altLang="en-US" sz="1400" spc="300" dirty="0">
+                    <a:latin typeface="Meiryo UI" panose="020B0604030504040204" pitchFamily="34" charset="-128"/>
+                    <a:ea typeface="Meiryo UI" panose="020B0604030504040204" pitchFamily="34" charset="-128"/>
+                    <a:cs typeface="Noto Nastaliq Urdu" panose="020B0502040504020204" pitchFamily="34" charset="-78"/>
+                  </a:rPr>
+                  <a:t>ブン</a:t>
+                </a:r>
+                <a:r>
+                  <a:rPr kumimoji="1" lang="en-US" altLang="zh-HK" sz="1400" spc="300" dirty="0">
+                    <a:latin typeface="Meiryo UI" panose="020B0604030504040204" pitchFamily="34" charset="-128"/>
+                    <a:ea typeface="Meiryo UI" panose="020B0604030504040204" pitchFamily="34" charset="-128"/>
+                    <a:cs typeface="Noto Nastaliq Urdu" panose="020B0502040504020204" pitchFamily="34" charset="-78"/>
+                  </a:rPr>
+                  <a:t> </a:t>
+                </a:r>
+                <a:r>
+                  <a:rPr kumimoji="1" lang="zh-HK" altLang="en-US" sz="1400" spc="300" dirty="0">
+                    <a:latin typeface="Meiryo UI" panose="020B0604030504040204" pitchFamily="34" charset="-128"/>
+                    <a:ea typeface="Meiryo UI" panose="020B0604030504040204" pitchFamily="34" charset="-128"/>
+                    <a:cs typeface="Noto Nastaliq Urdu" panose="020B0502040504020204" pitchFamily="34" charset="-78"/>
+                  </a:rPr>
+                  <a:t>カシュン</a:t>
+                </a:r>
+              </a:p>
+            </p:txBody>
+          </p:sp>
+        </p:grpSp>
+        <p:cxnSp>
+          <p:nvCxnSpPr>
+            <p:cNvPr id="48" name="直線接點 47">
+              <a:extLst>
+                <a:ext uri="{FF2B5EF4-FFF2-40B4-BE49-F238E27FC236}">
+                  <a16:creationId xmlns:a16="http://schemas.microsoft.com/office/drawing/2014/main" id="{DB83A459-3A04-BDE8-CF09-13C3E6497175}"/>
+                </a:ext>
+              </a:extLst>
+            </p:cNvPr>
+            <p:cNvCxnSpPr>
+              <a:cxnSpLocks/>
+            </p:cNvCxnSpPr>
+            <p:nvPr/>
+          </p:nvCxnSpPr>
+          <p:spPr>
+            <a:xfrm>
+              <a:off x="3712720" y="1059266"/>
+              <a:ext cx="0" cy="3340048"/>
+            </a:xfrm>
+            <a:prstGeom prst="line">
+              <a:avLst/>
+            </a:prstGeom>
+            <a:ln w="31750">
+              <a:solidFill>
+                <a:srgbClr val="00B0F0"/>
+              </a:solidFill>
+            </a:ln>
+          </p:spPr>
+          <p:style>
+            <a:lnRef idx="1">
+              <a:schemeClr val="accent1"/>
+            </a:lnRef>
+            <a:fillRef idx="0">
+              <a:schemeClr val="accent1"/>
+            </a:fillRef>
+            <a:effectRef idx="0">
+              <a:schemeClr val="accent1"/>
+            </a:effectRef>
+            <a:fontRef idx="minor">
+              <a:schemeClr val="tx1"/>
+            </a:fontRef>
+          </p:style>
+        </p:cxnSp>
+        <p:sp>
+          <p:nvSpPr>
+            <p:cNvPr id="52" name="文字方塊 51">
+              <a:extLst>
+                <a:ext uri="{FF2B5EF4-FFF2-40B4-BE49-F238E27FC236}">
+                  <a16:creationId xmlns:a16="http://schemas.microsoft.com/office/drawing/2014/main" id="{44F82A75-1E5D-DE9B-33DB-3546653F074F}"/>
+                </a:ext>
+              </a:extLst>
+            </p:cNvPr>
+            <p:cNvSpPr txBox="1"/>
+            <p:nvPr/>
+          </p:nvSpPr>
+          <p:spPr>
+            <a:xfrm>
+              <a:off x="103893" y="2721011"/>
+              <a:ext cx="3537992" cy="892552"/>
+            </a:xfrm>
+            <a:prstGeom prst="rect">
+              <a:avLst/>
+            </a:prstGeom>
+            <a:noFill/>
+          </p:spPr>
+          <p:txBody>
+            <a:bodyPr wrap="square" rtlCol="0">
+              <a:spAutoFit/>
+            </a:bodyPr>
+            <a:lstStyle/>
+            <a:p>
+              <a:pPr algn="just"/>
+              <a:r>
+                <a:rPr lang="zh-HK" altLang="en-US" sz="1300" spc="40" dirty="0">
+                  <a:latin typeface="Meiryo UI" panose="020B0604030504040204" pitchFamily="34" charset="-128"/>
+                  <a:ea typeface="Meiryo UI" panose="020B0604030504040204" pitchFamily="34" charset="-128"/>
+                  <a:cs typeface="Noto Nastaliq Urdu" panose="020B0502040504020204" pitchFamily="34" charset="-78"/>
+                </a:rPr>
+                <a:t>前職</a:t>
+              </a:r>
+              <a:r>
+                <a:rPr lang="ja-JP" altLang="en-US" sz="1300" spc="40">
+                  <a:latin typeface="Meiryo UI" panose="020B0604030504040204" pitchFamily="34" charset="-128"/>
+                  <a:ea typeface="Meiryo UI" panose="020B0604030504040204" pitchFamily="34" charset="-128"/>
+                  <a:cs typeface="Noto Nastaliq Urdu" panose="020B0502040504020204" pitchFamily="34" charset="-78"/>
+                </a:rPr>
+                <a:t>でデザイン</a:t>
+              </a:r>
+              <a:r>
+                <a:rPr lang="zh-HK" altLang="en-US" sz="1300" spc="40" dirty="0">
+                  <a:latin typeface="Meiryo UI" panose="020B0604030504040204" pitchFamily="34" charset="-128"/>
+                  <a:ea typeface="Meiryo UI" panose="020B0604030504040204" pitchFamily="34" charset="-128"/>
+                  <a:cs typeface="Noto Nastaliq Urdu" panose="020B0502040504020204" pitchFamily="34" charset="-78"/>
+                </a:rPr>
+                <a:t>系</a:t>
+              </a:r>
+              <a:r>
+                <a:rPr lang="ja-JP" altLang="en-US" sz="1300" spc="40">
+                  <a:latin typeface="Meiryo UI" panose="020B0604030504040204" pitchFamily="34" charset="-128"/>
+                  <a:ea typeface="Meiryo UI" panose="020B0604030504040204" pitchFamily="34" charset="-128"/>
+                  <a:cs typeface="Noto Nastaliq Urdu" panose="020B0502040504020204" pitchFamily="34" charset="-78"/>
+                </a:rPr>
+                <a:t>の</a:t>
+              </a:r>
+              <a:r>
+                <a:rPr lang="zh-HK" altLang="en-US" sz="1300" spc="40" dirty="0">
+                  <a:latin typeface="Meiryo UI" panose="020B0604030504040204" pitchFamily="34" charset="-128"/>
+                  <a:ea typeface="Meiryo UI" panose="020B0604030504040204" pitchFamily="34" charset="-128"/>
+                  <a:cs typeface="Noto Nastaliq Urdu" panose="020B0502040504020204" pitchFamily="34" charset="-78"/>
+                </a:rPr>
+                <a:t>環境</a:t>
+              </a:r>
+              <a:r>
+                <a:rPr lang="ja-JP" altLang="en-US" sz="1300" spc="40">
+                  <a:latin typeface="Meiryo UI" panose="020B0604030504040204" pitchFamily="34" charset="-128"/>
+                  <a:ea typeface="Meiryo UI" panose="020B0604030504040204" pitchFamily="34" charset="-128"/>
+                  <a:cs typeface="Noto Nastaliq Urdu" panose="020B0502040504020204" pitchFamily="34" charset="-78"/>
+                </a:rPr>
+                <a:t>で</a:t>
+              </a:r>
+              <a:r>
+                <a:rPr lang="zh-HK" altLang="en-US" sz="1300" spc="40" dirty="0">
+                  <a:latin typeface="Meiryo UI" panose="020B0604030504040204" pitchFamily="34" charset="-128"/>
+                  <a:ea typeface="Meiryo UI" panose="020B0604030504040204" pitchFamily="34" charset="-128"/>
+                  <a:cs typeface="Noto Nastaliq Urdu" panose="020B0502040504020204" pitchFamily="34" charset="-78"/>
+                </a:rPr>
+                <a:t>動画編集者</a:t>
+              </a:r>
+              <a:r>
+                <a:rPr lang="ja-JP" altLang="en-US" sz="1300" spc="40">
+                  <a:latin typeface="Meiryo UI" panose="020B0604030504040204" pitchFamily="34" charset="-128"/>
+                  <a:ea typeface="Meiryo UI" panose="020B0604030504040204" pitchFamily="34" charset="-128"/>
+                  <a:cs typeface="Noto Nastaliq Urdu" panose="020B0502040504020204" pitchFamily="34" charset="-78"/>
+                </a:rPr>
+                <a:t>として</a:t>
+              </a:r>
+              <a:r>
+                <a:rPr lang="zh-HK" altLang="en-US" sz="1300" spc="40" dirty="0">
+                  <a:latin typeface="Meiryo UI" panose="020B0604030504040204" pitchFamily="34" charset="-128"/>
+                  <a:ea typeface="Meiryo UI" panose="020B0604030504040204" pitchFamily="34" charset="-128"/>
+                  <a:cs typeface="Noto Nastaliq Urdu" panose="020B0502040504020204" pitchFamily="34" charset="-78"/>
+                </a:rPr>
+                <a:t>働</a:t>
+              </a:r>
+              <a:r>
+                <a:rPr lang="ja-JP" altLang="en-US" sz="1300" spc="40">
+                  <a:latin typeface="Meiryo UI" panose="020B0604030504040204" pitchFamily="34" charset="-128"/>
+                  <a:ea typeface="Meiryo UI" panose="020B0604030504040204" pitchFamily="34" charset="-128"/>
+                  <a:cs typeface="Noto Nastaliq Urdu" panose="020B0502040504020204" pitchFamily="34" charset="-78"/>
+                </a:rPr>
+                <a:t>きました。そのおかけで、</a:t>
+              </a:r>
+              <a:r>
+                <a:rPr lang="zh-HK" altLang="en-US" sz="1300" spc="40" dirty="0">
+                  <a:latin typeface="Meiryo UI" panose="020B0604030504040204" pitchFamily="34" charset="-128"/>
+                  <a:ea typeface="Meiryo UI" panose="020B0604030504040204" pitchFamily="34" charset="-128"/>
+                  <a:cs typeface="Noto Nastaliq Urdu" panose="020B0502040504020204" pitchFamily="34" charset="-78"/>
+                </a:rPr>
+                <a:t>画像</a:t>
+              </a:r>
+              <a:r>
+                <a:rPr lang="ja-JP" altLang="en-US" sz="1300" spc="40">
+                  <a:latin typeface="Meiryo UI" panose="020B0604030504040204" pitchFamily="34" charset="-128"/>
+                  <a:ea typeface="Meiryo UI" panose="020B0604030504040204" pitchFamily="34" charset="-128"/>
+                  <a:cs typeface="Noto Nastaliq Urdu" panose="020B0502040504020204" pitchFamily="34" charset="-78"/>
+                </a:rPr>
+                <a:t>のデザインに</a:t>
+              </a:r>
+              <a:r>
+                <a:rPr lang="zh-HK" altLang="en-US" sz="1300" spc="40" dirty="0">
+                  <a:latin typeface="Meiryo UI" panose="020B0604030504040204" pitchFamily="34" charset="-128"/>
+                  <a:ea typeface="Meiryo UI" panose="020B0604030504040204" pitchFamily="34" charset="-128"/>
+                  <a:cs typeface="Noto Nastaliq Urdu" panose="020B0502040504020204" pitchFamily="34" charset="-78"/>
+                </a:rPr>
+                <a:t>対</a:t>
+              </a:r>
+              <a:r>
+                <a:rPr lang="ja-JP" altLang="en-US" sz="1300" spc="40">
+                  <a:latin typeface="Meiryo UI" panose="020B0604030504040204" pitchFamily="34" charset="-128"/>
+                  <a:ea typeface="Meiryo UI" panose="020B0604030504040204" pitchFamily="34" charset="-128"/>
+                  <a:cs typeface="Noto Nastaliq Urdu" panose="020B0502040504020204" pitchFamily="34" charset="-78"/>
+                </a:rPr>
+                <a:t>して</a:t>
+              </a:r>
+              <a:r>
+                <a:rPr lang="zh-HK" altLang="en-US" sz="1300" spc="40" dirty="0">
+                  <a:latin typeface="Meiryo UI" panose="020B0604030504040204" pitchFamily="34" charset="-128"/>
+                  <a:ea typeface="Meiryo UI" panose="020B0604030504040204" pitchFamily="34" charset="-128"/>
+                  <a:cs typeface="Noto Nastaliq Urdu" panose="020B0502040504020204" pitchFamily="34" charset="-78"/>
+                </a:rPr>
+                <a:t>面白</a:t>
+              </a:r>
+              <a:r>
+                <a:rPr lang="ja-JP" altLang="en-US" sz="1300" spc="40">
+                  <a:latin typeface="Meiryo UI" panose="020B0604030504040204" pitchFamily="34" charset="-128"/>
+                  <a:ea typeface="Meiryo UI" panose="020B0604030504040204" pitchFamily="34" charset="-128"/>
+                  <a:cs typeface="Noto Nastaliq Urdu" panose="020B0502040504020204" pitchFamily="34" charset="-78"/>
+                </a:rPr>
+                <a:t>く</a:t>
+              </a:r>
+              <a:r>
+                <a:rPr lang="zh-HK" altLang="en-US" sz="1300" spc="40" dirty="0">
+                  <a:latin typeface="Meiryo UI" panose="020B0604030504040204" pitchFamily="34" charset="-128"/>
+                  <a:ea typeface="Meiryo UI" panose="020B0604030504040204" pitchFamily="34" charset="-128"/>
+                  <a:cs typeface="Noto Nastaliq Urdu" panose="020B0502040504020204" pitchFamily="34" charset="-78"/>
+                </a:rPr>
+                <a:t>感</a:t>
+              </a:r>
+              <a:r>
+                <a:rPr lang="ja-JP" altLang="en-US" sz="1300" spc="40">
+                  <a:latin typeface="Meiryo UI" panose="020B0604030504040204" pitchFamily="34" charset="-128"/>
+                  <a:ea typeface="Meiryo UI" panose="020B0604030504040204" pitchFamily="34" charset="-128"/>
+                  <a:cs typeface="Noto Nastaliq Urdu" panose="020B0502040504020204" pitchFamily="34" charset="-78"/>
+                </a:rPr>
+                <a:t>じ、</a:t>
+              </a:r>
+              <a:r>
+                <a:rPr lang="zh-HK" altLang="en-US" sz="1300" spc="40" dirty="0">
+                  <a:latin typeface="Meiryo UI" panose="020B0604030504040204" pitchFamily="34" charset="-128"/>
+                  <a:ea typeface="Meiryo UI" panose="020B0604030504040204" pitchFamily="34" charset="-128"/>
+                  <a:cs typeface="Noto Nastaliq Urdu" panose="020B0502040504020204" pitchFamily="34" charset="-78"/>
+                </a:rPr>
+                <a:t>日本</a:t>
+              </a:r>
+              <a:r>
+                <a:rPr lang="ja-JP" altLang="en-US" sz="1300" spc="40">
+                  <a:latin typeface="Meiryo UI" panose="020B0604030504040204" pitchFamily="34" charset="-128"/>
+                  <a:ea typeface="Meiryo UI" panose="020B0604030504040204" pitchFamily="34" charset="-128"/>
+                  <a:cs typeface="Noto Nastaliq Urdu" panose="020B0502040504020204" pitchFamily="34" charset="-78"/>
+                </a:rPr>
+                <a:t>へ</a:t>
+              </a:r>
+              <a:r>
+                <a:rPr lang="zh-HK" altLang="en-US" sz="1300" spc="40" dirty="0">
+                  <a:latin typeface="Meiryo UI" panose="020B0604030504040204" pitchFamily="34" charset="-128"/>
+                  <a:ea typeface="Meiryo UI" panose="020B0604030504040204" pitchFamily="34" charset="-128"/>
+                  <a:cs typeface="Noto Nastaliq Urdu" panose="020B0502040504020204" pitchFamily="34" charset="-78"/>
+                </a:rPr>
+                <a:t>来</a:t>
+              </a:r>
+              <a:r>
+                <a:rPr lang="ja-JP" altLang="en-US" sz="1300" spc="40">
+                  <a:latin typeface="Meiryo UI" panose="020B0604030504040204" pitchFamily="34" charset="-128"/>
+                  <a:ea typeface="Meiryo UI" panose="020B0604030504040204" pitchFamily="34" charset="-128"/>
+                  <a:cs typeface="Noto Nastaliq Urdu" panose="020B0502040504020204" pitchFamily="34" charset="-78"/>
+                </a:rPr>
+                <a:t>てから、</a:t>
+              </a:r>
+              <a:r>
+                <a:rPr lang="zh-HK" altLang="en-US" sz="1300" spc="40" dirty="0">
+                  <a:latin typeface="Meiryo UI" panose="020B0604030504040204" pitchFamily="34" charset="-128"/>
+                  <a:ea typeface="Meiryo UI" panose="020B0604030504040204" pitchFamily="34" charset="-128"/>
+                  <a:cs typeface="Noto Nastaliq Urdu" panose="020B0502040504020204" pitchFamily="34" charset="-78"/>
+                </a:rPr>
+                <a:t>専門学校</a:t>
+              </a:r>
+              <a:r>
+                <a:rPr lang="ja-JP" altLang="en-US" sz="1300" spc="40">
+                  <a:latin typeface="Meiryo UI" panose="020B0604030504040204" pitchFamily="34" charset="-128"/>
+                  <a:ea typeface="Meiryo UI" panose="020B0604030504040204" pitchFamily="34" charset="-128"/>
+                  <a:cs typeface="Noto Nastaliq Urdu" panose="020B0502040504020204" pitchFamily="34" charset="-78"/>
+                </a:rPr>
+                <a:t>で</a:t>
+              </a:r>
+              <a:r>
+                <a:rPr lang="en-US" altLang="zh-HK" sz="1300" spc="40" dirty="0">
+                  <a:latin typeface="Meiryo UI" panose="020B0604030504040204" pitchFamily="34" charset="-128"/>
+                  <a:ea typeface="Meiryo UI" panose="020B0604030504040204" pitchFamily="34" charset="-128"/>
+                  <a:cs typeface="Noto Nastaliq Urdu" panose="020B0502040504020204" pitchFamily="34" charset="-78"/>
+                </a:rPr>
+                <a:t>Web</a:t>
+              </a:r>
+              <a:r>
+                <a:rPr lang="zh-HK" altLang="en-US" sz="1300" spc="40" dirty="0">
+                  <a:latin typeface="Meiryo UI" panose="020B0604030504040204" pitchFamily="34" charset="-128"/>
+                  <a:ea typeface="Meiryo UI" panose="020B0604030504040204" pitchFamily="34" charset="-128"/>
+                  <a:cs typeface="Noto Nastaliq Urdu" panose="020B0502040504020204" pitchFamily="34" charset="-78"/>
+                </a:rPr>
+                <a:t>系</a:t>
+              </a:r>
+              <a:r>
+                <a:rPr lang="ja-JP" altLang="en-US" sz="1300" spc="40">
+                  <a:latin typeface="Meiryo UI" panose="020B0604030504040204" pitchFamily="34" charset="-128"/>
+                  <a:ea typeface="Meiryo UI" panose="020B0604030504040204" pitchFamily="34" charset="-128"/>
+                  <a:cs typeface="Noto Nastaliq Urdu" panose="020B0502040504020204" pitchFamily="34" charset="-78"/>
+                </a:rPr>
+                <a:t>のプログラミングの</a:t>
+              </a:r>
+              <a:r>
+                <a:rPr lang="zh-HK" altLang="en-US" sz="1300" spc="40" dirty="0">
+                  <a:latin typeface="Meiryo UI" panose="020B0604030504040204" pitchFamily="34" charset="-128"/>
+                  <a:ea typeface="Meiryo UI" panose="020B0604030504040204" pitchFamily="34" charset="-128"/>
+                  <a:cs typeface="Noto Nastaliq Urdu" panose="020B0502040504020204" pitchFamily="34" charset="-78"/>
+                </a:rPr>
+                <a:t>技術</a:t>
+              </a:r>
+              <a:r>
+                <a:rPr lang="ja-JP" altLang="en-US" sz="1300" spc="40">
+                  <a:latin typeface="Meiryo UI" panose="020B0604030504040204" pitchFamily="34" charset="-128"/>
+                  <a:ea typeface="Meiryo UI" panose="020B0604030504040204" pitchFamily="34" charset="-128"/>
+                  <a:cs typeface="Noto Nastaliq Urdu" panose="020B0502040504020204" pitchFamily="34" charset="-78"/>
+                </a:rPr>
+                <a:t>を</a:t>
+              </a:r>
+              <a:r>
+                <a:rPr lang="zh-HK" altLang="en-US" sz="1300" spc="40" dirty="0">
+                  <a:latin typeface="Meiryo UI" panose="020B0604030504040204" pitchFamily="34" charset="-128"/>
+                  <a:ea typeface="Meiryo UI" panose="020B0604030504040204" pitchFamily="34" charset="-128"/>
+                  <a:cs typeface="Noto Nastaliq Urdu" panose="020B0502040504020204" pitchFamily="34" charset="-78"/>
+                </a:rPr>
+                <a:t>学</a:t>
+              </a:r>
+              <a:r>
+                <a:rPr lang="ja-JP" altLang="en-US" sz="1300" spc="40">
+                  <a:latin typeface="Meiryo UI" panose="020B0604030504040204" pitchFamily="34" charset="-128"/>
+                  <a:ea typeface="Meiryo UI" panose="020B0604030504040204" pitchFamily="34" charset="-128"/>
+                  <a:cs typeface="Noto Nastaliq Urdu" panose="020B0502040504020204" pitchFamily="34" charset="-78"/>
+                </a:rPr>
+                <a:t>びました。</a:t>
+              </a:r>
+              <a:endParaRPr kumimoji="1" lang="zh-HK" altLang="en-US" sz="1300" spc="40" dirty="0">
+                <a:latin typeface="Meiryo UI" panose="020B0604030504040204" pitchFamily="34" charset="-128"/>
+                <a:ea typeface="Meiryo UI" panose="020B0604030504040204" pitchFamily="34" charset="-128"/>
+                <a:cs typeface="Noto Nastaliq Urdu" panose="020B0502040504020204" pitchFamily="34" charset="-78"/>
+              </a:endParaRPr>
+            </a:p>
+          </p:txBody>
+        </p:sp>
+        <p:sp>
+          <p:nvSpPr>
+            <p:cNvPr id="53" name="文字方塊 52">
+              <a:extLst>
+                <a:ext uri="{FF2B5EF4-FFF2-40B4-BE49-F238E27FC236}">
+                  <a16:creationId xmlns:a16="http://schemas.microsoft.com/office/drawing/2014/main" id="{21488E11-968B-5DA5-6D48-41036B0A66E7}"/>
+                </a:ext>
+              </a:extLst>
+            </p:cNvPr>
+            <p:cNvSpPr txBox="1"/>
+            <p:nvPr/>
+          </p:nvSpPr>
+          <p:spPr>
+            <a:xfrm>
+              <a:off x="91542" y="2432239"/>
+              <a:ext cx="2751074" cy="292388"/>
+            </a:xfrm>
+            <a:prstGeom prst="rect">
+              <a:avLst/>
+            </a:prstGeom>
+            <a:noFill/>
+          </p:spPr>
+          <p:txBody>
+            <a:bodyPr wrap="none" rtlCol="0">
+              <a:spAutoFit/>
+            </a:bodyPr>
+            <a:lstStyle/>
+            <a:p>
+              <a:r>
+                <a:rPr lang="ja-JP" altLang="en-US" sz="1300">
+                  <a:latin typeface="Meiryo UI" panose="020B0604030504040204" pitchFamily="34" charset="-128"/>
+                  <a:ea typeface="Meiryo UI" panose="020B0604030504040204" pitchFamily="34" charset="-128"/>
+                  <a:cs typeface="Noto Nastaliq Urdu" panose="020B0502040504020204" pitchFamily="34" charset="-78"/>
+                </a:rPr>
+                <a:t>フルスタックエンジニアを</a:t>
+              </a:r>
+              <a:r>
+                <a:rPr lang="zh-HK" altLang="en-US" sz="1300" dirty="0">
+                  <a:latin typeface="Meiryo UI" panose="020B0604030504040204" pitchFamily="34" charset="-128"/>
+                  <a:ea typeface="Meiryo UI" panose="020B0604030504040204" pitchFamily="34" charset="-128"/>
+                  <a:cs typeface="Noto Nastaliq Urdu" panose="020B0502040504020204" pitchFamily="34" charset="-78"/>
+                </a:rPr>
+                <a:t>志望</a:t>
+              </a:r>
+              <a:r>
+                <a:rPr lang="ja-JP" altLang="en-US" sz="1300">
+                  <a:latin typeface="Meiryo UI" panose="020B0604030504040204" pitchFamily="34" charset="-128"/>
+                  <a:ea typeface="Meiryo UI" panose="020B0604030504040204" pitchFamily="34" charset="-128"/>
+                  <a:cs typeface="Noto Nastaliq Urdu" panose="020B0502040504020204" pitchFamily="34" charset="-78"/>
+                </a:rPr>
+                <a:t>しています。</a:t>
+              </a:r>
+              <a:endParaRPr kumimoji="1" lang="zh-HK" altLang="en-US" sz="1300" dirty="0">
+                <a:latin typeface="Meiryo UI" panose="020B0604030504040204" pitchFamily="34" charset="-128"/>
+                <a:ea typeface="Meiryo UI" panose="020B0604030504040204" pitchFamily="34" charset="-128"/>
+              </a:endParaRPr>
+            </a:p>
+          </p:txBody>
+        </p:sp>
+        <p:grpSp>
+          <p:nvGrpSpPr>
+            <p:cNvPr id="57" name="群組 56">
+              <a:extLst>
+                <a:ext uri="{FF2B5EF4-FFF2-40B4-BE49-F238E27FC236}">
+                  <a16:creationId xmlns:a16="http://schemas.microsoft.com/office/drawing/2014/main" id="{28D9436E-71D9-6803-84A8-627FC373BCBF}"/>
+                </a:ext>
+              </a:extLst>
+            </p:cNvPr>
+            <p:cNvGrpSpPr/>
+            <p:nvPr/>
+          </p:nvGrpSpPr>
+          <p:grpSpPr>
+            <a:xfrm>
+              <a:off x="2937988" y="3731450"/>
+              <a:ext cx="605308" cy="811539"/>
+              <a:chOff x="3059248" y="3578094"/>
+              <a:chExt cx="711435" cy="953825"/>
             </a:xfrm>
           </p:grpSpPr>
           <p:pic>
             <p:nvPicPr>
-              <p:cNvPr id="63" name="圖片 62" descr="一張含有 符號, 圓形, 樣式, 圖形 的圖片&#10;&#10;自動產生的描述">
+              <p:cNvPr id="55" name="圖片 54" descr="一張含有 圖形, 藝術, 平面設計, 黑與白 的圖片&#10;&#10;自動產生的描述">
                 <a:extLst>
                   <a:ext uri="{FF2B5EF4-FFF2-40B4-BE49-F238E27FC236}">
-                    <a16:creationId xmlns:a16="http://schemas.microsoft.com/office/drawing/2014/main" id="{72AE8CEB-F3D2-60B9-A817-351991AEA465}"/>
+                    <a16:creationId xmlns:a16="http://schemas.microsoft.com/office/drawing/2014/main" id="{60CD165F-8CDF-4345-7B0C-C0ED7881F5AF}"/>
                   </a:ext>
                 </a:extLst>
               </p:cNvPr>
@@ -5760,15 +5610,15 @@
               <p:nvPr/>
             </p:nvPicPr>
             <p:blipFill>
-              <a:blip r:embed="rId5"/>
+              <a:blip r:embed="rId4"/>
               <a:stretch>
                 <a:fillRect/>
               </a:stretch>
             </p:blipFill>
             <p:spPr>
               <a:xfrm>
-                <a:off x="1992273" y="3572306"/>
-                <a:ext cx="749095" cy="749095"/>
+                <a:off x="3059248" y="3578094"/>
+                <a:ext cx="711435" cy="711435"/>
               </a:xfrm>
               <a:prstGeom prst="rect">
                 <a:avLst/>
@@ -5777,10 +5627,10 @@
           </p:pic>
           <p:sp>
             <p:nvSpPr>
-              <p:cNvPr id="64" name="文字方塊 63">
+              <p:cNvPr id="56" name="文字方塊 55">
                 <a:extLst>
                   <a:ext uri="{FF2B5EF4-FFF2-40B4-BE49-F238E27FC236}">
-                    <a16:creationId xmlns:a16="http://schemas.microsoft.com/office/drawing/2014/main" id="{D55E0F6D-8988-2322-E526-9F1A0881D525}"/>
+                    <a16:creationId xmlns:a16="http://schemas.microsoft.com/office/drawing/2014/main" id="{138E9CD1-72E6-157B-60DA-5A0D58AED63B}"/>
                   </a:ext>
                 </a:extLst>
               </p:cNvPr>
@@ -5789,8 +5639,8 @@
             </p:nvSpPr>
             <p:spPr>
               <a:xfrm>
-                <a:off x="2007710" y="4278699"/>
-                <a:ext cx="706742" cy="249177"/>
+                <a:off x="3107612" y="4278702"/>
+                <a:ext cx="629651" cy="253217"/>
               </a:xfrm>
               <a:prstGeom prst="rect">
                 <a:avLst/>
@@ -5809,7 +5659,7 @@
                     <a:latin typeface="Microsoft YaHei" panose="020B0503020204020204" pitchFamily="34" charset="-122"/>
                     <a:ea typeface="Microsoft YaHei" panose="020B0503020204020204" pitchFamily="34" charset="-122"/>
                   </a:rPr>
-                  <a:t>Portfolio</a:t>
+                  <a:t>GitHub</a:t>
                 </a:r>
                 <a:endParaRPr kumimoji="1" lang="zh-HK" altLang="en-US" sz="800" dirty="0">
                   <a:latin typeface="Microsoft YaHei" panose="020B0503020204020204" pitchFamily="34" charset="-122"/>
@@ -5819,12 +5669,286 @@
             </p:txBody>
           </p:sp>
         </p:grpSp>
+        <p:grpSp>
+          <p:nvGrpSpPr>
+            <p:cNvPr id="5" name="群組 4">
+              <a:extLst>
+                <a:ext uri="{FF2B5EF4-FFF2-40B4-BE49-F238E27FC236}">
+                  <a16:creationId xmlns:a16="http://schemas.microsoft.com/office/drawing/2014/main" id="{0FA146BA-8A99-7CE2-2ED1-6410C7565E33}"/>
+                </a:ext>
+              </a:extLst>
+            </p:cNvPr>
+            <p:cNvGrpSpPr/>
+            <p:nvPr/>
+          </p:nvGrpSpPr>
+          <p:grpSpPr>
+            <a:xfrm>
+              <a:off x="139857" y="3723051"/>
+              <a:ext cx="2640864" cy="826208"/>
+              <a:chOff x="139857" y="3723051"/>
+              <a:chExt cx="2640864" cy="826208"/>
+            </a:xfrm>
+          </p:grpSpPr>
+          <p:grpSp>
+            <p:nvGrpSpPr>
+              <p:cNvPr id="65" name="群組 64">
+                <a:extLst>
+                  <a:ext uri="{FF2B5EF4-FFF2-40B4-BE49-F238E27FC236}">
+                    <a16:creationId xmlns:a16="http://schemas.microsoft.com/office/drawing/2014/main" id="{06D49198-3437-086F-35F0-A8D1AE935052}"/>
+                  </a:ext>
+                </a:extLst>
+              </p:cNvPr>
+              <p:cNvGrpSpPr/>
+              <p:nvPr/>
+            </p:nvGrpSpPr>
+            <p:grpSpPr>
+              <a:xfrm>
+                <a:off x="2133036" y="3723051"/>
+                <a:ext cx="647685" cy="826208"/>
+                <a:chOff x="1992273" y="3572306"/>
+                <a:chExt cx="749095" cy="955570"/>
+              </a:xfrm>
+            </p:grpSpPr>
+            <p:pic>
+              <p:nvPicPr>
+                <p:cNvPr id="63" name="圖片 62" descr="一張含有 符號, 圓形, 樣式, 圖形 的圖片&#10;&#10;自動產生的描述">
+                  <a:extLst>
+                    <a:ext uri="{FF2B5EF4-FFF2-40B4-BE49-F238E27FC236}">
+                      <a16:creationId xmlns:a16="http://schemas.microsoft.com/office/drawing/2014/main" id="{72AE8CEB-F3D2-60B9-A817-351991AEA465}"/>
+                    </a:ext>
+                  </a:extLst>
+                </p:cNvPr>
+                <p:cNvPicPr>
+                  <a:picLocks noChangeAspect="1"/>
+                </p:cNvPicPr>
+                <p:nvPr/>
+              </p:nvPicPr>
+              <p:blipFill>
+                <a:blip r:embed="rId5"/>
+                <a:stretch>
+                  <a:fillRect/>
+                </a:stretch>
+              </p:blipFill>
+              <p:spPr>
+                <a:xfrm>
+                  <a:off x="1992273" y="3572306"/>
+                  <a:ext cx="749095" cy="749095"/>
+                </a:xfrm>
+                <a:prstGeom prst="rect">
+                  <a:avLst/>
+                </a:prstGeom>
+              </p:spPr>
+            </p:pic>
+            <p:sp>
+              <p:nvSpPr>
+                <p:cNvPr id="64" name="文字方塊 63">
+                  <a:extLst>
+                    <a:ext uri="{FF2B5EF4-FFF2-40B4-BE49-F238E27FC236}">
+                      <a16:creationId xmlns:a16="http://schemas.microsoft.com/office/drawing/2014/main" id="{D55E0F6D-8988-2322-E526-9F1A0881D525}"/>
+                    </a:ext>
+                  </a:extLst>
+                </p:cNvPr>
+                <p:cNvSpPr txBox="1"/>
+                <p:nvPr/>
+              </p:nvSpPr>
+              <p:spPr>
+                <a:xfrm>
+                  <a:off x="2007710" y="4278699"/>
+                  <a:ext cx="706742" cy="249177"/>
+                </a:xfrm>
+                <a:prstGeom prst="rect">
+                  <a:avLst/>
+                </a:prstGeom>
+                <a:noFill/>
+              </p:spPr>
+              <p:txBody>
+                <a:bodyPr wrap="none" rtlCol="0">
+                  <a:spAutoFit/>
+                </a:bodyPr>
+                <a:lstStyle/>
+                <a:p>
+                  <a:pPr algn="ctr"/>
+                  <a:r>
+                    <a:rPr kumimoji="1" lang="en-US" altLang="zh-HK" sz="800" dirty="0">
+                      <a:latin typeface="Microsoft YaHei" panose="020B0503020204020204" pitchFamily="34" charset="-122"/>
+                      <a:ea typeface="Microsoft YaHei" panose="020B0503020204020204" pitchFamily="34" charset="-122"/>
+                    </a:rPr>
+                    <a:t>Portfolio</a:t>
+                  </a:r>
+                  <a:endParaRPr kumimoji="1" lang="zh-HK" altLang="en-US" sz="800" dirty="0">
+                    <a:latin typeface="Microsoft YaHei" panose="020B0503020204020204" pitchFamily="34" charset="-122"/>
+                    <a:ea typeface="Microsoft YaHei" panose="020B0503020204020204" pitchFamily="34" charset="-122"/>
+                  </a:endParaRPr>
+                </a:p>
+              </p:txBody>
+            </p:sp>
+          </p:grpSp>
+          <p:sp>
+            <p:nvSpPr>
+              <p:cNvPr id="66" name="文字方塊 65">
+                <a:extLst>
+                  <a:ext uri="{FF2B5EF4-FFF2-40B4-BE49-F238E27FC236}">
+                    <a16:creationId xmlns:a16="http://schemas.microsoft.com/office/drawing/2014/main" id="{2E4D7C48-4D4F-F9AA-1FE5-3D862E95B705}"/>
+                  </a:ext>
+                </a:extLst>
+              </p:cNvPr>
+              <p:cNvSpPr txBox="1"/>
+              <p:nvPr/>
+            </p:nvSpPr>
+            <p:spPr>
+              <a:xfrm>
+                <a:off x="139857" y="3743519"/>
+                <a:ext cx="1933543" cy="521746"/>
+              </a:xfrm>
+              <a:prstGeom prst="rect">
+                <a:avLst/>
+              </a:prstGeom>
+              <a:noFill/>
+            </p:spPr>
+            <p:txBody>
+              <a:bodyPr wrap="none" rtlCol="0">
+                <a:spAutoFit/>
+              </a:bodyPr>
+              <a:lstStyle/>
+              <a:p>
+                <a:pPr>
+                  <a:lnSpc>
+                    <a:spcPct val="150000"/>
+                  </a:lnSpc>
+                </a:pPr>
+                <a:r>
+                  <a:rPr kumimoji="1" lang="en-US" altLang="zh-HK" sz="1000" b="1" dirty="0">
+                    <a:latin typeface="Meiryo UI" panose="020B0604030504040204" pitchFamily="34" charset="-128"/>
+                    <a:ea typeface="Meiryo UI" panose="020B0604030504040204" pitchFamily="34" charset="-128"/>
+                  </a:rPr>
+                  <a:t>TEL : 0</a:t>
+                </a:r>
+                <a:r>
+                  <a:rPr kumimoji="1" lang="en-US" altLang="zh-TW" sz="1000" b="1" dirty="0">
+                    <a:latin typeface="Meiryo UI" panose="020B0604030504040204" pitchFamily="34" charset="-128"/>
+                    <a:ea typeface="Meiryo UI" panose="020B0604030504040204" pitchFamily="34" charset="-128"/>
+                  </a:rPr>
+                  <a:t>80-9417-6170</a:t>
+                </a:r>
+                <a:endParaRPr kumimoji="1" lang="en-US" altLang="zh-HK" sz="1000" b="1" dirty="0">
+                  <a:latin typeface="Meiryo UI" panose="020B0604030504040204" pitchFamily="34" charset="-128"/>
+                  <a:ea typeface="Meiryo UI" panose="020B0604030504040204" pitchFamily="34" charset="-128"/>
+                </a:endParaRPr>
+              </a:p>
+              <a:p>
+                <a:pPr>
+                  <a:lnSpc>
+                    <a:spcPct val="150000"/>
+                  </a:lnSpc>
+                </a:pPr>
+                <a:r>
+                  <a:rPr kumimoji="1" lang="en-US" altLang="zh-HK" sz="1000" b="1" dirty="0" err="1">
+                    <a:latin typeface="Meiryo UI" panose="020B0604030504040204" pitchFamily="34" charset="-128"/>
+                    <a:ea typeface="Meiryo UI" panose="020B0604030504040204" pitchFamily="34" charset="-128"/>
+                  </a:rPr>
+                  <a:t>Cyrusmanosa@gmail.com</a:t>
+                </a:r>
+                <a:endParaRPr kumimoji="1" lang="en-US" altLang="zh-HK" sz="1000" b="1" dirty="0">
+                  <a:latin typeface="Meiryo UI" panose="020B0604030504040204" pitchFamily="34" charset="-128"/>
+                  <a:ea typeface="Meiryo UI" panose="020B0604030504040204" pitchFamily="34" charset="-128"/>
+                </a:endParaRPr>
+              </a:p>
+            </p:txBody>
+          </p:sp>
+        </p:grpSp>
+        <p:pic>
+          <p:nvPicPr>
+            <p:cNvPr id="68" name="圖片 67">
+              <a:extLst>
+                <a:ext uri="{FF2B5EF4-FFF2-40B4-BE49-F238E27FC236}">
+                  <a16:creationId xmlns:a16="http://schemas.microsoft.com/office/drawing/2014/main" id="{B2B7E1EF-EF70-B46E-B559-CDE2829E8216}"/>
+                </a:ext>
+              </a:extLst>
+            </p:cNvPr>
+            <p:cNvPicPr>
+              <a:picLocks noChangeAspect="1"/>
+            </p:cNvPicPr>
+            <p:nvPr/>
+          </p:nvPicPr>
+          <p:blipFill>
+            <a:blip r:embed="rId6"/>
+            <a:srcRect/>
+            <a:stretch/>
+          </p:blipFill>
+          <p:spPr>
+            <a:xfrm>
+              <a:off x="3863001" y="3222022"/>
+              <a:ext cx="736221" cy="1243960"/>
+            </a:xfrm>
+            <a:prstGeom prst="rect">
+              <a:avLst/>
+            </a:prstGeom>
+          </p:spPr>
+        </p:pic>
         <p:sp>
           <p:nvSpPr>
-            <p:cNvPr id="66" name="文字方塊 65">
+            <p:cNvPr id="69" name="矩形 68">
               <a:extLst>
                 <a:ext uri="{FF2B5EF4-FFF2-40B4-BE49-F238E27FC236}">
-                  <a16:creationId xmlns:a16="http://schemas.microsoft.com/office/drawing/2014/main" id="{2E4D7C48-4D4F-F9AA-1FE5-3D862E95B705}"/>
+                  <a16:creationId xmlns:a16="http://schemas.microsoft.com/office/drawing/2014/main" id="{3A355DDE-D226-5498-632A-0E9681FE74F8}"/>
+                </a:ext>
+              </a:extLst>
+            </p:cNvPr>
+            <p:cNvSpPr/>
+            <p:nvPr/>
+          </p:nvSpPr>
+          <p:spPr>
+            <a:xfrm>
+              <a:off x="3913492" y="2677869"/>
+              <a:ext cx="1277258" cy="227391"/>
+            </a:xfrm>
+            <a:prstGeom prst="rect">
+              <a:avLst/>
+            </a:prstGeom>
+            <a:solidFill>
+              <a:srgbClr val="00B0F0"/>
+            </a:solidFill>
+            <a:ln>
+              <a:noFill/>
+            </a:ln>
+          </p:spPr>
+          <p:style>
+            <a:lnRef idx="2">
+              <a:schemeClr val="accent1">
+                <a:shade val="15000"/>
+              </a:schemeClr>
+            </a:lnRef>
+            <a:fillRef idx="1">
+              <a:schemeClr val="accent1"/>
+            </a:fillRef>
+            <a:effectRef idx="0">
+              <a:schemeClr val="accent1"/>
+            </a:effectRef>
+            <a:fontRef idx="minor">
+              <a:schemeClr val="lt1"/>
+            </a:fontRef>
+          </p:style>
+          <p:txBody>
+            <a:bodyPr rtlCol="0" anchor="ctr"/>
+            <a:lstStyle/>
+            <a:p>
+              <a:pPr algn="ctr"/>
+              <a:r>
+                <a:rPr kumimoji="1" lang="zh-HK" altLang="en-US" sz="1000" dirty="0">
+                  <a:latin typeface="Yu Gothic UI" panose="020B0500000000000000" pitchFamily="34" charset="-128"/>
+                  <a:ea typeface="Yu Gothic UI" panose="020B0500000000000000" pitchFamily="34" charset="-128"/>
+                </a:rPr>
+                <a:t>この作品の担当</a:t>
+              </a:r>
+            </a:p>
+          </p:txBody>
+        </p:sp>
+        <p:sp>
+          <p:nvSpPr>
+            <p:cNvPr id="70" name="文字方塊 69">
+              <a:extLst>
+                <a:ext uri="{FF2B5EF4-FFF2-40B4-BE49-F238E27FC236}">
+                  <a16:creationId xmlns:a16="http://schemas.microsoft.com/office/drawing/2014/main" id="{B35BBFD2-B925-123B-684A-87E42D57EA03}"/>
                 </a:ext>
               </a:extLst>
             </p:cNvPr>
@@ -5833,8 +5957,596 @@
           </p:nvSpPr>
           <p:spPr>
             <a:xfrm>
-              <a:off x="139857" y="3743519"/>
-              <a:ext cx="1933543" cy="521746"/>
+              <a:off x="3830038" y="2905260"/>
+              <a:ext cx="3498141" cy="276999"/>
+            </a:xfrm>
+            <a:prstGeom prst="rect">
+              <a:avLst/>
+            </a:prstGeom>
+            <a:noFill/>
+          </p:spPr>
+          <p:txBody>
+            <a:bodyPr wrap="square" rtlCol="0">
+              <a:spAutoFit/>
+            </a:bodyPr>
+            <a:lstStyle/>
+            <a:p>
+              <a:r>
+                <a:rPr kumimoji="1" lang="en-US" altLang="zh-HK" sz="1200" dirty="0" err="1">
+                  <a:latin typeface="Meiryo UI" panose="020B0604030504040204" pitchFamily="34" charset="-128"/>
+                  <a:ea typeface="Meiryo UI" panose="020B0604030504040204" pitchFamily="34" charset="-128"/>
+                </a:rPr>
+                <a:t>React.js</a:t>
+              </a:r>
+              <a:r>
+                <a:rPr kumimoji="1" lang="zh-HK" altLang="en-US" sz="1200" dirty="0">
+                  <a:latin typeface="Meiryo UI" panose="020B0604030504040204" pitchFamily="34" charset="-128"/>
+                  <a:ea typeface="Meiryo UI" panose="020B0604030504040204" pitchFamily="34" charset="-128"/>
+                </a:rPr>
+                <a:t>、画面デザイン、</a:t>
+              </a:r>
+              <a:r>
+                <a:rPr kumimoji="1" lang="en-US" altLang="zh-HK" sz="1200" dirty="0">
+                  <a:latin typeface="Meiryo UI" panose="020B0604030504040204" pitchFamily="34" charset="-128"/>
+                  <a:ea typeface="Meiryo UI" panose="020B0604030504040204" pitchFamily="34" charset="-128"/>
+                </a:rPr>
+                <a:t>AWS</a:t>
+              </a:r>
+              <a:r>
+                <a:rPr kumimoji="1" lang="zh-HK" altLang="en-US" sz="1200" dirty="0">
+                  <a:latin typeface="Meiryo UI" panose="020B0604030504040204" pitchFamily="34" charset="-128"/>
+                  <a:ea typeface="Meiryo UI" panose="020B0604030504040204" pitchFamily="34" charset="-128"/>
+                </a:rPr>
+                <a:t>構築</a:t>
+              </a:r>
+              <a:endParaRPr kumimoji="1" lang="en-US" altLang="zh-HK" sz="1200" dirty="0">
+                <a:latin typeface="Meiryo UI" panose="020B0604030504040204" pitchFamily="34" charset="-128"/>
+                <a:ea typeface="Meiryo UI" panose="020B0604030504040204" pitchFamily="34" charset="-128"/>
+              </a:endParaRPr>
+            </a:p>
+          </p:txBody>
+        </p:sp>
+        <p:pic>
+          <p:nvPicPr>
+            <p:cNvPr id="47" name="圖片 46" descr="一張含有 黑色, 黑暗 的圖片&#10;&#10;自動產生的描述">
+              <a:extLst>
+                <a:ext uri="{FF2B5EF4-FFF2-40B4-BE49-F238E27FC236}">
+                  <a16:creationId xmlns:a16="http://schemas.microsoft.com/office/drawing/2014/main" id="{7D61F019-EB33-0A59-834D-34CC6416980B}"/>
+                </a:ext>
+              </a:extLst>
+            </p:cNvPr>
+            <p:cNvPicPr>
+              <a:picLocks noChangeAspect="1"/>
+            </p:cNvPicPr>
+            <p:nvPr/>
+          </p:nvPicPr>
+          <p:blipFill>
+            <a:blip r:embed="rId7"/>
+            <a:stretch>
+              <a:fillRect/>
+            </a:stretch>
+          </p:blipFill>
+          <p:spPr>
+            <a:xfrm>
+              <a:off x="4644720" y="3235606"/>
+              <a:ext cx="359598" cy="368369"/>
+            </a:xfrm>
+            <a:prstGeom prst="rect">
+              <a:avLst/>
+            </a:prstGeom>
+          </p:spPr>
+        </p:pic>
+        <p:pic>
+          <p:nvPicPr>
+            <p:cNvPr id="71" name="圖片 70" descr="一張含有 文字, 螢幕擷取畫面, 軟體, 設計 的圖片&#10;&#10;自動產生的描述">
+              <a:extLst>
+                <a:ext uri="{FF2B5EF4-FFF2-40B4-BE49-F238E27FC236}">
+                  <a16:creationId xmlns:a16="http://schemas.microsoft.com/office/drawing/2014/main" id="{FD6CBB54-475C-0799-AA7A-D2196B8D1889}"/>
+                </a:ext>
+              </a:extLst>
+            </p:cNvPr>
+            <p:cNvPicPr>
+              <a:picLocks noChangeAspect="1"/>
+            </p:cNvPicPr>
+            <p:nvPr/>
+          </p:nvPicPr>
+          <p:blipFill>
+            <a:blip r:embed="rId8"/>
+            <a:stretch>
+              <a:fillRect/>
+            </a:stretch>
+          </p:blipFill>
+          <p:spPr>
+            <a:xfrm>
+              <a:off x="5049816" y="3456972"/>
+              <a:ext cx="1909982" cy="1024868"/>
+            </a:xfrm>
+            <a:prstGeom prst="rect">
+              <a:avLst/>
+            </a:prstGeom>
+          </p:spPr>
+        </p:pic>
+        <p:sp>
+          <p:nvSpPr>
+            <p:cNvPr id="33" name="文字方塊 32">
+              <a:extLst>
+                <a:ext uri="{FF2B5EF4-FFF2-40B4-BE49-F238E27FC236}">
+                  <a16:creationId xmlns:a16="http://schemas.microsoft.com/office/drawing/2014/main" id="{A4699978-9BBD-1884-CB26-76F0C303FDA3}"/>
+                </a:ext>
+              </a:extLst>
+            </p:cNvPr>
+            <p:cNvSpPr txBox="1"/>
+            <p:nvPr/>
+          </p:nvSpPr>
+          <p:spPr>
+            <a:xfrm>
+              <a:off x="3774615" y="1218268"/>
+              <a:ext cx="3564974" cy="1477328"/>
+            </a:xfrm>
+            <a:prstGeom prst="rect">
+              <a:avLst/>
+            </a:prstGeom>
+            <a:noFill/>
+          </p:spPr>
+          <p:txBody>
+            <a:bodyPr wrap="square" rtlCol="0">
+              <a:spAutoFit/>
+            </a:bodyPr>
+            <a:lstStyle/>
+            <a:p>
+              <a:pPr algn="just"/>
+              <a:r>
+                <a:rPr kumimoji="1" lang="zh-HK" altLang="en-US" dirty="0">
+                  <a:latin typeface="Meiryo UI" panose="020B0604030504040204" pitchFamily="34" charset="-128"/>
+                  <a:ea typeface="Meiryo UI" panose="020B0604030504040204" pitchFamily="34" charset="-128"/>
+                </a:rPr>
+                <a:t>命</a:t>
+              </a:r>
+              <a:r>
+                <a:rPr kumimoji="1" lang="ja-JP" altLang="en-US">
+                  <a:latin typeface="Meiryo UI" panose="020B0604030504040204" pitchFamily="34" charset="-128"/>
+                  <a:ea typeface="Meiryo UI" panose="020B0604030504040204" pitchFamily="34" charset="-128"/>
+                </a:rPr>
+                <a:t>を</a:t>
+              </a:r>
+              <a:r>
+                <a:rPr kumimoji="1" lang="zh-HK" altLang="en-US" dirty="0">
+                  <a:latin typeface="Meiryo UI" panose="020B0604030504040204" pitchFamily="34" charset="-128"/>
+                  <a:ea typeface="Meiryo UI" panose="020B0604030504040204" pitchFamily="34" charset="-128"/>
+                </a:rPr>
+                <a:t>守</a:t>
+              </a:r>
+              <a:r>
+                <a:rPr kumimoji="1" lang="ja-JP" altLang="en-US">
+                  <a:latin typeface="Meiryo UI" panose="020B0604030504040204" pitchFamily="34" charset="-128"/>
+                  <a:ea typeface="Meiryo UI" panose="020B0604030504040204" pitchFamily="34" charset="-128"/>
+                </a:rPr>
+                <a:t>ろう、つなげようをコンセプトにユーザーは</a:t>
+              </a:r>
+              <a:r>
+                <a:rPr kumimoji="1" lang="zh-HK" altLang="en-US" dirty="0">
+                  <a:latin typeface="Meiryo UI" panose="020B0604030504040204" pitchFamily="34" charset="-128"/>
+                  <a:ea typeface="Meiryo UI" panose="020B0604030504040204" pitchFamily="34" charset="-128"/>
+                </a:rPr>
+                <a:t>障害</a:t>
+              </a:r>
+              <a:r>
+                <a:rPr kumimoji="1" lang="ja-JP" altLang="en-US">
+                  <a:latin typeface="Meiryo UI" panose="020B0604030504040204" pitchFamily="34" charset="-128"/>
+                  <a:ea typeface="Meiryo UI" panose="020B0604030504040204" pitchFamily="34" charset="-128"/>
+                </a:rPr>
+                <a:t>を</a:t>
+              </a:r>
+              <a:r>
+                <a:rPr kumimoji="1" lang="zh-HK" altLang="en-US" dirty="0">
+                  <a:latin typeface="Meiryo UI" panose="020B0604030504040204" pitchFamily="34" charset="-128"/>
+                  <a:ea typeface="Meiryo UI" panose="020B0604030504040204" pitchFamily="34" charset="-128"/>
+                </a:rPr>
+                <a:t>持</a:t>
+              </a:r>
+              <a:r>
+                <a:rPr kumimoji="1" lang="ja-JP" altLang="en-US">
+                  <a:latin typeface="Meiryo UI" panose="020B0604030504040204" pitchFamily="34" charset="-128"/>
+                  <a:ea typeface="Meiryo UI" panose="020B0604030504040204" pitchFamily="34" charset="-128"/>
+                </a:rPr>
+                <a:t>っている</a:t>
+              </a:r>
+              <a:r>
+                <a:rPr kumimoji="1" lang="zh-HK" altLang="en-US" dirty="0">
+                  <a:latin typeface="Meiryo UI" panose="020B0604030504040204" pitchFamily="34" charset="-128"/>
+                  <a:ea typeface="Meiryo UI" panose="020B0604030504040204" pitchFamily="34" charset="-128"/>
+                </a:rPr>
+                <a:t>方、健康</a:t>
+              </a:r>
+              <a:r>
+                <a:rPr kumimoji="1" lang="ja-JP" altLang="en-US">
+                  <a:latin typeface="Meiryo UI" panose="020B0604030504040204" pitchFamily="34" charset="-128"/>
+                  <a:ea typeface="Meiryo UI" panose="020B0604030504040204" pitchFamily="34" charset="-128"/>
+                </a:rPr>
+                <a:t>に</a:t>
+              </a:r>
+              <a:r>
+                <a:rPr kumimoji="1" lang="zh-HK" altLang="en-US" dirty="0">
+                  <a:latin typeface="Meiryo UI" panose="020B0604030504040204" pitchFamily="34" charset="-128"/>
+                  <a:ea typeface="Meiryo UI" panose="020B0604030504040204" pitchFamily="34" charset="-128"/>
+                </a:rPr>
+                <a:t>不安</a:t>
+              </a:r>
+              <a:r>
+                <a:rPr kumimoji="1" lang="ja-JP" altLang="en-US">
+                  <a:latin typeface="Meiryo UI" panose="020B0604030504040204" pitchFamily="34" charset="-128"/>
+                  <a:ea typeface="Meiryo UI" panose="020B0604030504040204" pitchFamily="34" charset="-128"/>
+                </a:rPr>
+                <a:t>のある</a:t>
+              </a:r>
+              <a:r>
+                <a:rPr kumimoji="1" lang="zh-HK" altLang="en-US" dirty="0">
+                  <a:latin typeface="Meiryo UI" panose="020B0604030504040204" pitchFamily="34" charset="-128"/>
+                  <a:ea typeface="Meiryo UI" panose="020B0604030504040204" pitchFamily="34" charset="-128"/>
+                </a:rPr>
+                <a:t>高齢</a:t>
+              </a:r>
+              <a:r>
+                <a:rPr kumimoji="1" lang="ja-JP" altLang="en-US">
+                  <a:latin typeface="Meiryo UI" panose="020B0604030504040204" pitchFamily="34" charset="-128"/>
+                  <a:ea typeface="Meiryo UI" panose="020B0604030504040204" pitchFamily="34" charset="-128"/>
+                </a:rPr>
+                <a:t>の</a:t>
+              </a:r>
+              <a:r>
+                <a:rPr kumimoji="1" lang="zh-HK" altLang="en-US" dirty="0">
+                  <a:latin typeface="Meiryo UI" panose="020B0604030504040204" pitchFamily="34" charset="-128"/>
+                  <a:ea typeface="Meiryo UI" panose="020B0604030504040204" pitchFamily="34" charset="-128"/>
+                </a:rPr>
+                <a:t>方</a:t>
+              </a:r>
+              <a:r>
+                <a:rPr kumimoji="1" lang="ja-JP" altLang="en-US">
+                  <a:latin typeface="Meiryo UI" panose="020B0604030504040204" pitchFamily="34" charset="-128"/>
+                  <a:ea typeface="Meiryo UI" panose="020B0604030504040204" pitchFamily="34" charset="-128"/>
+                </a:rPr>
+                <a:t>で</a:t>
+              </a:r>
+              <a:r>
+                <a:rPr kumimoji="1" lang="zh-HK" altLang="en-US" dirty="0">
+                  <a:latin typeface="Meiryo UI" panose="020B0604030504040204" pitchFamily="34" charset="-128"/>
+                  <a:ea typeface="Meiryo UI" panose="020B0604030504040204" pitchFamily="34" charset="-128"/>
+                </a:rPr>
+                <a:t>救急隊員、運</a:t>
+              </a:r>
+              <a:r>
+                <a:rPr kumimoji="1" lang="ja-JP" altLang="en-US">
+                  <a:latin typeface="Meiryo UI" panose="020B0604030504040204" pitchFamily="34" charset="-128"/>
+                  <a:ea typeface="Meiryo UI" panose="020B0604030504040204" pitchFamily="34" charset="-128"/>
+                </a:rPr>
+                <a:t>ばれた</a:t>
+              </a:r>
+              <a:r>
+                <a:rPr kumimoji="1" lang="zh-HK" altLang="en-US" dirty="0">
+                  <a:latin typeface="Meiryo UI" panose="020B0604030504040204" pitchFamily="34" charset="-128"/>
+                  <a:ea typeface="Meiryo UI" panose="020B0604030504040204" pitchFamily="34" charset="-128"/>
+                </a:rPr>
+                <a:t>先</a:t>
+              </a:r>
+              <a:r>
+                <a:rPr kumimoji="1" lang="ja-JP" altLang="en-US">
+                  <a:latin typeface="Meiryo UI" panose="020B0604030504040204" pitchFamily="34" charset="-128"/>
+                  <a:ea typeface="Meiryo UI" panose="020B0604030504040204" pitchFamily="34" charset="-128"/>
+                </a:rPr>
+                <a:t>のお</a:t>
+              </a:r>
+              <a:r>
+                <a:rPr kumimoji="1" lang="zh-HK" altLang="en-US" dirty="0">
+                  <a:latin typeface="Meiryo UI" panose="020B0604030504040204" pitchFamily="34" charset="-128"/>
+                  <a:ea typeface="Meiryo UI" panose="020B0604030504040204" pitchFamily="34" charset="-128"/>
+                </a:rPr>
+                <a:t>医者</a:t>
+              </a:r>
+              <a:r>
+                <a:rPr kumimoji="1" lang="ja-JP" altLang="en-US">
+                  <a:latin typeface="Meiryo UI" panose="020B0604030504040204" pitchFamily="34" charset="-128"/>
+                  <a:ea typeface="Meiryo UI" panose="020B0604030504040204" pitchFamily="34" charset="-128"/>
+                </a:rPr>
+                <a:t>さんに</a:t>
+              </a:r>
+              <a:r>
+                <a:rPr kumimoji="1" lang="zh-HK" altLang="en-US" dirty="0">
+                  <a:latin typeface="Meiryo UI" panose="020B0604030504040204" pitchFamily="34" charset="-128"/>
+                  <a:ea typeface="Meiryo UI" panose="020B0604030504040204" pitchFamily="34" charset="-128"/>
+                </a:rPr>
+                <a:t>診</a:t>
+              </a:r>
+              <a:r>
+                <a:rPr kumimoji="1" lang="ja-JP" altLang="en-US">
+                  <a:latin typeface="Meiryo UI" panose="020B0604030504040204" pitchFamily="34" charset="-128"/>
+                  <a:ea typeface="Meiryo UI" panose="020B0604030504040204" pitchFamily="34" charset="-128"/>
+                </a:rPr>
+                <a:t>てもらうようなサイトとなっています。</a:t>
+              </a:r>
+              <a:endParaRPr kumimoji="1" lang="zh-HK" altLang="en-US" dirty="0">
+                <a:latin typeface="Meiryo UI" panose="020B0604030504040204" pitchFamily="34" charset="-128"/>
+                <a:ea typeface="Meiryo UI" panose="020B0604030504040204" pitchFamily="34" charset="-128"/>
+              </a:endParaRPr>
+            </a:p>
+          </p:txBody>
+        </p:sp>
+      </p:grpSp>
+      <p:grpSp>
+        <p:nvGrpSpPr>
+          <p:cNvPr id="45" name="群組 44">
+            <a:extLst>
+              <a:ext uri="{FF2B5EF4-FFF2-40B4-BE49-F238E27FC236}">
+                <a16:creationId xmlns:a16="http://schemas.microsoft.com/office/drawing/2014/main" id="{DF273667-EA5E-5596-D226-183F5EC5BF9B}"/>
+              </a:ext>
+            </a:extLst>
+          </p:cNvPr>
+          <p:cNvGrpSpPr/>
+          <p:nvPr/>
+        </p:nvGrpSpPr>
+        <p:grpSpPr>
+          <a:xfrm>
+            <a:off x="91102" y="5573661"/>
+            <a:ext cx="7288746" cy="4299970"/>
+            <a:chOff x="91542" y="249289"/>
+            <a:chExt cx="7288746" cy="4299970"/>
+          </a:xfrm>
+        </p:grpSpPr>
+        <p:sp>
+          <p:nvSpPr>
+            <p:cNvPr id="46" name="正方形/長方形 1">
+              <a:extLst>
+                <a:ext uri="{FF2B5EF4-FFF2-40B4-BE49-F238E27FC236}">
+                  <a16:creationId xmlns:a16="http://schemas.microsoft.com/office/drawing/2014/main" id="{6A65C4A1-DEC7-EA12-1304-39188E2AFA7F}"/>
+                </a:ext>
+              </a:extLst>
+            </p:cNvPr>
+            <p:cNvSpPr/>
+            <p:nvPr/>
+          </p:nvSpPr>
+          <p:spPr>
+            <a:xfrm>
+              <a:off x="179389" y="304801"/>
+              <a:ext cx="7200899" cy="648928"/>
+            </a:xfrm>
+            <a:prstGeom prst="rect">
+              <a:avLst/>
+            </a:prstGeom>
+            <a:solidFill>
+              <a:srgbClr val="00B0F0"/>
+            </a:solidFill>
+            <a:ln>
+              <a:noFill/>
+            </a:ln>
+          </p:spPr>
+          <p:style>
+            <a:lnRef idx="2">
+              <a:schemeClr val="accent1">
+                <a:shade val="15000"/>
+              </a:schemeClr>
+            </a:lnRef>
+            <a:fillRef idx="1">
+              <a:schemeClr val="accent1"/>
+            </a:fillRef>
+            <a:effectRef idx="0">
+              <a:schemeClr val="accent1"/>
+            </a:effectRef>
+            <a:fontRef idx="minor">
+              <a:schemeClr val="lt1"/>
+            </a:fontRef>
+          </p:style>
+          <p:txBody>
+            <a:bodyPr rtlCol="0" anchor="ctr"/>
+            <a:lstStyle/>
+            <a:p>
+              <a:pPr algn="ctr"/>
+              <a:endParaRPr kumimoji="1" lang="ja-JP" altLang="en-US">
+                <a:highlight>
+                  <a:srgbClr val="FFFF00"/>
+                </a:highlight>
+              </a:endParaRPr>
+            </a:p>
+          </p:txBody>
+        </p:sp>
+        <p:sp>
+          <p:nvSpPr>
+            <p:cNvPr id="49" name="円/楕円 6">
+              <a:extLst>
+                <a:ext uri="{FF2B5EF4-FFF2-40B4-BE49-F238E27FC236}">
+                  <a16:creationId xmlns:a16="http://schemas.microsoft.com/office/drawing/2014/main" id="{1261027C-6A06-A377-8147-81D0277C749C}"/>
+                </a:ext>
+              </a:extLst>
+            </p:cNvPr>
+            <p:cNvSpPr/>
+            <p:nvPr/>
+          </p:nvSpPr>
+          <p:spPr>
+            <a:xfrm>
+              <a:off x="279141" y="395840"/>
+              <a:ext cx="441621" cy="441621"/>
+            </a:xfrm>
+            <a:prstGeom prst="ellipse">
+              <a:avLst/>
+            </a:prstGeom>
+            <a:solidFill>
+              <a:schemeClr val="bg1"/>
+            </a:solidFill>
+            <a:ln>
+              <a:noFill/>
+            </a:ln>
+          </p:spPr>
+          <p:style>
+            <a:lnRef idx="2">
+              <a:schemeClr val="accent1">
+                <a:shade val="50000"/>
+              </a:schemeClr>
+            </a:lnRef>
+            <a:fillRef idx="1">
+              <a:schemeClr val="accent1"/>
+            </a:fillRef>
+            <a:effectRef idx="0">
+              <a:schemeClr val="accent1"/>
+            </a:effectRef>
+            <a:fontRef idx="minor">
+              <a:schemeClr val="lt1"/>
+            </a:fontRef>
+          </p:style>
+          <p:txBody>
+            <a:bodyPr rtlCol="0" anchor="t"/>
+            <a:lstStyle/>
+            <a:p>
+              <a:pPr algn="ctr"/>
+              <a:r>
+                <a:rPr kumimoji="1" lang="en-US" altLang="ja-JP" b="1" dirty="0">
+                  <a:solidFill>
+                    <a:schemeClr val="tx1"/>
+                  </a:solidFill>
+                  <a:latin typeface="Yu Mincho Demibold" panose="02020400000000000000" pitchFamily="18" charset="-128"/>
+                  <a:ea typeface="Yu Mincho Demibold" panose="02020400000000000000" pitchFamily="18" charset="-128"/>
+                </a:rPr>
+                <a:t>I</a:t>
+              </a:r>
+              <a:endParaRPr kumimoji="1" lang="ja-JP" altLang="en-US" b="1">
+                <a:solidFill>
+                  <a:schemeClr val="tx1"/>
+                </a:solidFill>
+                <a:latin typeface="Yu Mincho Demibold" panose="02020400000000000000" pitchFamily="18" charset="-128"/>
+                <a:ea typeface="Yu Mincho Demibold" panose="02020400000000000000" pitchFamily="18" charset="-128"/>
+              </a:endParaRPr>
+            </a:p>
+          </p:txBody>
+        </p:sp>
+        <p:sp>
+          <p:nvSpPr>
+            <p:cNvPr id="50" name="テキスト ボックス 8">
+              <a:extLst>
+                <a:ext uri="{FF2B5EF4-FFF2-40B4-BE49-F238E27FC236}">
+                  <a16:creationId xmlns:a16="http://schemas.microsoft.com/office/drawing/2014/main" id="{4509D46E-49FD-3CFC-F6C0-7D50916229DA}"/>
+                </a:ext>
+              </a:extLst>
+            </p:cNvPr>
+            <p:cNvSpPr txBox="1"/>
+            <p:nvPr/>
+          </p:nvSpPr>
+          <p:spPr>
+            <a:xfrm>
+              <a:off x="673185" y="465377"/>
+              <a:ext cx="643125" cy="369332"/>
+            </a:xfrm>
+            <a:prstGeom prst="rect">
+              <a:avLst/>
+            </a:prstGeom>
+            <a:noFill/>
+          </p:spPr>
+          <p:txBody>
+            <a:bodyPr wrap="none" rtlCol="0" anchor="t">
+              <a:spAutoFit/>
+            </a:bodyPr>
+            <a:lstStyle/>
+            <a:p>
+              <a:r>
+                <a:rPr kumimoji="1" lang="en-US" altLang="ja-JP" b="1" dirty="0">
+                  <a:solidFill>
+                    <a:schemeClr val="bg1"/>
+                  </a:solidFill>
+                  <a:latin typeface="Yu Gothic" panose="020B0400000000000000" pitchFamily="34" charset="-128"/>
+                  <a:ea typeface="Yu Gothic" panose="020B0400000000000000" pitchFamily="34" charset="-128"/>
+                </a:rPr>
+                <a:t>2</a:t>
+              </a:r>
+              <a:r>
+                <a:rPr kumimoji="1" lang="en-US" altLang="zh-TW" b="1" dirty="0">
+                  <a:solidFill>
+                    <a:schemeClr val="bg1"/>
+                  </a:solidFill>
+                  <a:latin typeface="Yu Gothic" panose="020B0400000000000000" pitchFamily="34" charset="-128"/>
+                  <a:ea typeface="Yu Gothic" panose="020B0400000000000000" pitchFamily="34" charset="-128"/>
+                </a:rPr>
+                <a:t>5</a:t>
+              </a:r>
+              <a:r>
+                <a:rPr kumimoji="1" lang="ja-JP" altLang="en-US" b="1" spc="-300">
+                  <a:solidFill>
+                    <a:schemeClr val="bg1"/>
+                  </a:solidFill>
+                  <a:latin typeface="Yu Gothic" panose="020B0400000000000000" pitchFamily="34" charset="-128"/>
+                  <a:ea typeface="Yu Gothic" panose="020B0400000000000000" pitchFamily="34" charset="-128"/>
+                </a:rPr>
+                <a:t>－</a:t>
+              </a:r>
+              <a:endParaRPr kumimoji="1" lang="ja-JP" altLang="en-US" sz="4800" b="1" spc="-300">
+                <a:solidFill>
+                  <a:schemeClr val="bg1"/>
+                </a:solidFill>
+                <a:latin typeface="Yu Gothic" panose="020B0400000000000000" pitchFamily="34" charset="-128"/>
+                <a:ea typeface="Yu Gothic" panose="020B0400000000000000" pitchFamily="34" charset="-128"/>
+              </a:endParaRPr>
+            </a:p>
+          </p:txBody>
+        </p:sp>
+        <p:sp>
+          <p:nvSpPr>
+            <p:cNvPr id="54" name="テキスト ボックス 9">
+              <a:extLst>
+                <a:ext uri="{FF2B5EF4-FFF2-40B4-BE49-F238E27FC236}">
+                  <a16:creationId xmlns:a16="http://schemas.microsoft.com/office/drawing/2014/main" id="{291CF5D1-2BA5-CBF0-B521-FE653532DD8F}"/>
+                </a:ext>
+              </a:extLst>
+            </p:cNvPr>
+            <p:cNvSpPr txBox="1"/>
+            <p:nvPr/>
+          </p:nvSpPr>
+          <p:spPr>
+            <a:xfrm>
+              <a:off x="1151251" y="249289"/>
+              <a:ext cx="1242648" cy="830997"/>
+            </a:xfrm>
+            <a:prstGeom prst="rect">
+              <a:avLst/>
+            </a:prstGeom>
+            <a:noFill/>
+          </p:spPr>
+          <p:txBody>
+            <a:bodyPr wrap="none" rtlCol="0" anchor="t">
+              <a:spAutoFit/>
+            </a:bodyPr>
+            <a:lstStyle/>
+            <a:p>
+              <a:r>
+                <a:rPr kumimoji="1" lang="en-US" altLang="zh-TW" sz="4800" b="1" dirty="0">
+                  <a:solidFill>
+                    <a:schemeClr val="bg1"/>
+                  </a:solidFill>
+                  <a:latin typeface="Yu Gothic" panose="020B0400000000000000" pitchFamily="34" charset="-128"/>
+                  <a:ea typeface="Yu Gothic" panose="020B0400000000000000" pitchFamily="34" charset="-128"/>
+                </a:rPr>
+                <a:t>114</a:t>
+              </a:r>
+              <a:endParaRPr kumimoji="1" lang="ja-JP" altLang="en-US" sz="4800" b="1">
+                <a:solidFill>
+                  <a:schemeClr val="bg1"/>
+                </a:solidFill>
+                <a:latin typeface="Yu Gothic" panose="020B0400000000000000" pitchFamily="34" charset="-128"/>
+                <a:ea typeface="Yu Gothic" panose="020B0400000000000000" pitchFamily="34" charset="-128"/>
+              </a:endParaRPr>
+            </a:p>
+          </p:txBody>
+        </p:sp>
+        <p:sp>
+          <p:nvSpPr>
+            <p:cNvPr id="58" name="テキスト ボックス 16">
+              <a:extLst>
+                <a:ext uri="{FF2B5EF4-FFF2-40B4-BE49-F238E27FC236}">
+                  <a16:creationId xmlns:a16="http://schemas.microsoft.com/office/drawing/2014/main" id="{CE6FBF0B-DF10-AD6E-6619-5FFC57E5A987}"/>
+                </a:ext>
+              </a:extLst>
+            </p:cNvPr>
+            <p:cNvSpPr txBox="1"/>
+            <p:nvPr/>
+          </p:nvSpPr>
+          <p:spPr>
+            <a:xfrm>
+              <a:off x="4868059" y="385748"/>
+              <a:ext cx="2512227" cy="461665"/>
             </a:xfrm>
             <a:prstGeom prst="rect">
               <a:avLst/>
@@ -5847,44 +6559,1497 @@
             </a:bodyPr>
             <a:lstStyle/>
             <a:p>
-              <a:pPr>
-                <a:lnSpc>
-                  <a:spcPct val="150000"/>
-                </a:lnSpc>
-              </a:pPr>
-              <a:r>
-                <a:rPr kumimoji="1" lang="en-US" altLang="zh-HK" sz="1000" b="1" dirty="0">
-                  <a:latin typeface="Meiryo UI" panose="020B0604030504040204" pitchFamily="34" charset="-128"/>
-                  <a:ea typeface="Meiryo UI" panose="020B0604030504040204" pitchFamily="34" charset="-128"/>
-                </a:rPr>
-                <a:t>TEL : 0</a:t>
-              </a:r>
-              <a:r>
-                <a:rPr kumimoji="1" lang="en-US" altLang="zh-TW" sz="1000" b="1" dirty="0">
-                  <a:latin typeface="Meiryo UI" panose="020B0604030504040204" pitchFamily="34" charset="-128"/>
-                  <a:ea typeface="Meiryo UI" panose="020B0604030504040204" pitchFamily="34" charset="-128"/>
-                </a:rPr>
-                <a:t>80-9417-6170</a:t>
-              </a:r>
-              <a:endParaRPr kumimoji="1" lang="en-US" altLang="zh-HK" sz="1000" b="1" dirty="0">
+              <a:pPr algn="r"/>
+              <a:r>
+                <a:rPr kumimoji="1" lang="en-US" altLang="ja-JP" sz="2400" b="1" spc="300" dirty="0">
+                  <a:solidFill>
+                    <a:schemeClr val="bg1"/>
+                  </a:solidFill>
+                  <a:latin typeface="Yu Gothic UI" panose="020B0500000000000000" pitchFamily="34" charset="-128"/>
+                  <a:ea typeface="Yu Gothic UI" panose="020B0500000000000000" pitchFamily="34" charset="-128"/>
+                  <a:cs typeface="Noto Nastaliq Urdu" panose="020B0502040504020204" pitchFamily="34" charset="-78"/>
+                </a:rPr>
+                <a:t>Care</a:t>
+              </a:r>
+              <a:r>
+                <a:rPr kumimoji="1" lang="zh-TW" altLang="en-US" sz="2400" b="1" spc="300" dirty="0">
+                  <a:solidFill>
+                    <a:schemeClr val="bg1"/>
+                  </a:solidFill>
+                  <a:latin typeface="Yu Gothic UI" panose="020B0500000000000000" pitchFamily="34" charset="-128"/>
+                  <a:ea typeface="Yu Gothic UI" panose="020B0500000000000000" pitchFamily="34" charset="-128"/>
+                  <a:cs typeface="Noto Nastaliq Urdu" panose="020B0502040504020204" pitchFamily="34" charset="-78"/>
+                </a:rPr>
+                <a:t> </a:t>
+              </a:r>
+              <a:r>
+                <a:rPr kumimoji="1" lang="en-US" altLang="zh-TW" sz="2400" b="1" spc="300" dirty="0">
+                  <a:solidFill>
+                    <a:schemeClr val="bg1"/>
+                  </a:solidFill>
+                  <a:latin typeface="Yu Gothic UI" panose="020B0500000000000000" pitchFamily="34" charset="-128"/>
+                  <a:ea typeface="Yu Gothic UI" panose="020B0500000000000000" pitchFamily="34" charset="-128"/>
+                  <a:cs typeface="Noto Nastaliq Urdu" panose="020B0502040504020204" pitchFamily="34" charset="-78"/>
+                </a:rPr>
+                <a:t>Connect</a:t>
+              </a:r>
+              <a:endParaRPr kumimoji="1" lang="ja-JP" altLang="en-US" sz="2400" b="1" spc="300">
+                <a:solidFill>
+                  <a:schemeClr val="bg1"/>
+                </a:solidFill>
+                <a:latin typeface="Yu Gothic UI" panose="020B0500000000000000" pitchFamily="34" charset="-128"/>
+                <a:ea typeface="Yu Gothic UI" panose="020B0500000000000000" pitchFamily="34" charset="-128"/>
+                <a:cs typeface="Noto Nastaliq Urdu" panose="020B0502040504020204" pitchFamily="34" charset="-78"/>
+              </a:endParaRPr>
+            </a:p>
+          </p:txBody>
+        </p:sp>
+        <p:pic>
+          <p:nvPicPr>
+            <p:cNvPr id="59" name="圖片 58" descr="一張含有 人員, 服裝, 西裝, 人的臉孔 的圖片&#10;&#10;自動產生的描述">
+              <a:extLst>
+                <a:ext uri="{FF2B5EF4-FFF2-40B4-BE49-F238E27FC236}">
+                  <a16:creationId xmlns:a16="http://schemas.microsoft.com/office/drawing/2014/main" id="{F3E8C0BB-68F2-27A0-6507-CC44FCCF29FE}"/>
+                </a:ext>
+              </a:extLst>
+            </p:cNvPr>
+            <p:cNvPicPr>
+              <a:picLocks noChangeAspect="1"/>
+            </p:cNvPicPr>
+            <p:nvPr/>
+          </p:nvPicPr>
+          <p:blipFill rotWithShape="1">
+            <a:blip r:embed="rId3"/>
+            <a:srcRect l="1917" t="4347" r="2778" b="22290"/>
+            <a:stretch/>
+          </p:blipFill>
+          <p:spPr>
+            <a:xfrm>
+              <a:off x="179389" y="1114203"/>
+              <a:ext cx="1196691" cy="1239193"/>
+            </a:xfrm>
+            <a:prstGeom prst="rect">
+              <a:avLst/>
+            </a:prstGeom>
+          </p:spPr>
+        </p:pic>
+        <p:sp>
+          <p:nvSpPr>
+            <p:cNvPr id="60" name="文字方塊 59">
+              <a:extLst>
+                <a:ext uri="{FF2B5EF4-FFF2-40B4-BE49-F238E27FC236}">
+                  <a16:creationId xmlns:a16="http://schemas.microsoft.com/office/drawing/2014/main" id="{D4CF0F81-2439-3E51-8DF4-ABCC4AB08BE9}"/>
+                </a:ext>
+              </a:extLst>
+            </p:cNvPr>
+            <p:cNvSpPr txBox="1">
+              <a:spLocks/>
+            </p:cNvSpPr>
+            <p:nvPr/>
+          </p:nvSpPr>
+          <p:spPr>
+            <a:xfrm>
+              <a:off x="1394159" y="1095297"/>
+              <a:ext cx="2247731" cy="400110"/>
+            </a:xfrm>
+            <a:prstGeom prst="rect">
+              <a:avLst/>
+            </a:prstGeom>
+            <a:noFill/>
+          </p:spPr>
+          <p:txBody>
+            <a:bodyPr wrap="none" rtlCol="0">
+              <a:spAutoFit/>
+            </a:bodyPr>
+            <a:lstStyle/>
+            <a:p>
+              <a:pPr algn="ctr"/>
+              <a:r>
+                <a:rPr kumimoji="1" lang="en-US" altLang="zh-HK" sz="2000" b="1" spc="300" dirty="0">
+                  <a:latin typeface="Meiryo UI" panose="020B0604030504040204" pitchFamily="34" charset="-128"/>
+                  <a:ea typeface="Meiryo UI" panose="020B0604030504040204" pitchFamily="34" charset="-128"/>
+                </a:rPr>
+                <a:t>IT</a:t>
+              </a:r>
+              <a:r>
+                <a:rPr kumimoji="1" lang="zh-HK" altLang="en-US" sz="2000" b="1" spc="300" dirty="0">
+                  <a:latin typeface="Meiryo UI" panose="020B0604030504040204" pitchFamily="34" charset="-128"/>
+                  <a:ea typeface="Meiryo UI" panose="020B0604030504040204" pitchFamily="34" charset="-128"/>
+                </a:rPr>
+                <a:t>開発研究</a:t>
+              </a:r>
+              <a:r>
+                <a:rPr kumimoji="1" lang="en-US" altLang="zh-HK" sz="2000" b="1" spc="300" dirty="0">
+                  <a:latin typeface="Meiryo UI" panose="020B0604030504040204" pitchFamily="34" charset="-128"/>
+                  <a:ea typeface="Meiryo UI" panose="020B0604030504040204" pitchFamily="34" charset="-128"/>
+                </a:rPr>
+                <a:t>3</a:t>
+              </a:r>
+              <a:r>
+                <a:rPr kumimoji="1" lang="zh-HK" altLang="en-US" sz="2000" b="1" spc="300" dirty="0">
+                  <a:latin typeface="Meiryo UI" panose="020B0604030504040204" pitchFamily="34" charset="-128"/>
+                  <a:ea typeface="Meiryo UI" panose="020B0604030504040204" pitchFamily="34" charset="-128"/>
+                </a:rPr>
+                <a:t>年</a:t>
+              </a:r>
+            </a:p>
+          </p:txBody>
+        </p:sp>
+        <p:grpSp>
+          <p:nvGrpSpPr>
+            <p:cNvPr id="61" name="グループ化 20">
+              <a:extLst>
+                <a:ext uri="{FF2B5EF4-FFF2-40B4-BE49-F238E27FC236}">
+                  <a16:creationId xmlns:a16="http://schemas.microsoft.com/office/drawing/2014/main" id="{647E11E7-5E07-01F4-C3AE-3E7C4064AE70}"/>
+                </a:ext>
+              </a:extLst>
+            </p:cNvPr>
+            <p:cNvGrpSpPr/>
+            <p:nvPr/>
+          </p:nvGrpSpPr>
+          <p:grpSpPr>
+            <a:xfrm>
+              <a:off x="1487567" y="1665840"/>
+              <a:ext cx="450764" cy="453976"/>
+              <a:chOff x="10594896" y="9353227"/>
+              <a:chExt cx="450764" cy="453976"/>
+            </a:xfrm>
+          </p:grpSpPr>
+          <p:sp>
+            <p:nvSpPr>
+              <p:cNvPr id="90" name="円/楕円 21">
+                <a:extLst>
+                  <a:ext uri="{FF2B5EF4-FFF2-40B4-BE49-F238E27FC236}">
+                    <a16:creationId xmlns:a16="http://schemas.microsoft.com/office/drawing/2014/main" id="{4741A492-4D6A-E7F7-77DA-983F3A1E1BB4}"/>
+                  </a:ext>
+                </a:extLst>
+              </p:cNvPr>
+              <p:cNvSpPr/>
+              <p:nvPr/>
+            </p:nvSpPr>
+            <p:spPr>
+              <a:xfrm>
+                <a:off x="10627648" y="9375274"/>
+                <a:ext cx="385261" cy="385261"/>
+              </a:xfrm>
+              <a:prstGeom prst="ellipse">
+                <a:avLst/>
+              </a:prstGeom>
+              <a:solidFill>
+                <a:srgbClr val="00B0F0"/>
+              </a:solidFill>
+              <a:ln>
+                <a:noFill/>
+              </a:ln>
+            </p:spPr>
+            <p:style>
+              <a:lnRef idx="2">
+                <a:schemeClr val="accent1">
+                  <a:shade val="50000"/>
+                </a:schemeClr>
+              </a:lnRef>
+              <a:fillRef idx="1">
+                <a:schemeClr val="accent1"/>
+              </a:fillRef>
+              <a:effectRef idx="0">
+                <a:schemeClr val="accent1"/>
+              </a:effectRef>
+              <a:fontRef idx="minor">
+                <a:schemeClr val="lt1"/>
+              </a:fontRef>
+            </p:style>
+            <p:txBody>
+              <a:bodyPr rtlCol="0" anchor="ctr"/>
+              <a:lstStyle/>
+              <a:p>
+                <a:pPr algn="ctr"/>
+                <a:endParaRPr kumimoji="1" lang="ja-JP" altLang="en-US"/>
+              </a:p>
+            </p:txBody>
+          </p:sp>
+          <p:sp>
+            <p:nvSpPr>
+              <p:cNvPr id="91" name="テキスト ボックス 22">
+                <a:extLst>
+                  <a:ext uri="{FF2B5EF4-FFF2-40B4-BE49-F238E27FC236}">
+                    <a16:creationId xmlns:a16="http://schemas.microsoft.com/office/drawing/2014/main" id="{07F4C448-16BB-0313-1E93-0EE726A99A6E}"/>
+                  </a:ext>
+                </a:extLst>
+              </p:cNvPr>
+              <p:cNvSpPr txBox="1"/>
+              <p:nvPr/>
+            </p:nvSpPr>
+            <p:spPr>
+              <a:xfrm>
+                <a:off x="10594896" y="9353227"/>
+                <a:ext cx="450764" cy="369332"/>
+              </a:xfrm>
+              <a:prstGeom prst="rect">
+                <a:avLst/>
+              </a:prstGeom>
+              <a:noFill/>
+            </p:spPr>
+            <p:txBody>
+              <a:bodyPr wrap="none" rtlCol="0" anchor="t">
+                <a:spAutoFit/>
+              </a:bodyPr>
+              <a:lstStyle/>
+              <a:p>
+                <a:pPr algn="ctr"/>
+                <a:r>
+                  <a:rPr kumimoji="1" lang="en-US" altLang="ja-JP" b="1" dirty="0">
+                    <a:solidFill>
+                      <a:schemeClr val="bg1"/>
+                    </a:solidFill>
+                    <a:latin typeface="Yu Gothic" panose="020B0400000000000000" pitchFamily="34" charset="-128"/>
+                    <a:ea typeface="Yu Gothic" panose="020B0400000000000000" pitchFamily="34" charset="-128"/>
+                  </a:rPr>
+                  <a:t>25</a:t>
+                </a:r>
+                <a:endParaRPr kumimoji="1" lang="ja-JP" altLang="en-US" b="1">
+                  <a:solidFill>
+                    <a:schemeClr val="bg1"/>
+                  </a:solidFill>
+                  <a:latin typeface="Yu Gothic" panose="020B0400000000000000" pitchFamily="34" charset="-128"/>
+                  <a:ea typeface="Yu Gothic" panose="020B0400000000000000" pitchFamily="34" charset="-128"/>
+                </a:endParaRPr>
+              </a:p>
+            </p:txBody>
+          </p:sp>
+          <p:sp>
+            <p:nvSpPr>
+              <p:cNvPr id="92" name="テキスト ボックス 23">
+                <a:extLst>
+                  <a:ext uri="{FF2B5EF4-FFF2-40B4-BE49-F238E27FC236}">
+                    <a16:creationId xmlns:a16="http://schemas.microsoft.com/office/drawing/2014/main" id="{3516EC5E-DD8E-9AAC-191D-1C0B499056DE}"/>
+                  </a:ext>
+                </a:extLst>
+              </p:cNvPr>
+              <p:cNvSpPr txBox="1"/>
+              <p:nvPr/>
+            </p:nvSpPr>
+            <p:spPr>
+              <a:xfrm>
+                <a:off x="10677659" y="9576371"/>
+                <a:ext cx="300082" cy="230832"/>
+              </a:xfrm>
+              <a:prstGeom prst="rect">
+                <a:avLst/>
+              </a:prstGeom>
+              <a:noFill/>
+            </p:spPr>
+            <p:txBody>
+              <a:bodyPr wrap="none" rtlCol="0" anchor="t">
+                <a:spAutoFit/>
+              </a:bodyPr>
+              <a:lstStyle/>
+              <a:p>
+                <a:pPr algn="ctr"/>
+                <a:r>
+                  <a:rPr kumimoji="1" lang="ja-JP" altLang="en-US" sz="900" b="1">
+                    <a:solidFill>
+                      <a:schemeClr val="bg1"/>
+                    </a:solidFill>
+                    <a:latin typeface="Yu Gothic" panose="020B0400000000000000" pitchFamily="34" charset="-128"/>
+                    <a:ea typeface="Yu Gothic" panose="020B0400000000000000" pitchFamily="34" charset="-128"/>
+                  </a:rPr>
+                  <a:t>卒</a:t>
+                </a:r>
+              </a:p>
+            </p:txBody>
+          </p:sp>
+        </p:grpSp>
+        <p:grpSp>
+          <p:nvGrpSpPr>
+            <p:cNvPr id="62" name="群組 61">
+              <a:extLst>
+                <a:ext uri="{FF2B5EF4-FFF2-40B4-BE49-F238E27FC236}">
+                  <a16:creationId xmlns:a16="http://schemas.microsoft.com/office/drawing/2014/main" id="{16DE4D86-26E6-D5CE-07B9-CC3B3AEA5A2C}"/>
+                </a:ext>
+              </a:extLst>
+            </p:cNvPr>
+            <p:cNvGrpSpPr/>
+            <p:nvPr/>
+          </p:nvGrpSpPr>
+          <p:grpSpPr>
+            <a:xfrm>
+              <a:off x="1960414" y="1490652"/>
+              <a:ext cx="1531189" cy="792740"/>
+              <a:chOff x="2266672" y="1358980"/>
+              <a:chExt cx="707590" cy="720294"/>
+            </a:xfrm>
+          </p:grpSpPr>
+          <p:sp>
+            <p:nvSpPr>
+              <p:cNvPr id="88" name="文字方塊 87">
+                <a:extLst>
+                  <a:ext uri="{FF2B5EF4-FFF2-40B4-BE49-F238E27FC236}">
+                    <a16:creationId xmlns:a16="http://schemas.microsoft.com/office/drawing/2014/main" id="{717CFBCE-B757-B1C5-3A65-9D0C74E497CE}"/>
+                  </a:ext>
+                </a:extLst>
+              </p:cNvPr>
+              <p:cNvSpPr txBox="1"/>
+              <p:nvPr/>
+            </p:nvSpPr>
+            <p:spPr>
+              <a:xfrm>
+                <a:off x="2266672" y="1547940"/>
+                <a:ext cx="707590" cy="531334"/>
+              </a:xfrm>
+              <a:prstGeom prst="rect">
+                <a:avLst/>
+              </a:prstGeom>
+              <a:noFill/>
+            </p:spPr>
+            <p:txBody>
+              <a:bodyPr wrap="none" rtlCol="0">
+                <a:spAutoFit/>
+              </a:bodyPr>
+              <a:lstStyle/>
+              <a:p>
+                <a:r>
+                  <a:rPr kumimoji="1" lang="zh-HK" altLang="en-US" sz="3200" b="1" spc="300" dirty="0">
+                    <a:latin typeface="Meiryo UI" panose="020B0604030504040204" pitchFamily="34" charset="-128"/>
+                    <a:ea typeface="Meiryo UI" panose="020B0604030504040204" pitchFamily="34" charset="-128"/>
+                    <a:cs typeface="Noto Nastaliq Urdu" panose="020B0502040504020204" pitchFamily="34" charset="-78"/>
+                  </a:rPr>
+                  <a:t>文家俊</a:t>
+                </a:r>
+              </a:p>
+            </p:txBody>
+          </p:sp>
+          <p:sp>
+            <p:nvSpPr>
+              <p:cNvPr id="89" name="文字方塊 88">
+                <a:extLst>
+                  <a:ext uri="{FF2B5EF4-FFF2-40B4-BE49-F238E27FC236}">
+                    <a16:creationId xmlns:a16="http://schemas.microsoft.com/office/drawing/2014/main" id="{EAA3F1A5-FEFC-C20A-8C4C-AE71C4BF1CDC}"/>
+                  </a:ext>
+                </a:extLst>
+              </p:cNvPr>
+              <p:cNvSpPr txBox="1"/>
+              <p:nvPr/>
+            </p:nvSpPr>
+            <p:spPr>
+              <a:xfrm>
+                <a:off x="2284970" y="1358980"/>
+                <a:ext cx="606104" cy="279650"/>
+              </a:xfrm>
+              <a:prstGeom prst="rect">
+                <a:avLst/>
+              </a:prstGeom>
+              <a:noFill/>
+            </p:spPr>
+            <p:txBody>
+              <a:bodyPr wrap="none" rtlCol="0">
+                <a:spAutoFit/>
+              </a:bodyPr>
+              <a:lstStyle/>
+              <a:p>
+                <a:r>
+                  <a:rPr kumimoji="1" lang="zh-HK" altLang="en-US" sz="1400" spc="300" dirty="0">
+                    <a:latin typeface="Meiryo UI" panose="020B0604030504040204" pitchFamily="34" charset="-128"/>
+                    <a:ea typeface="Meiryo UI" panose="020B0604030504040204" pitchFamily="34" charset="-128"/>
+                    <a:cs typeface="Noto Nastaliq Urdu" panose="020B0502040504020204" pitchFamily="34" charset="-78"/>
+                  </a:rPr>
+                  <a:t>ブン</a:t>
+                </a:r>
+                <a:r>
+                  <a:rPr kumimoji="1" lang="en-US" altLang="zh-HK" sz="1400" spc="300" dirty="0">
+                    <a:latin typeface="Meiryo UI" panose="020B0604030504040204" pitchFamily="34" charset="-128"/>
+                    <a:ea typeface="Meiryo UI" panose="020B0604030504040204" pitchFamily="34" charset="-128"/>
+                    <a:cs typeface="Noto Nastaliq Urdu" panose="020B0502040504020204" pitchFamily="34" charset="-78"/>
+                  </a:rPr>
+                  <a:t> </a:t>
+                </a:r>
+                <a:r>
+                  <a:rPr kumimoji="1" lang="zh-HK" altLang="en-US" sz="1400" spc="300" dirty="0">
+                    <a:latin typeface="Meiryo UI" panose="020B0604030504040204" pitchFamily="34" charset="-128"/>
+                    <a:ea typeface="Meiryo UI" panose="020B0604030504040204" pitchFamily="34" charset="-128"/>
+                    <a:cs typeface="Noto Nastaliq Urdu" panose="020B0502040504020204" pitchFamily="34" charset="-78"/>
+                  </a:rPr>
+                  <a:t>カシュン</a:t>
+                </a:r>
+              </a:p>
+            </p:txBody>
+          </p:sp>
+        </p:grpSp>
+        <p:cxnSp>
+          <p:nvCxnSpPr>
+            <p:cNvPr id="67" name="直線接點 66">
+              <a:extLst>
+                <a:ext uri="{FF2B5EF4-FFF2-40B4-BE49-F238E27FC236}">
+                  <a16:creationId xmlns:a16="http://schemas.microsoft.com/office/drawing/2014/main" id="{DF485479-5948-5037-F859-3A9C489C3CCB}"/>
+                </a:ext>
+              </a:extLst>
+            </p:cNvPr>
+            <p:cNvCxnSpPr>
+              <a:cxnSpLocks/>
+            </p:cNvCxnSpPr>
+            <p:nvPr/>
+          </p:nvCxnSpPr>
+          <p:spPr>
+            <a:xfrm>
+              <a:off x="3712720" y="1059266"/>
+              <a:ext cx="0" cy="3340048"/>
+            </a:xfrm>
+            <a:prstGeom prst="line">
+              <a:avLst/>
+            </a:prstGeom>
+            <a:ln w="31750">
+              <a:solidFill>
+                <a:srgbClr val="00B0F0"/>
+              </a:solidFill>
+            </a:ln>
+          </p:spPr>
+          <p:style>
+            <a:lnRef idx="1">
+              <a:schemeClr val="accent1"/>
+            </a:lnRef>
+            <a:fillRef idx="0">
+              <a:schemeClr val="accent1"/>
+            </a:fillRef>
+            <a:effectRef idx="0">
+              <a:schemeClr val="accent1"/>
+            </a:effectRef>
+            <a:fontRef idx="minor">
+              <a:schemeClr val="tx1"/>
+            </a:fontRef>
+          </p:style>
+        </p:cxnSp>
+        <p:sp>
+          <p:nvSpPr>
+            <p:cNvPr id="72" name="文字方塊 71">
+              <a:extLst>
+                <a:ext uri="{FF2B5EF4-FFF2-40B4-BE49-F238E27FC236}">
+                  <a16:creationId xmlns:a16="http://schemas.microsoft.com/office/drawing/2014/main" id="{BDF914B0-1894-AB4D-F7DB-363075A8F73A}"/>
+                </a:ext>
+              </a:extLst>
+            </p:cNvPr>
+            <p:cNvSpPr txBox="1"/>
+            <p:nvPr/>
+          </p:nvSpPr>
+          <p:spPr>
+            <a:xfrm>
+              <a:off x="103893" y="2721011"/>
+              <a:ext cx="3537992" cy="892552"/>
+            </a:xfrm>
+            <a:prstGeom prst="rect">
+              <a:avLst/>
+            </a:prstGeom>
+            <a:noFill/>
+          </p:spPr>
+          <p:txBody>
+            <a:bodyPr wrap="square" rtlCol="0">
+              <a:spAutoFit/>
+            </a:bodyPr>
+            <a:lstStyle/>
+            <a:p>
+              <a:pPr algn="just"/>
+              <a:r>
+                <a:rPr lang="zh-HK" altLang="en-US" sz="1300" spc="40" dirty="0">
+                  <a:latin typeface="Meiryo UI" panose="020B0604030504040204" pitchFamily="34" charset="-128"/>
+                  <a:ea typeface="Meiryo UI" panose="020B0604030504040204" pitchFamily="34" charset="-128"/>
+                  <a:cs typeface="Noto Nastaliq Urdu" panose="020B0502040504020204" pitchFamily="34" charset="-78"/>
+                </a:rPr>
+                <a:t>前職</a:t>
+              </a:r>
+              <a:r>
+                <a:rPr lang="ja-JP" altLang="en-US" sz="1300" spc="40">
+                  <a:latin typeface="Meiryo UI" panose="020B0604030504040204" pitchFamily="34" charset="-128"/>
+                  <a:ea typeface="Meiryo UI" panose="020B0604030504040204" pitchFamily="34" charset="-128"/>
+                  <a:cs typeface="Noto Nastaliq Urdu" panose="020B0502040504020204" pitchFamily="34" charset="-78"/>
+                </a:rPr>
+                <a:t>でデザイン</a:t>
+              </a:r>
+              <a:r>
+                <a:rPr lang="zh-HK" altLang="en-US" sz="1300" spc="40" dirty="0">
+                  <a:latin typeface="Meiryo UI" panose="020B0604030504040204" pitchFamily="34" charset="-128"/>
+                  <a:ea typeface="Meiryo UI" panose="020B0604030504040204" pitchFamily="34" charset="-128"/>
+                  <a:cs typeface="Noto Nastaliq Urdu" panose="020B0502040504020204" pitchFamily="34" charset="-78"/>
+                </a:rPr>
+                <a:t>系</a:t>
+              </a:r>
+              <a:r>
+                <a:rPr lang="ja-JP" altLang="en-US" sz="1300" spc="40">
+                  <a:latin typeface="Meiryo UI" panose="020B0604030504040204" pitchFamily="34" charset="-128"/>
+                  <a:ea typeface="Meiryo UI" panose="020B0604030504040204" pitchFamily="34" charset="-128"/>
+                  <a:cs typeface="Noto Nastaliq Urdu" panose="020B0502040504020204" pitchFamily="34" charset="-78"/>
+                </a:rPr>
+                <a:t>の</a:t>
+              </a:r>
+              <a:r>
+                <a:rPr lang="zh-HK" altLang="en-US" sz="1300" spc="40" dirty="0">
+                  <a:latin typeface="Meiryo UI" panose="020B0604030504040204" pitchFamily="34" charset="-128"/>
+                  <a:ea typeface="Meiryo UI" panose="020B0604030504040204" pitchFamily="34" charset="-128"/>
+                  <a:cs typeface="Noto Nastaliq Urdu" panose="020B0502040504020204" pitchFamily="34" charset="-78"/>
+                </a:rPr>
+                <a:t>環境</a:t>
+              </a:r>
+              <a:r>
+                <a:rPr lang="ja-JP" altLang="en-US" sz="1300" spc="40">
+                  <a:latin typeface="Meiryo UI" panose="020B0604030504040204" pitchFamily="34" charset="-128"/>
+                  <a:ea typeface="Meiryo UI" panose="020B0604030504040204" pitchFamily="34" charset="-128"/>
+                  <a:cs typeface="Noto Nastaliq Urdu" panose="020B0502040504020204" pitchFamily="34" charset="-78"/>
+                </a:rPr>
+                <a:t>で</a:t>
+              </a:r>
+              <a:r>
+                <a:rPr lang="zh-HK" altLang="en-US" sz="1300" spc="40" dirty="0">
+                  <a:latin typeface="Meiryo UI" panose="020B0604030504040204" pitchFamily="34" charset="-128"/>
+                  <a:ea typeface="Meiryo UI" panose="020B0604030504040204" pitchFamily="34" charset="-128"/>
+                  <a:cs typeface="Noto Nastaliq Urdu" panose="020B0502040504020204" pitchFamily="34" charset="-78"/>
+                </a:rPr>
+                <a:t>動画編集者</a:t>
+              </a:r>
+              <a:r>
+                <a:rPr lang="ja-JP" altLang="en-US" sz="1300" spc="40">
+                  <a:latin typeface="Meiryo UI" panose="020B0604030504040204" pitchFamily="34" charset="-128"/>
+                  <a:ea typeface="Meiryo UI" panose="020B0604030504040204" pitchFamily="34" charset="-128"/>
+                  <a:cs typeface="Noto Nastaliq Urdu" panose="020B0502040504020204" pitchFamily="34" charset="-78"/>
+                </a:rPr>
+                <a:t>として</a:t>
+              </a:r>
+              <a:r>
+                <a:rPr lang="zh-HK" altLang="en-US" sz="1300" spc="40" dirty="0">
+                  <a:latin typeface="Meiryo UI" panose="020B0604030504040204" pitchFamily="34" charset="-128"/>
+                  <a:ea typeface="Meiryo UI" panose="020B0604030504040204" pitchFamily="34" charset="-128"/>
+                  <a:cs typeface="Noto Nastaliq Urdu" panose="020B0502040504020204" pitchFamily="34" charset="-78"/>
+                </a:rPr>
+                <a:t>働</a:t>
+              </a:r>
+              <a:r>
+                <a:rPr lang="ja-JP" altLang="en-US" sz="1300" spc="40">
+                  <a:latin typeface="Meiryo UI" panose="020B0604030504040204" pitchFamily="34" charset="-128"/>
+                  <a:ea typeface="Meiryo UI" panose="020B0604030504040204" pitchFamily="34" charset="-128"/>
+                  <a:cs typeface="Noto Nastaliq Urdu" panose="020B0502040504020204" pitchFamily="34" charset="-78"/>
+                </a:rPr>
+                <a:t>きました。そのおかけで、</a:t>
+              </a:r>
+              <a:r>
+                <a:rPr lang="zh-HK" altLang="en-US" sz="1300" spc="40" dirty="0">
+                  <a:latin typeface="Meiryo UI" panose="020B0604030504040204" pitchFamily="34" charset="-128"/>
+                  <a:ea typeface="Meiryo UI" panose="020B0604030504040204" pitchFamily="34" charset="-128"/>
+                  <a:cs typeface="Noto Nastaliq Urdu" panose="020B0502040504020204" pitchFamily="34" charset="-78"/>
+                </a:rPr>
+                <a:t>画像</a:t>
+              </a:r>
+              <a:r>
+                <a:rPr lang="ja-JP" altLang="en-US" sz="1300" spc="40">
+                  <a:latin typeface="Meiryo UI" panose="020B0604030504040204" pitchFamily="34" charset="-128"/>
+                  <a:ea typeface="Meiryo UI" panose="020B0604030504040204" pitchFamily="34" charset="-128"/>
+                  <a:cs typeface="Noto Nastaliq Urdu" panose="020B0502040504020204" pitchFamily="34" charset="-78"/>
+                </a:rPr>
+                <a:t>のデザインに</a:t>
+              </a:r>
+              <a:r>
+                <a:rPr lang="zh-HK" altLang="en-US" sz="1300" spc="40" dirty="0">
+                  <a:latin typeface="Meiryo UI" panose="020B0604030504040204" pitchFamily="34" charset="-128"/>
+                  <a:ea typeface="Meiryo UI" panose="020B0604030504040204" pitchFamily="34" charset="-128"/>
+                  <a:cs typeface="Noto Nastaliq Urdu" panose="020B0502040504020204" pitchFamily="34" charset="-78"/>
+                </a:rPr>
+                <a:t>対</a:t>
+              </a:r>
+              <a:r>
+                <a:rPr lang="ja-JP" altLang="en-US" sz="1300" spc="40">
+                  <a:latin typeface="Meiryo UI" panose="020B0604030504040204" pitchFamily="34" charset="-128"/>
+                  <a:ea typeface="Meiryo UI" panose="020B0604030504040204" pitchFamily="34" charset="-128"/>
+                  <a:cs typeface="Noto Nastaliq Urdu" panose="020B0502040504020204" pitchFamily="34" charset="-78"/>
+                </a:rPr>
+                <a:t>して</a:t>
+              </a:r>
+              <a:r>
+                <a:rPr lang="zh-HK" altLang="en-US" sz="1300" spc="40" dirty="0">
+                  <a:latin typeface="Meiryo UI" panose="020B0604030504040204" pitchFamily="34" charset="-128"/>
+                  <a:ea typeface="Meiryo UI" panose="020B0604030504040204" pitchFamily="34" charset="-128"/>
+                  <a:cs typeface="Noto Nastaliq Urdu" panose="020B0502040504020204" pitchFamily="34" charset="-78"/>
+                </a:rPr>
+                <a:t>面白</a:t>
+              </a:r>
+              <a:r>
+                <a:rPr lang="ja-JP" altLang="en-US" sz="1300" spc="40">
+                  <a:latin typeface="Meiryo UI" panose="020B0604030504040204" pitchFamily="34" charset="-128"/>
+                  <a:ea typeface="Meiryo UI" panose="020B0604030504040204" pitchFamily="34" charset="-128"/>
+                  <a:cs typeface="Noto Nastaliq Urdu" panose="020B0502040504020204" pitchFamily="34" charset="-78"/>
+                </a:rPr>
+                <a:t>く</a:t>
+              </a:r>
+              <a:r>
+                <a:rPr lang="zh-HK" altLang="en-US" sz="1300" spc="40" dirty="0">
+                  <a:latin typeface="Meiryo UI" panose="020B0604030504040204" pitchFamily="34" charset="-128"/>
+                  <a:ea typeface="Meiryo UI" panose="020B0604030504040204" pitchFamily="34" charset="-128"/>
+                  <a:cs typeface="Noto Nastaliq Urdu" panose="020B0502040504020204" pitchFamily="34" charset="-78"/>
+                </a:rPr>
+                <a:t>感</a:t>
+              </a:r>
+              <a:r>
+                <a:rPr lang="ja-JP" altLang="en-US" sz="1300" spc="40">
+                  <a:latin typeface="Meiryo UI" panose="020B0604030504040204" pitchFamily="34" charset="-128"/>
+                  <a:ea typeface="Meiryo UI" panose="020B0604030504040204" pitchFamily="34" charset="-128"/>
+                  <a:cs typeface="Noto Nastaliq Urdu" panose="020B0502040504020204" pitchFamily="34" charset="-78"/>
+                </a:rPr>
+                <a:t>じ、</a:t>
+              </a:r>
+              <a:r>
+                <a:rPr lang="zh-HK" altLang="en-US" sz="1300" spc="40" dirty="0">
+                  <a:latin typeface="Meiryo UI" panose="020B0604030504040204" pitchFamily="34" charset="-128"/>
+                  <a:ea typeface="Meiryo UI" panose="020B0604030504040204" pitchFamily="34" charset="-128"/>
+                  <a:cs typeface="Noto Nastaliq Urdu" panose="020B0502040504020204" pitchFamily="34" charset="-78"/>
+                </a:rPr>
+                <a:t>日本</a:t>
+              </a:r>
+              <a:r>
+                <a:rPr lang="ja-JP" altLang="en-US" sz="1300" spc="40">
+                  <a:latin typeface="Meiryo UI" panose="020B0604030504040204" pitchFamily="34" charset="-128"/>
+                  <a:ea typeface="Meiryo UI" panose="020B0604030504040204" pitchFamily="34" charset="-128"/>
+                  <a:cs typeface="Noto Nastaliq Urdu" panose="020B0502040504020204" pitchFamily="34" charset="-78"/>
+                </a:rPr>
+                <a:t>へ</a:t>
+              </a:r>
+              <a:r>
+                <a:rPr lang="zh-HK" altLang="en-US" sz="1300" spc="40" dirty="0">
+                  <a:latin typeface="Meiryo UI" panose="020B0604030504040204" pitchFamily="34" charset="-128"/>
+                  <a:ea typeface="Meiryo UI" panose="020B0604030504040204" pitchFamily="34" charset="-128"/>
+                  <a:cs typeface="Noto Nastaliq Urdu" panose="020B0502040504020204" pitchFamily="34" charset="-78"/>
+                </a:rPr>
+                <a:t>来</a:t>
+              </a:r>
+              <a:r>
+                <a:rPr lang="ja-JP" altLang="en-US" sz="1300" spc="40">
+                  <a:latin typeface="Meiryo UI" panose="020B0604030504040204" pitchFamily="34" charset="-128"/>
+                  <a:ea typeface="Meiryo UI" panose="020B0604030504040204" pitchFamily="34" charset="-128"/>
+                  <a:cs typeface="Noto Nastaliq Urdu" panose="020B0502040504020204" pitchFamily="34" charset="-78"/>
+                </a:rPr>
+                <a:t>てから、</a:t>
+              </a:r>
+              <a:r>
+                <a:rPr lang="zh-HK" altLang="en-US" sz="1300" spc="40" dirty="0">
+                  <a:latin typeface="Meiryo UI" panose="020B0604030504040204" pitchFamily="34" charset="-128"/>
+                  <a:ea typeface="Meiryo UI" panose="020B0604030504040204" pitchFamily="34" charset="-128"/>
+                  <a:cs typeface="Noto Nastaliq Urdu" panose="020B0502040504020204" pitchFamily="34" charset="-78"/>
+                </a:rPr>
+                <a:t>専門学校</a:t>
+              </a:r>
+              <a:r>
+                <a:rPr lang="ja-JP" altLang="en-US" sz="1300" spc="40">
+                  <a:latin typeface="Meiryo UI" panose="020B0604030504040204" pitchFamily="34" charset="-128"/>
+                  <a:ea typeface="Meiryo UI" panose="020B0604030504040204" pitchFamily="34" charset="-128"/>
+                  <a:cs typeface="Noto Nastaliq Urdu" panose="020B0502040504020204" pitchFamily="34" charset="-78"/>
+                </a:rPr>
+                <a:t>で</a:t>
+              </a:r>
+              <a:r>
+                <a:rPr lang="en-US" altLang="zh-HK" sz="1300" spc="40" dirty="0">
+                  <a:latin typeface="Meiryo UI" panose="020B0604030504040204" pitchFamily="34" charset="-128"/>
+                  <a:ea typeface="Meiryo UI" panose="020B0604030504040204" pitchFamily="34" charset="-128"/>
+                  <a:cs typeface="Noto Nastaliq Urdu" panose="020B0502040504020204" pitchFamily="34" charset="-78"/>
+                </a:rPr>
+                <a:t>Web</a:t>
+              </a:r>
+              <a:r>
+                <a:rPr lang="zh-HK" altLang="en-US" sz="1300" spc="40" dirty="0">
+                  <a:latin typeface="Meiryo UI" panose="020B0604030504040204" pitchFamily="34" charset="-128"/>
+                  <a:ea typeface="Meiryo UI" panose="020B0604030504040204" pitchFamily="34" charset="-128"/>
+                  <a:cs typeface="Noto Nastaliq Urdu" panose="020B0502040504020204" pitchFamily="34" charset="-78"/>
+                </a:rPr>
+                <a:t>系</a:t>
+              </a:r>
+              <a:r>
+                <a:rPr lang="ja-JP" altLang="en-US" sz="1300" spc="40">
+                  <a:latin typeface="Meiryo UI" panose="020B0604030504040204" pitchFamily="34" charset="-128"/>
+                  <a:ea typeface="Meiryo UI" panose="020B0604030504040204" pitchFamily="34" charset="-128"/>
+                  <a:cs typeface="Noto Nastaliq Urdu" panose="020B0502040504020204" pitchFamily="34" charset="-78"/>
+                </a:rPr>
+                <a:t>のプログラミングの</a:t>
+              </a:r>
+              <a:r>
+                <a:rPr lang="zh-HK" altLang="en-US" sz="1300" spc="40" dirty="0">
+                  <a:latin typeface="Meiryo UI" panose="020B0604030504040204" pitchFamily="34" charset="-128"/>
+                  <a:ea typeface="Meiryo UI" panose="020B0604030504040204" pitchFamily="34" charset="-128"/>
+                  <a:cs typeface="Noto Nastaliq Urdu" panose="020B0502040504020204" pitchFamily="34" charset="-78"/>
+                </a:rPr>
+                <a:t>技術</a:t>
+              </a:r>
+              <a:r>
+                <a:rPr lang="ja-JP" altLang="en-US" sz="1300" spc="40">
+                  <a:latin typeface="Meiryo UI" panose="020B0604030504040204" pitchFamily="34" charset="-128"/>
+                  <a:ea typeface="Meiryo UI" panose="020B0604030504040204" pitchFamily="34" charset="-128"/>
+                  <a:cs typeface="Noto Nastaliq Urdu" panose="020B0502040504020204" pitchFamily="34" charset="-78"/>
+                </a:rPr>
+                <a:t>を</a:t>
+              </a:r>
+              <a:r>
+                <a:rPr lang="zh-HK" altLang="en-US" sz="1300" spc="40" dirty="0">
+                  <a:latin typeface="Meiryo UI" panose="020B0604030504040204" pitchFamily="34" charset="-128"/>
+                  <a:ea typeface="Meiryo UI" panose="020B0604030504040204" pitchFamily="34" charset="-128"/>
+                  <a:cs typeface="Noto Nastaliq Urdu" panose="020B0502040504020204" pitchFamily="34" charset="-78"/>
+                </a:rPr>
+                <a:t>学</a:t>
+              </a:r>
+              <a:r>
+                <a:rPr lang="ja-JP" altLang="en-US" sz="1300" spc="40">
+                  <a:latin typeface="Meiryo UI" panose="020B0604030504040204" pitchFamily="34" charset="-128"/>
+                  <a:ea typeface="Meiryo UI" panose="020B0604030504040204" pitchFamily="34" charset="-128"/>
+                  <a:cs typeface="Noto Nastaliq Urdu" panose="020B0502040504020204" pitchFamily="34" charset="-78"/>
+                </a:rPr>
+                <a:t>びました。</a:t>
+              </a:r>
+              <a:endParaRPr kumimoji="1" lang="zh-HK" altLang="en-US" sz="1300" spc="40" dirty="0">
+                <a:latin typeface="Meiryo UI" panose="020B0604030504040204" pitchFamily="34" charset="-128"/>
+                <a:ea typeface="Meiryo UI" panose="020B0604030504040204" pitchFamily="34" charset="-128"/>
+                <a:cs typeface="Noto Nastaliq Urdu" panose="020B0502040504020204" pitchFamily="34" charset="-78"/>
+              </a:endParaRPr>
+            </a:p>
+          </p:txBody>
+        </p:sp>
+        <p:sp>
+          <p:nvSpPr>
+            <p:cNvPr id="73" name="文字方塊 72">
+              <a:extLst>
+                <a:ext uri="{FF2B5EF4-FFF2-40B4-BE49-F238E27FC236}">
+                  <a16:creationId xmlns:a16="http://schemas.microsoft.com/office/drawing/2014/main" id="{ABA700EC-CE0B-D5AB-34F0-3DAFD1099A78}"/>
+                </a:ext>
+              </a:extLst>
+            </p:cNvPr>
+            <p:cNvSpPr txBox="1"/>
+            <p:nvPr/>
+          </p:nvSpPr>
+          <p:spPr>
+            <a:xfrm>
+              <a:off x="91542" y="2432239"/>
+              <a:ext cx="2751074" cy="292388"/>
+            </a:xfrm>
+            <a:prstGeom prst="rect">
+              <a:avLst/>
+            </a:prstGeom>
+            <a:noFill/>
+          </p:spPr>
+          <p:txBody>
+            <a:bodyPr wrap="none" rtlCol="0">
+              <a:spAutoFit/>
+            </a:bodyPr>
+            <a:lstStyle/>
+            <a:p>
+              <a:r>
+                <a:rPr lang="ja-JP" altLang="en-US" sz="1300">
+                  <a:latin typeface="Meiryo UI" panose="020B0604030504040204" pitchFamily="34" charset="-128"/>
+                  <a:ea typeface="Meiryo UI" panose="020B0604030504040204" pitchFamily="34" charset="-128"/>
+                  <a:cs typeface="Noto Nastaliq Urdu" panose="020B0502040504020204" pitchFamily="34" charset="-78"/>
+                </a:rPr>
+                <a:t>フルスタックエンジニアを</a:t>
+              </a:r>
+              <a:r>
+                <a:rPr lang="zh-HK" altLang="en-US" sz="1300" dirty="0">
+                  <a:latin typeface="Meiryo UI" panose="020B0604030504040204" pitchFamily="34" charset="-128"/>
+                  <a:ea typeface="Meiryo UI" panose="020B0604030504040204" pitchFamily="34" charset="-128"/>
+                  <a:cs typeface="Noto Nastaliq Urdu" panose="020B0502040504020204" pitchFamily="34" charset="-78"/>
+                </a:rPr>
+                <a:t>志望</a:t>
+              </a:r>
+              <a:r>
+                <a:rPr lang="ja-JP" altLang="en-US" sz="1300">
+                  <a:latin typeface="Meiryo UI" panose="020B0604030504040204" pitchFamily="34" charset="-128"/>
+                  <a:ea typeface="Meiryo UI" panose="020B0604030504040204" pitchFamily="34" charset="-128"/>
+                  <a:cs typeface="Noto Nastaliq Urdu" panose="020B0502040504020204" pitchFamily="34" charset="-78"/>
+                </a:rPr>
+                <a:t>しています。</a:t>
+              </a:r>
+              <a:endParaRPr kumimoji="1" lang="zh-HK" altLang="en-US" sz="1300" dirty="0">
                 <a:latin typeface="Meiryo UI" panose="020B0604030504040204" pitchFamily="34" charset="-128"/>
                 <a:ea typeface="Meiryo UI" panose="020B0604030504040204" pitchFamily="34" charset="-128"/>
               </a:endParaRPr>
             </a:p>
+          </p:txBody>
+        </p:sp>
+        <p:grpSp>
+          <p:nvGrpSpPr>
+            <p:cNvPr id="74" name="群組 73">
+              <a:extLst>
+                <a:ext uri="{FF2B5EF4-FFF2-40B4-BE49-F238E27FC236}">
+                  <a16:creationId xmlns:a16="http://schemas.microsoft.com/office/drawing/2014/main" id="{A13DA242-F3E3-029E-FE16-5B0A9F1D923E}"/>
+                </a:ext>
+              </a:extLst>
+            </p:cNvPr>
+            <p:cNvGrpSpPr/>
+            <p:nvPr/>
+          </p:nvGrpSpPr>
+          <p:grpSpPr>
+            <a:xfrm>
+              <a:off x="2937988" y="3731450"/>
+              <a:ext cx="605308" cy="811539"/>
+              <a:chOff x="3059248" y="3578094"/>
+              <a:chExt cx="711435" cy="953825"/>
+            </a:xfrm>
+          </p:grpSpPr>
+          <p:pic>
+            <p:nvPicPr>
+              <p:cNvPr id="86" name="圖片 85" descr="一張含有 圖形, 藝術, 平面設計, 黑與白 的圖片&#10;&#10;自動產生的描述">
+                <a:extLst>
+                  <a:ext uri="{FF2B5EF4-FFF2-40B4-BE49-F238E27FC236}">
+                    <a16:creationId xmlns:a16="http://schemas.microsoft.com/office/drawing/2014/main" id="{943F8551-20D3-DFCB-2036-E1065E0D56BD}"/>
+                  </a:ext>
+                </a:extLst>
+              </p:cNvPr>
+              <p:cNvPicPr>
+                <a:picLocks noChangeAspect="1"/>
+              </p:cNvPicPr>
+              <p:nvPr/>
+            </p:nvPicPr>
+            <p:blipFill>
+              <a:blip r:embed="rId4"/>
+              <a:stretch>
+                <a:fillRect/>
+              </a:stretch>
+            </p:blipFill>
+            <p:spPr>
+              <a:xfrm>
+                <a:off x="3059248" y="3578094"/>
+                <a:ext cx="711435" cy="711435"/>
+              </a:xfrm>
+              <a:prstGeom prst="rect">
+                <a:avLst/>
+              </a:prstGeom>
+            </p:spPr>
+          </p:pic>
+          <p:sp>
+            <p:nvSpPr>
+              <p:cNvPr id="87" name="文字方塊 86">
+                <a:extLst>
+                  <a:ext uri="{FF2B5EF4-FFF2-40B4-BE49-F238E27FC236}">
+                    <a16:creationId xmlns:a16="http://schemas.microsoft.com/office/drawing/2014/main" id="{0C771843-21AC-D658-CEB6-CEDE28A38602}"/>
+                  </a:ext>
+                </a:extLst>
+              </p:cNvPr>
+              <p:cNvSpPr txBox="1"/>
+              <p:nvPr/>
+            </p:nvSpPr>
+            <p:spPr>
+              <a:xfrm>
+                <a:off x="3107612" y="4278702"/>
+                <a:ext cx="629651" cy="253217"/>
+              </a:xfrm>
+              <a:prstGeom prst="rect">
+                <a:avLst/>
+              </a:prstGeom>
+              <a:noFill/>
+            </p:spPr>
+            <p:txBody>
+              <a:bodyPr wrap="none" rtlCol="0">
+                <a:spAutoFit/>
+              </a:bodyPr>
+              <a:lstStyle/>
+              <a:p>
+                <a:pPr algn="ctr"/>
+                <a:r>
+                  <a:rPr kumimoji="1" lang="en-US" altLang="zh-HK" sz="800" dirty="0">
+                    <a:latin typeface="Microsoft YaHei" panose="020B0503020204020204" pitchFamily="34" charset="-122"/>
+                    <a:ea typeface="Microsoft YaHei" panose="020B0503020204020204" pitchFamily="34" charset="-122"/>
+                  </a:rPr>
+                  <a:t>GitHub</a:t>
+                </a:r>
+                <a:endParaRPr kumimoji="1" lang="zh-HK" altLang="en-US" sz="800" dirty="0">
+                  <a:latin typeface="Microsoft YaHei" panose="020B0503020204020204" pitchFamily="34" charset="-122"/>
+                  <a:ea typeface="Microsoft YaHei" panose="020B0503020204020204" pitchFamily="34" charset="-122"/>
+                </a:endParaRPr>
+              </a:p>
+            </p:txBody>
+          </p:sp>
+        </p:grpSp>
+        <p:grpSp>
+          <p:nvGrpSpPr>
+            <p:cNvPr id="75" name="群組 74">
+              <a:extLst>
+                <a:ext uri="{FF2B5EF4-FFF2-40B4-BE49-F238E27FC236}">
+                  <a16:creationId xmlns:a16="http://schemas.microsoft.com/office/drawing/2014/main" id="{AB71C741-74EA-58DE-1963-76025B3729A5}"/>
+                </a:ext>
+              </a:extLst>
+            </p:cNvPr>
+            <p:cNvGrpSpPr/>
+            <p:nvPr/>
+          </p:nvGrpSpPr>
+          <p:grpSpPr>
+            <a:xfrm>
+              <a:off x="139857" y="3723051"/>
+              <a:ext cx="2640864" cy="826208"/>
+              <a:chOff x="139857" y="3723051"/>
+              <a:chExt cx="2640864" cy="826208"/>
+            </a:xfrm>
+          </p:grpSpPr>
+          <p:grpSp>
+            <p:nvGrpSpPr>
+              <p:cNvPr id="82" name="群組 81">
+                <a:extLst>
+                  <a:ext uri="{FF2B5EF4-FFF2-40B4-BE49-F238E27FC236}">
+                    <a16:creationId xmlns:a16="http://schemas.microsoft.com/office/drawing/2014/main" id="{7C4D25D8-235A-196E-62EF-743020248706}"/>
+                  </a:ext>
+                </a:extLst>
+              </p:cNvPr>
+              <p:cNvGrpSpPr/>
+              <p:nvPr/>
+            </p:nvGrpSpPr>
+            <p:grpSpPr>
+              <a:xfrm>
+                <a:off x="2133036" y="3723051"/>
+                <a:ext cx="647685" cy="826208"/>
+                <a:chOff x="1992273" y="3572306"/>
+                <a:chExt cx="749095" cy="955570"/>
+              </a:xfrm>
+            </p:grpSpPr>
+            <p:pic>
+              <p:nvPicPr>
+                <p:cNvPr id="84" name="圖片 83" descr="一張含有 符號, 圓形, 樣式, 圖形 的圖片&#10;&#10;自動產生的描述">
+                  <a:extLst>
+                    <a:ext uri="{FF2B5EF4-FFF2-40B4-BE49-F238E27FC236}">
+                      <a16:creationId xmlns:a16="http://schemas.microsoft.com/office/drawing/2014/main" id="{9BAE19FC-7D88-3BAA-B9D9-BD7F1099140D}"/>
+                    </a:ext>
+                  </a:extLst>
+                </p:cNvPr>
+                <p:cNvPicPr>
+                  <a:picLocks noChangeAspect="1"/>
+                </p:cNvPicPr>
+                <p:nvPr/>
+              </p:nvPicPr>
+              <p:blipFill>
+                <a:blip r:embed="rId5"/>
+                <a:stretch>
+                  <a:fillRect/>
+                </a:stretch>
+              </p:blipFill>
+              <p:spPr>
+                <a:xfrm>
+                  <a:off x="1992273" y="3572306"/>
+                  <a:ext cx="749095" cy="749095"/>
+                </a:xfrm>
+                <a:prstGeom prst="rect">
+                  <a:avLst/>
+                </a:prstGeom>
+              </p:spPr>
+            </p:pic>
+            <p:sp>
+              <p:nvSpPr>
+                <p:cNvPr id="85" name="文字方塊 84">
+                  <a:extLst>
+                    <a:ext uri="{FF2B5EF4-FFF2-40B4-BE49-F238E27FC236}">
+                      <a16:creationId xmlns:a16="http://schemas.microsoft.com/office/drawing/2014/main" id="{AA1D3C6C-10D2-857D-96FF-DBA9C4A33FB5}"/>
+                    </a:ext>
+                  </a:extLst>
+                </p:cNvPr>
+                <p:cNvSpPr txBox="1"/>
+                <p:nvPr/>
+              </p:nvSpPr>
+              <p:spPr>
+                <a:xfrm>
+                  <a:off x="2007710" y="4278699"/>
+                  <a:ext cx="706742" cy="249177"/>
+                </a:xfrm>
+                <a:prstGeom prst="rect">
+                  <a:avLst/>
+                </a:prstGeom>
+                <a:noFill/>
+              </p:spPr>
+              <p:txBody>
+                <a:bodyPr wrap="none" rtlCol="0">
+                  <a:spAutoFit/>
+                </a:bodyPr>
+                <a:lstStyle/>
+                <a:p>
+                  <a:pPr algn="ctr"/>
+                  <a:r>
+                    <a:rPr kumimoji="1" lang="en-US" altLang="zh-HK" sz="800" dirty="0">
+                      <a:latin typeface="Microsoft YaHei" panose="020B0503020204020204" pitchFamily="34" charset="-122"/>
+                      <a:ea typeface="Microsoft YaHei" panose="020B0503020204020204" pitchFamily="34" charset="-122"/>
+                    </a:rPr>
+                    <a:t>Portfolio</a:t>
+                  </a:r>
+                  <a:endParaRPr kumimoji="1" lang="zh-HK" altLang="en-US" sz="800" dirty="0">
+                    <a:latin typeface="Microsoft YaHei" panose="020B0503020204020204" pitchFamily="34" charset="-122"/>
+                    <a:ea typeface="Microsoft YaHei" panose="020B0503020204020204" pitchFamily="34" charset="-122"/>
+                  </a:endParaRPr>
+                </a:p>
+              </p:txBody>
+            </p:sp>
+          </p:grpSp>
+          <p:sp>
+            <p:nvSpPr>
+              <p:cNvPr id="83" name="文字方塊 82">
+                <a:extLst>
+                  <a:ext uri="{FF2B5EF4-FFF2-40B4-BE49-F238E27FC236}">
+                    <a16:creationId xmlns:a16="http://schemas.microsoft.com/office/drawing/2014/main" id="{56A1F893-845F-943C-97A6-174C79D84252}"/>
+                  </a:ext>
+                </a:extLst>
+              </p:cNvPr>
+              <p:cNvSpPr txBox="1"/>
+              <p:nvPr/>
+            </p:nvSpPr>
+            <p:spPr>
+              <a:xfrm>
+                <a:off x="139857" y="3743519"/>
+                <a:ext cx="1933543" cy="521746"/>
+              </a:xfrm>
+              <a:prstGeom prst="rect">
+                <a:avLst/>
+              </a:prstGeom>
+              <a:noFill/>
+            </p:spPr>
+            <p:txBody>
+              <a:bodyPr wrap="none" rtlCol="0">
+                <a:spAutoFit/>
+              </a:bodyPr>
+              <a:lstStyle/>
+              <a:p>
+                <a:pPr>
+                  <a:lnSpc>
+                    <a:spcPct val="150000"/>
+                  </a:lnSpc>
+                </a:pPr>
+                <a:r>
+                  <a:rPr kumimoji="1" lang="en-US" altLang="zh-HK" sz="1000" b="1" dirty="0">
+                    <a:latin typeface="Meiryo UI" panose="020B0604030504040204" pitchFamily="34" charset="-128"/>
+                    <a:ea typeface="Meiryo UI" panose="020B0604030504040204" pitchFamily="34" charset="-128"/>
+                  </a:rPr>
+                  <a:t>TEL : 0</a:t>
+                </a:r>
+                <a:r>
+                  <a:rPr kumimoji="1" lang="en-US" altLang="zh-TW" sz="1000" b="1" dirty="0">
+                    <a:latin typeface="Meiryo UI" panose="020B0604030504040204" pitchFamily="34" charset="-128"/>
+                    <a:ea typeface="Meiryo UI" panose="020B0604030504040204" pitchFamily="34" charset="-128"/>
+                  </a:rPr>
+                  <a:t>80-9417-6170</a:t>
+                </a:r>
+                <a:endParaRPr kumimoji="1" lang="en-US" altLang="zh-HK" sz="1000" b="1" dirty="0">
+                  <a:latin typeface="Meiryo UI" panose="020B0604030504040204" pitchFamily="34" charset="-128"/>
+                  <a:ea typeface="Meiryo UI" panose="020B0604030504040204" pitchFamily="34" charset="-128"/>
+                </a:endParaRPr>
+              </a:p>
+              <a:p>
+                <a:pPr>
+                  <a:lnSpc>
+                    <a:spcPct val="150000"/>
+                  </a:lnSpc>
+                </a:pPr>
+                <a:r>
+                  <a:rPr kumimoji="1" lang="en-US" altLang="zh-HK" sz="1000" b="1" dirty="0" err="1">
+                    <a:latin typeface="Meiryo UI" panose="020B0604030504040204" pitchFamily="34" charset="-128"/>
+                    <a:ea typeface="Meiryo UI" panose="020B0604030504040204" pitchFamily="34" charset="-128"/>
+                  </a:rPr>
+                  <a:t>Cyrusmanosa@gmail.com</a:t>
+                </a:r>
+                <a:endParaRPr kumimoji="1" lang="en-US" altLang="zh-HK" sz="1000" b="1" dirty="0">
+                  <a:latin typeface="Meiryo UI" panose="020B0604030504040204" pitchFamily="34" charset="-128"/>
+                  <a:ea typeface="Meiryo UI" panose="020B0604030504040204" pitchFamily="34" charset="-128"/>
+                </a:endParaRPr>
+              </a:p>
+            </p:txBody>
+          </p:sp>
+        </p:grpSp>
+        <p:pic>
+          <p:nvPicPr>
+            <p:cNvPr id="76" name="圖片 75">
+              <a:extLst>
+                <a:ext uri="{FF2B5EF4-FFF2-40B4-BE49-F238E27FC236}">
+                  <a16:creationId xmlns:a16="http://schemas.microsoft.com/office/drawing/2014/main" id="{F9AC5031-0C37-4345-F63A-62528021151D}"/>
+                </a:ext>
+              </a:extLst>
+            </p:cNvPr>
+            <p:cNvPicPr>
+              <a:picLocks noChangeAspect="1"/>
+            </p:cNvPicPr>
+            <p:nvPr/>
+          </p:nvPicPr>
+          <p:blipFill>
+            <a:blip r:embed="rId6"/>
+            <a:srcRect/>
+            <a:stretch/>
+          </p:blipFill>
+          <p:spPr>
+            <a:xfrm>
+              <a:off x="3863001" y="3222022"/>
+              <a:ext cx="736221" cy="1243960"/>
+            </a:xfrm>
+            <a:prstGeom prst="rect">
+              <a:avLst/>
+            </a:prstGeom>
+          </p:spPr>
+        </p:pic>
+        <p:sp>
+          <p:nvSpPr>
+            <p:cNvPr id="77" name="矩形 76">
+              <a:extLst>
+                <a:ext uri="{FF2B5EF4-FFF2-40B4-BE49-F238E27FC236}">
+                  <a16:creationId xmlns:a16="http://schemas.microsoft.com/office/drawing/2014/main" id="{BD893E02-F892-80C2-1149-F7FE1B70024A}"/>
+                </a:ext>
+              </a:extLst>
+            </p:cNvPr>
+            <p:cNvSpPr/>
+            <p:nvPr/>
+          </p:nvSpPr>
+          <p:spPr>
+            <a:xfrm>
+              <a:off x="3913492" y="2677869"/>
+              <a:ext cx="1277258" cy="227391"/>
+            </a:xfrm>
+            <a:prstGeom prst="rect">
+              <a:avLst/>
+            </a:prstGeom>
+            <a:solidFill>
+              <a:srgbClr val="00B0F0"/>
+            </a:solidFill>
+            <a:ln>
+              <a:noFill/>
+            </a:ln>
+          </p:spPr>
+          <p:style>
+            <a:lnRef idx="2">
+              <a:schemeClr val="accent1">
+                <a:shade val="15000"/>
+              </a:schemeClr>
+            </a:lnRef>
+            <a:fillRef idx="1">
+              <a:schemeClr val="accent1"/>
+            </a:fillRef>
+            <a:effectRef idx="0">
+              <a:schemeClr val="accent1"/>
+            </a:effectRef>
+            <a:fontRef idx="minor">
+              <a:schemeClr val="lt1"/>
+            </a:fontRef>
+          </p:style>
+          <p:txBody>
+            <a:bodyPr rtlCol="0" anchor="ctr"/>
+            <a:lstStyle/>
             <a:p>
-              <a:pPr>
-                <a:lnSpc>
-                  <a:spcPct val="150000"/>
-                </a:lnSpc>
-              </a:pPr>
-              <a:r>
-                <a:rPr kumimoji="1" lang="en-US" altLang="zh-HK" sz="1000" b="1" dirty="0" err="1">
-                  <a:latin typeface="Meiryo UI" panose="020B0604030504040204" pitchFamily="34" charset="-128"/>
-                  <a:ea typeface="Meiryo UI" panose="020B0604030504040204" pitchFamily="34" charset="-128"/>
-                </a:rPr>
-                <a:t>Cyrusmanosa@gmail.com</a:t>
-              </a:r>
-              <a:endParaRPr kumimoji="1" lang="en-US" altLang="zh-HK" sz="1000" b="1" dirty="0">
+              <a:pPr algn="ctr"/>
+              <a:r>
+                <a:rPr kumimoji="1" lang="zh-HK" altLang="en-US" sz="1000" dirty="0">
+                  <a:latin typeface="Yu Gothic UI" panose="020B0500000000000000" pitchFamily="34" charset="-128"/>
+                  <a:ea typeface="Yu Gothic UI" panose="020B0500000000000000" pitchFamily="34" charset="-128"/>
+                </a:rPr>
+                <a:t>この作品の担当</a:t>
+              </a:r>
+            </a:p>
+          </p:txBody>
+        </p:sp>
+        <p:sp>
+          <p:nvSpPr>
+            <p:cNvPr id="78" name="文字方塊 77">
+              <a:extLst>
+                <a:ext uri="{FF2B5EF4-FFF2-40B4-BE49-F238E27FC236}">
+                  <a16:creationId xmlns:a16="http://schemas.microsoft.com/office/drawing/2014/main" id="{B4080574-CF33-2FD2-B32B-9CB9F5F87407}"/>
+                </a:ext>
+              </a:extLst>
+            </p:cNvPr>
+            <p:cNvSpPr txBox="1"/>
+            <p:nvPr/>
+          </p:nvSpPr>
+          <p:spPr>
+            <a:xfrm>
+              <a:off x="3830038" y="2905260"/>
+              <a:ext cx="3498141" cy="276999"/>
+            </a:xfrm>
+            <a:prstGeom prst="rect">
+              <a:avLst/>
+            </a:prstGeom>
+            <a:noFill/>
+          </p:spPr>
+          <p:txBody>
+            <a:bodyPr wrap="square" rtlCol="0">
+              <a:spAutoFit/>
+            </a:bodyPr>
+            <a:lstStyle/>
+            <a:p>
+              <a:r>
+                <a:rPr kumimoji="1" lang="en-US" altLang="zh-HK" sz="1200" dirty="0" err="1">
+                  <a:latin typeface="Meiryo UI" panose="020B0604030504040204" pitchFamily="34" charset="-128"/>
+                  <a:ea typeface="Meiryo UI" panose="020B0604030504040204" pitchFamily="34" charset="-128"/>
+                </a:rPr>
+                <a:t>React.js</a:t>
+              </a:r>
+              <a:r>
+                <a:rPr kumimoji="1" lang="zh-HK" altLang="en-US" sz="1200" dirty="0">
+                  <a:latin typeface="Meiryo UI" panose="020B0604030504040204" pitchFamily="34" charset="-128"/>
+                  <a:ea typeface="Meiryo UI" panose="020B0604030504040204" pitchFamily="34" charset="-128"/>
+                </a:rPr>
+                <a:t>、画面デザイン、</a:t>
+              </a:r>
+              <a:r>
+                <a:rPr kumimoji="1" lang="en-US" altLang="zh-HK" sz="1200" dirty="0">
+                  <a:latin typeface="Meiryo UI" panose="020B0604030504040204" pitchFamily="34" charset="-128"/>
+                  <a:ea typeface="Meiryo UI" panose="020B0604030504040204" pitchFamily="34" charset="-128"/>
+                </a:rPr>
+                <a:t>AWS</a:t>
+              </a:r>
+              <a:r>
+                <a:rPr kumimoji="1" lang="zh-HK" altLang="en-US" sz="1200" dirty="0">
+                  <a:latin typeface="Meiryo UI" panose="020B0604030504040204" pitchFamily="34" charset="-128"/>
+                  <a:ea typeface="Meiryo UI" panose="020B0604030504040204" pitchFamily="34" charset="-128"/>
+                </a:rPr>
+                <a:t>構築</a:t>
+              </a:r>
+              <a:endParaRPr kumimoji="1" lang="en-US" altLang="zh-HK" sz="1200" dirty="0">
+                <a:latin typeface="Meiryo UI" panose="020B0604030504040204" pitchFamily="34" charset="-128"/>
+                <a:ea typeface="Meiryo UI" panose="020B0604030504040204" pitchFamily="34" charset="-128"/>
+              </a:endParaRPr>
+            </a:p>
+          </p:txBody>
+        </p:sp>
+        <p:pic>
+          <p:nvPicPr>
+            <p:cNvPr id="79" name="圖片 78" descr="一張含有 黑色, 黑暗 的圖片&#10;&#10;自動產生的描述">
+              <a:extLst>
+                <a:ext uri="{FF2B5EF4-FFF2-40B4-BE49-F238E27FC236}">
+                  <a16:creationId xmlns:a16="http://schemas.microsoft.com/office/drawing/2014/main" id="{2791AF1D-CE0A-A388-FB80-8D194B82B17B}"/>
+                </a:ext>
+              </a:extLst>
+            </p:cNvPr>
+            <p:cNvPicPr>
+              <a:picLocks noChangeAspect="1"/>
+            </p:cNvPicPr>
+            <p:nvPr/>
+          </p:nvPicPr>
+          <p:blipFill>
+            <a:blip r:embed="rId7"/>
+            <a:stretch>
+              <a:fillRect/>
+            </a:stretch>
+          </p:blipFill>
+          <p:spPr>
+            <a:xfrm>
+              <a:off x="4644720" y="3235606"/>
+              <a:ext cx="359598" cy="368369"/>
+            </a:xfrm>
+            <a:prstGeom prst="rect">
+              <a:avLst/>
+            </a:prstGeom>
+          </p:spPr>
+        </p:pic>
+        <p:pic>
+          <p:nvPicPr>
+            <p:cNvPr id="80" name="圖片 79" descr="一張含有 文字, 螢幕擷取畫面, 軟體, 設計 的圖片&#10;&#10;自動產生的描述">
+              <a:extLst>
+                <a:ext uri="{FF2B5EF4-FFF2-40B4-BE49-F238E27FC236}">
+                  <a16:creationId xmlns:a16="http://schemas.microsoft.com/office/drawing/2014/main" id="{9AD2AF28-A0CE-B199-C02C-AB980CAB4C5E}"/>
+                </a:ext>
+              </a:extLst>
+            </p:cNvPr>
+            <p:cNvPicPr>
+              <a:picLocks noChangeAspect="1"/>
+            </p:cNvPicPr>
+            <p:nvPr/>
+          </p:nvPicPr>
+          <p:blipFill>
+            <a:blip r:embed="rId8"/>
+            <a:stretch>
+              <a:fillRect/>
+            </a:stretch>
+          </p:blipFill>
+          <p:spPr>
+            <a:xfrm>
+              <a:off x="5049816" y="3456972"/>
+              <a:ext cx="1909982" cy="1024868"/>
+            </a:xfrm>
+            <a:prstGeom prst="rect">
+              <a:avLst/>
+            </a:prstGeom>
+          </p:spPr>
+        </p:pic>
+        <p:sp>
+          <p:nvSpPr>
+            <p:cNvPr id="81" name="文字方塊 80">
+              <a:extLst>
+                <a:ext uri="{FF2B5EF4-FFF2-40B4-BE49-F238E27FC236}">
+                  <a16:creationId xmlns:a16="http://schemas.microsoft.com/office/drawing/2014/main" id="{F35BF929-35C0-43EE-88AE-53845676041D}"/>
+                </a:ext>
+              </a:extLst>
+            </p:cNvPr>
+            <p:cNvSpPr txBox="1"/>
+            <p:nvPr/>
+          </p:nvSpPr>
+          <p:spPr>
+            <a:xfrm>
+              <a:off x="3774615" y="1218268"/>
+              <a:ext cx="3564974" cy="1477328"/>
+            </a:xfrm>
+            <a:prstGeom prst="rect">
+              <a:avLst/>
+            </a:prstGeom>
+            <a:noFill/>
+          </p:spPr>
+          <p:txBody>
+            <a:bodyPr wrap="square" rtlCol="0">
+              <a:spAutoFit/>
+            </a:bodyPr>
+            <a:lstStyle/>
+            <a:p>
+              <a:pPr algn="just"/>
+              <a:r>
+                <a:rPr kumimoji="1" lang="zh-HK" altLang="en-US" dirty="0">
+                  <a:latin typeface="Meiryo UI" panose="020B0604030504040204" pitchFamily="34" charset="-128"/>
+                  <a:ea typeface="Meiryo UI" panose="020B0604030504040204" pitchFamily="34" charset="-128"/>
+                </a:rPr>
+                <a:t>命</a:t>
+              </a:r>
+              <a:r>
+                <a:rPr kumimoji="1" lang="ja-JP" altLang="en-US">
+                  <a:latin typeface="Meiryo UI" panose="020B0604030504040204" pitchFamily="34" charset="-128"/>
+                  <a:ea typeface="Meiryo UI" panose="020B0604030504040204" pitchFamily="34" charset="-128"/>
+                </a:rPr>
+                <a:t>を</a:t>
+              </a:r>
+              <a:r>
+                <a:rPr kumimoji="1" lang="zh-HK" altLang="en-US" dirty="0">
+                  <a:latin typeface="Meiryo UI" panose="020B0604030504040204" pitchFamily="34" charset="-128"/>
+                  <a:ea typeface="Meiryo UI" panose="020B0604030504040204" pitchFamily="34" charset="-128"/>
+                </a:rPr>
+                <a:t>守</a:t>
+              </a:r>
+              <a:r>
+                <a:rPr kumimoji="1" lang="ja-JP" altLang="en-US">
+                  <a:latin typeface="Meiryo UI" panose="020B0604030504040204" pitchFamily="34" charset="-128"/>
+                  <a:ea typeface="Meiryo UI" panose="020B0604030504040204" pitchFamily="34" charset="-128"/>
+                </a:rPr>
+                <a:t>ろう、つなげようをコンセプトにユーザーは</a:t>
+              </a:r>
+              <a:r>
+                <a:rPr kumimoji="1" lang="zh-HK" altLang="en-US" dirty="0">
+                  <a:latin typeface="Meiryo UI" panose="020B0604030504040204" pitchFamily="34" charset="-128"/>
+                  <a:ea typeface="Meiryo UI" panose="020B0604030504040204" pitchFamily="34" charset="-128"/>
+                </a:rPr>
+                <a:t>障害</a:t>
+              </a:r>
+              <a:r>
+                <a:rPr kumimoji="1" lang="ja-JP" altLang="en-US">
+                  <a:latin typeface="Meiryo UI" panose="020B0604030504040204" pitchFamily="34" charset="-128"/>
+                  <a:ea typeface="Meiryo UI" panose="020B0604030504040204" pitchFamily="34" charset="-128"/>
+                </a:rPr>
+                <a:t>を</a:t>
+              </a:r>
+              <a:r>
+                <a:rPr kumimoji="1" lang="zh-HK" altLang="en-US" dirty="0">
+                  <a:latin typeface="Meiryo UI" panose="020B0604030504040204" pitchFamily="34" charset="-128"/>
+                  <a:ea typeface="Meiryo UI" panose="020B0604030504040204" pitchFamily="34" charset="-128"/>
+                </a:rPr>
+                <a:t>持</a:t>
+              </a:r>
+              <a:r>
+                <a:rPr kumimoji="1" lang="ja-JP" altLang="en-US">
+                  <a:latin typeface="Meiryo UI" panose="020B0604030504040204" pitchFamily="34" charset="-128"/>
+                  <a:ea typeface="Meiryo UI" panose="020B0604030504040204" pitchFamily="34" charset="-128"/>
+                </a:rPr>
+                <a:t>っている</a:t>
+              </a:r>
+              <a:r>
+                <a:rPr kumimoji="1" lang="zh-HK" altLang="en-US" dirty="0">
+                  <a:latin typeface="Meiryo UI" panose="020B0604030504040204" pitchFamily="34" charset="-128"/>
+                  <a:ea typeface="Meiryo UI" panose="020B0604030504040204" pitchFamily="34" charset="-128"/>
+                </a:rPr>
+                <a:t>方、健康</a:t>
+              </a:r>
+              <a:r>
+                <a:rPr kumimoji="1" lang="ja-JP" altLang="en-US">
+                  <a:latin typeface="Meiryo UI" panose="020B0604030504040204" pitchFamily="34" charset="-128"/>
+                  <a:ea typeface="Meiryo UI" panose="020B0604030504040204" pitchFamily="34" charset="-128"/>
+                </a:rPr>
+                <a:t>に</a:t>
+              </a:r>
+              <a:r>
+                <a:rPr kumimoji="1" lang="zh-HK" altLang="en-US" dirty="0">
+                  <a:latin typeface="Meiryo UI" panose="020B0604030504040204" pitchFamily="34" charset="-128"/>
+                  <a:ea typeface="Meiryo UI" panose="020B0604030504040204" pitchFamily="34" charset="-128"/>
+                </a:rPr>
+                <a:t>不安</a:t>
+              </a:r>
+              <a:r>
+                <a:rPr kumimoji="1" lang="ja-JP" altLang="en-US">
+                  <a:latin typeface="Meiryo UI" panose="020B0604030504040204" pitchFamily="34" charset="-128"/>
+                  <a:ea typeface="Meiryo UI" panose="020B0604030504040204" pitchFamily="34" charset="-128"/>
+                </a:rPr>
+                <a:t>のある</a:t>
+              </a:r>
+              <a:r>
+                <a:rPr kumimoji="1" lang="zh-HK" altLang="en-US" dirty="0">
+                  <a:latin typeface="Meiryo UI" panose="020B0604030504040204" pitchFamily="34" charset="-128"/>
+                  <a:ea typeface="Meiryo UI" panose="020B0604030504040204" pitchFamily="34" charset="-128"/>
+                </a:rPr>
+                <a:t>高齢</a:t>
+              </a:r>
+              <a:r>
+                <a:rPr kumimoji="1" lang="ja-JP" altLang="en-US">
+                  <a:latin typeface="Meiryo UI" panose="020B0604030504040204" pitchFamily="34" charset="-128"/>
+                  <a:ea typeface="Meiryo UI" panose="020B0604030504040204" pitchFamily="34" charset="-128"/>
+                </a:rPr>
+                <a:t>の</a:t>
+              </a:r>
+              <a:r>
+                <a:rPr kumimoji="1" lang="zh-HK" altLang="en-US" dirty="0">
+                  <a:latin typeface="Meiryo UI" panose="020B0604030504040204" pitchFamily="34" charset="-128"/>
+                  <a:ea typeface="Meiryo UI" panose="020B0604030504040204" pitchFamily="34" charset="-128"/>
+                </a:rPr>
+                <a:t>方</a:t>
+              </a:r>
+              <a:r>
+                <a:rPr kumimoji="1" lang="ja-JP" altLang="en-US">
+                  <a:latin typeface="Meiryo UI" panose="020B0604030504040204" pitchFamily="34" charset="-128"/>
+                  <a:ea typeface="Meiryo UI" panose="020B0604030504040204" pitchFamily="34" charset="-128"/>
+                </a:rPr>
+                <a:t>で</a:t>
+              </a:r>
+              <a:r>
+                <a:rPr kumimoji="1" lang="zh-HK" altLang="en-US" dirty="0">
+                  <a:latin typeface="Meiryo UI" panose="020B0604030504040204" pitchFamily="34" charset="-128"/>
+                  <a:ea typeface="Meiryo UI" panose="020B0604030504040204" pitchFamily="34" charset="-128"/>
+                </a:rPr>
+                <a:t>救急隊員、運</a:t>
+              </a:r>
+              <a:r>
+                <a:rPr kumimoji="1" lang="ja-JP" altLang="en-US">
+                  <a:latin typeface="Meiryo UI" panose="020B0604030504040204" pitchFamily="34" charset="-128"/>
+                  <a:ea typeface="Meiryo UI" panose="020B0604030504040204" pitchFamily="34" charset="-128"/>
+                </a:rPr>
+                <a:t>ばれた</a:t>
+              </a:r>
+              <a:r>
+                <a:rPr kumimoji="1" lang="zh-HK" altLang="en-US" dirty="0">
+                  <a:latin typeface="Meiryo UI" panose="020B0604030504040204" pitchFamily="34" charset="-128"/>
+                  <a:ea typeface="Meiryo UI" panose="020B0604030504040204" pitchFamily="34" charset="-128"/>
+                </a:rPr>
+                <a:t>先</a:t>
+              </a:r>
+              <a:r>
+                <a:rPr kumimoji="1" lang="ja-JP" altLang="en-US">
+                  <a:latin typeface="Meiryo UI" panose="020B0604030504040204" pitchFamily="34" charset="-128"/>
+                  <a:ea typeface="Meiryo UI" panose="020B0604030504040204" pitchFamily="34" charset="-128"/>
+                </a:rPr>
+                <a:t>のお</a:t>
+              </a:r>
+              <a:r>
+                <a:rPr kumimoji="1" lang="zh-HK" altLang="en-US" dirty="0">
+                  <a:latin typeface="Meiryo UI" panose="020B0604030504040204" pitchFamily="34" charset="-128"/>
+                  <a:ea typeface="Meiryo UI" panose="020B0604030504040204" pitchFamily="34" charset="-128"/>
+                </a:rPr>
+                <a:t>医者</a:t>
+              </a:r>
+              <a:r>
+                <a:rPr kumimoji="1" lang="ja-JP" altLang="en-US">
+                  <a:latin typeface="Meiryo UI" panose="020B0604030504040204" pitchFamily="34" charset="-128"/>
+                  <a:ea typeface="Meiryo UI" panose="020B0604030504040204" pitchFamily="34" charset="-128"/>
+                </a:rPr>
+                <a:t>さんに</a:t>
+              </a:r>
+              <a:r>
+                <a:rPr kumimoji="1" lang="zh-HK" altLang="en-US" dirty="0">
+                  <a:latin typeface="Meiryo UI" panose="020B0604030504040204" pitchFamily="34" charset="-128"/>
+                  <a:ea typeface="Meiryo UI" panose="020B0604030504040204" pitchFamily="34" charset="-128"/>
+                </a:rPr>
+                <a:t>診</a:t>
+              </a:r>
+              <a:r>
+                <a:rPr kumimoji="1" lang="ja-JP" altLang="en-US">
+                  <a:latin typeface="Meiryo UI" panose="020B0604030504040204" pitchFamily="34" charset="-128"/>
+                  <a:ea typeface="Meiryo UI" panose="020B0604030504040204" pitchFamily="34" charset="-128"/>
+                </a:rPr>
+                <a:t>てもらうようなサイトとなっています。</a:t>
+              </a:r>
+              <a:endParaRPr kumimoji="1" lang="zh-HK" altLang="en-US" dirty="0">
                 <a:latin typeface="Meiryo UI" panose="020B0604030504040204" pitchFamily="34" charset="-128"/>
                 <a:ea typeface="Meiryo UI" panose="020B0604030504040204" pitchFamily="34" charset="-128"/>
               </a:endParaRPr>
@@ -5892,216 +8057,6 @@
           </p:txBody>
         </p:sp>
       </p:grpSp>
-      <p:pic>
-        <p:nvPicPr>
-          <p:cNvPr id="68" name="圖片 67">
-            <a:extLst>
-              <a:ext uri="{FF2B5EF4-FFF2-40B4-BE49-F238E27FC236}">
-                <a16:creationId xmlns:a16="http://schemas.microsoft.com/office/drawing/2014/main" id="{B2B7E1EF-EF70-B46E-B559-CDE2829E8216}"/>
-              </a:ext>
-            </a:extLst>
-          </p:cNvPr>
-          <p:cNvPicPr>
-            <a:picLocks noChangeAspect="1"/>
-          </p:cNvPicPr>
-          <p:nvPr/>
-        </p:nvPicPr>
-        <p:blipFill>
-          <a:blip r:embed="rId6"/>
-          <a:srcRect/>
-          <a:stretch/>
-        </p:blipFill>
-        <p:spPr>
-          <a:xfrm>
-            <a:off x="3863002" y="3450756"/>
-            <a:ext cx="600848" cy="1015226"/>
-          </a:xfrm>
-          <a:prstGeom prst="rect">
-            <a:avLst/>
-          </a:prstGeom>
-        </p:spPr>
-      </p:pic>
-      <p:sp>
-        <p:nvSpPr>
-          <p:cNvPr id="69" name="矩形 68">
-            <a:extLst>
-              <a:ext uri="{FF2B5EF4-FFF2-40B4-BE49-F238E27FC236}">
-                <a16:creationId xmlns:a16="http://schemas.microsoft.com/office/drawing/2014/main" id="{3A355DDE-D226-5498-632A-0E9681FE74F8}"/>
-              </a:ext>
-            </a:extLst>
-          </p:cNvPr>
-          <p:cNvSpPr/>
-          <p:nvPr/>
-        </p:nvSpPr>
-        <p:spPr>
-          <a:xfrm>
-            <a:off x="3933838" y="2927915"/>
-            <a:ext cx="1277258" cy="227391"/>
-          </a:xfrm>
-          <a:prstGeom prst="rect">
-            <a:avLst/>
-          </a:prstGeom>
-          <a:solidFill>
-            <a:srgbClr val="00B0F0"/>
-          </a:solidFill>
-          <a:ln>
-            <a:noFill/>
-          </a:ln>
-        </p:spPr>
-        <p:style>
-          <a:lnRef idx="2">
-            <a:schemeClr val="accent1">
-              <a:shade val="15000"/>
-            </a:schemeClr>
-          </a:lnRef>
-          <a:fillRef idx="1">
-            <a:schemeClr val="accent1"/>
-          </a:fillRef>
-          <a:effectRef idx="0">
-            <a:schemeClr val="accent1"/>
-          </a:effectRef>
-          <a:fontRef idx="minor">
-            <a:schemeClr val="lt1"/>
-          </a:fontRef>
-        </p:style>
-        <p:txBody>
-          <a:bodyPr rtlCol="0" anchor="ctr"/>
-          <a:lstStyle/>
-          <a:p>
-            <a:pPr algn="ctr"/>
-            <a:r>
-              <a:rPr kumimoji="1" lang="zh-HK" altLang="en-US" sz="1000" dirty="0">
-                <a:latin typeface="Yu Gothic UI" panose="020B0500000000000000" pitchFamily="34" charset="-128"/>
-                <a:ea typeface="Yu Gothic UI" panose="020B0500000000000000" pitchFamily="34" charset="-128"/>
-              </a:rPr>
-              <a:t>この作品の担当</a:t>
-            </a:r>
-          </a:p>
-        </p:txBody>
-      </p:sp>
-      <p:sp>
-        <p:nvSpPr>
-          <p:cNvPr id="70" name="文字方塊 69">
-            <a:extLst>
-              <a:ext uri="{FF2B5EF4-FFF2-40B4-BE49-F238E27FC236}">
-                <a16:creationId xmlns:a16="http://schemas.microsoft.com/office/drawing/2014/main" id="{B35BBFD2-B925-123B-684A-87E42D57EA03}"/>
-              </a:ext>
-            </a:extLst>
-          </p:cNvPr>
-          <p:cNvSpPr txBox="1"/>
-          <p:nvPr/>
-        </p:nvSpPr>
-        <p:spPr>
-          <a:xfrm>
-            <a:off x="3850384" y="3155306"/>
-            <a:ext cx="3498141" cy="276999"/>
-          </a:xfrm>
-          <a:prstGeom prst="rect">
-            <a:avLst/>
-          </a:prstGeom>
-          <a:noFill/>
-        </p:spPr>
-        <p:txBody>
-          <a:bodyPr wrap="square" rtlCol="0">
-            <a:spAutoFit/>
-          </a:bodyPr>
-          <a:lstStyle/>
-          <a:p>
-            <a:r>
-              <a:rPr kumimoji="1" lang="en-US" altLang="zh-HK" sz="1200" dirty="0" err="1">
-                <a:latin typeface="Meiryo UI" panose="020B0604030504040204" pitchFamily="34" charset="-128"/>
-                <a:ea typeface="Meiryo UI" panose="020B0604030504040204" pitchFamily="34" charset="-128"/>
-              </a:rPr>
-              <a:t>React.js</a:t>
-            </a:r>
-            <a:r>
-              <a:rPr kumimoji="1" lang="zh-HK" altLang="en-US" sz="1200" dirty="0">
-                <a:latin typeface="Meiryo UI" panose="020B0604030504040204" pitchFamily="34" charset="-128"/>
-                <a:ea typeface="Meiryo UI" panose="020B0604030504040204" pitchFamily="34" charset="-128"/>
-              </a:rPr>
-              <a:t>、画面デザイン、</a:t>
-            </a:r>
-            <a:r>
-              <a:rPr kumimoji="1" lang="en-US" altLang="zh-HK" sz="1200" dirty="0">
-                <a:latin typeface="Meiryo UI" panose="020B0604030504040204" pitchFamily="34" charset="-128"/>
-                <a:ea typeface="Meiryo UI" panose="020B0604030504040204" pitchFamily="34" charset="-128"/>
-              </a:rPr>
-              <a:t>AWS</a:t>
-            </a:r>
-            <a:r>
-              <a:rPr kumimoji="1" lang="zh-HK" altLang="en-US" sz="1200" dirty="0">
-                <a:latin typeface="Meiryo UI" panose="020B0604030504040204" pitchFamily="34" charset="-128"/>
-                <a:ea typeface="Meiryo UI" panose="020B0604030504040204" pitchFamily="34" charset="-128"/>
-              </a:rPr>
-              <a:t>構築</a:t>
-            </a:r>
-            <a:endParaRPr kumimoji="1" lang="en-US" altLang="zh-HK" sz="1200" dirty="0">
-              <a:latin typeface="Meiryo UI" panose="020B0604030504040204" pitchFamily="34" charset="-128"/>
-              <a:ea typeface="Meiryo UI" panose="020B0604030504040204" pitchFamily="34" charset="-128"/>
-            </a:endParaRPr>
-          </a:p>
-        </p:txBody>
-      </p:sp>
-      <p:pic>
-        <p:nvPicPr>
-          <p:cNvPr id="47" name="圖片 46" descr="一張含有 黑色, 黑暗 的圖片&#10;&#10;自動產生的描述">
-            <a:extLst>
-              <a:ext uri="{FF2B5EF4-FFF2-40B4-BE49-F238E27FC236}">
-                <a16:creationId xmlns:a16="http://schemas.microsoft.com/office/drawing/2014/main" id="{7D61F019-EB33-0A59-834D-34CC6416980B}"/>
-              </a:ext>
-            </a:extLst>
-          </p:cNvPr>
-          <p:cNvPicPr>
-            <a:picLocks noChangeAspect="1"/>
-          </p:cNvPicPr>
-          <p:nvPr/>
-        </p:nvPicPr>
-        <p:blipFill>
-          <a:blip r:embed="rId7"/>
-          <a:stretch>
-            <a:fillRect/>
-          </a:stretch>
-        </p:blipFill>
-        <p:spPr>
-          <a:xfrm>
-            <a:off x="5019652" y="3476220"/>
-            <a:ext cx="359598" cy="368369"/>
-          </a:xfrm>
-          <a:prstGeom prst="rect">
-            <a:avLst/>
-          </a:prstGeom>
-        </p:spPr>
-      </p:pic>
-      <p:pic>
-        <p:nvPicPr>
-          <p:cNvPr id="71" name="圖片 70" descr="一張含有 文字, 螢幕擷取畫面, 軟體, 設計 的圖片&#10;&#10;自動產生的描述">
-            <a:extLst>
-              <a:ext uri="{FF2B5EF4-FFF2-40B4-BE49-F238E27FC236}">
-                <a16:creationId xmlns:a16="http://schemas.microsoft.com/office/drawing/2014/main" id="{FD6CBB54-475C-0799-AA7A-D2196B8D1889}"/>
-              </a:ext>
-            </a:extLst>
-          </p:cNvPr>
-          <p:cNvPicPr>
-            <a:picLocks noChangeAspect="1"/>
-          </p:cNvPicPr>
-          <p:nvPr/>
-        </p:nvPicPr>
-        <p:blipFill>
-          <a:blip r:embed="rId8"/>
-          <a:stretch>
-            <a:fillRect/>
-          </a:stretch>
-        </p:blipFill>
-        <p:spPr>
-          <a:xfrm>
-            <a:off x="5351759" y="3705417"/>
-            <a:ext cx="1431985" cy="768382"/>
-          </a:xfrm>
-          <a:prstGeom prst="rect">
-            <a:avLst/>
-          </a:prstGeom>
-        </p:spPr>
-      </p:pic>
     </p:spTree>
     <p:extLst>
       <p:ext uri="{BB962C8B-B14F-4D97-AF65-F5344CB8AC3E}">
